--- a/class_diagram.pptx
+++ b/class_diagram.pptx
@@ -198,7 +198,7 @@
           <a:p>
             <a:fld id="{8543C0F6-9420-A348-B989-152B43F49D8E}" type="datetimeFigureOut">
               <a:rPr lang="en-US" smtClean="0"/>
-              <a:t>12/17/21</a:t>
+              <a:t>12/21/21</a:t>
             </a:fld>
             <a:endParaRPr lang="en-US"/>
           </a:p>
@@ -680,7 +680,7 @@
           <a:p>
             <a:fld id="{7FA288A2-C145-9D48-B0F3-C3C049AE66AC}" type="datetimeFigureOut">
               <a:rPr lang="en-US" smtClean="0"/>
-              <a:t>12/17/21</a:t>
+              <a:t>12/21/21</a:t>
             </a:fld>
             <a:endParaRPr lang="en-US"/>
           </a:p>
@@ -850,7 +850,7 @@
           <a:p>
             <a:fld id="{7FA288A2-C145-9D48-B0F3-C3C049AE66AC}" type="datetimeFigureOut">
               <a:rPr lang="en-US" smtClean="0"/>
-              <a:t>12/17/21</a:t>
+              <a:t>12/21/21</a:t>
             </a:fld>
             <a:endParaRPr lang="en-US"/>
           </a:p>
@@ -1030,7 +1030,7 @@
           <a:p>
             <a:fld id="{7FA288A2-C145-9D48-B0F3-C3C049AE66AC}" type="datetimeFigureOut">
               <a:rPr lang="en-US" smtClean="0"/>
-              <a:t>12/17/21</a:t>
+              <a:t>12/21/21</a:t>
             </a:fld>
             <a:endParaRPr lang="en-US"/>
           </a:p>
@@ -1200,7 +1200,7 @@
           <a:p>
             <a:fld id="{7FA288A2-C145-9D48-B0F3-C3C049AE66AC}" type="datetimeFigureOut">
               <a:rPr lang="en-US" smtClean="0"/>
-              <a:t>12/17/21</a:t>
+              <a:t>12/21/21</a:t>
             </a:fld>
             <a:endParaRPr lang="en-US"/>
           </a:p>
@@ -1444,7 +1444,7 @@
           <a:p>
             <a:fld id="{7FA288A2-C145-9D48-B0F3-C3C049AE66AC}" type="datetimeFigureOut">
               <a:rPr lang="en-US" smtClean="0"/>
-              <a:t>12/17/21</a:t>
+              <a:t>12/21/21</a:t>
             </a:fld>
             <a:endParaRPr lang="en-US"/>
           </a:p>
@@ -1676,7 +1676,7 @@
           <a:p>
             <a:fld id="{7FA288A2-C145-9D48-B0F3-C3C049AE66AC}" type="datetimeFigureOut">
               <a:rPr lang="en-US" smtClean="0"/>
-              <a:t>12/17/21</a:t>
+              <a:t>12/21/21</a:t>
             </a:fld>
             <a:endParaRPr lang="en-US"/>
           </a:p>
@@ -2043,7 +2043,7 @@
           <a:p>
             <a:fld id="{7FA288A2-C145-9D48-B0F3-C3C049AE66AC}" type="datetimeFigureOut">
               <a:rPr lang="en-US" smtClean="0"/>
-              <a:t>12/17/21</a:t>
+              <a:t>12/21/21</a:t>
             </a:fld>
             <a:endParaRPr lang="en-US"/>
           </a:p>
@@ -2161,7 +2161,7 @@
           <a:p>
             <a:fld id="{7FA288A2-C145-9D48-B0F3-C3C049AE66AC}" type="datetimeFigureOut">
               <a:rPr lang="en-US" smtClean="0"/>
-              <a:t>12/17/21</a:t>
+              <a:t>12/21/21</a:t>
             </a:fld>
             <a:endParaRPr lang="en-US"/>
           </a:p>
@@ -2256,7 +2256,7 @@
           <a:p>
             <a:fld id="{7FA288A2-C145-9D48-B0F3-C3C049AE66AC}" type="datetimeFigureOut">
               <a:rPr lang="en-US" smtClean="0"/>
-              <a:t>12/17/21</a:t>
+              <a:t>12/21/21</a:t>
             </a:fld>
             <a:endParaRPr lang="en-US"/>
           </a:p>
@@ -2533,7 +2533,7 @@
           <a:p>
             <a:fld id="{7FA288A2-C145-9D48-B0F3-C3C049AE66AC}" type="datetimeFigureOut">
               <a:rPr lang="en-US" smtClean="0"/>
-              <a:t>12/17/21</a:t>
+              <a:t>12/21/21</a:t>
             </a:fld>
             <a:endParaRPr lang="en-US"/>
           </a:p>
@@ -2790,7 +2790,7 @@
           <a:p>
             <a:fld id="{7FA288A2-C145-9D48-B0F3-C3C049AE66AC}" type="datetimeFigureOut">
               <a:rPr lang="en-US" smtClean="0"/>
-              <a:t>12/17/21</a:t>
+              <a:t>12/21/21</a:t>
             </a:fld>
             <a:endParaRPr lang="en-US"/>
           </a:p>
@@ -3003,7 +3003,7 @@
           <a:p>
             <a:fld id="{7FA288A2-C145-9D48-B0F3-C3C049AE66AC}" type="datetimeFigureOut">
               <a:rPr lang="en-US" smtClean="0"/>
-              <a:t>12/17/21</a:t>
+              <a:t>12/21/21</a:t>
             </a:fld>
             <a:endParaRPr lang="en-US"/>
           </a:p>
@@ -6796,7 +6796,7 @@
           <a:p>
             <a:r>
               <a:rPr lang="en-US" sz="1350" dirty="0"/>
-              <a:t>1</a:t>
+              <a:t>2</a:t>
             </a:r>
           </a:p>
         </p:txBody>
@@ -15445,7 +15445,7 @@
             <a:pPr algn="r"/>
             <a:r>
               <a:rPr lang="en-US" sz="1350" dirty="0"/>
-              <a:t>1..n</a:t>
+              <a:t>4</a:t>
             </a:r>
           </a:p>
         </p:txBody>
@@ -15481,7 +15481,7 @@
             <a:pPr algn="r"/>
             <a:r>
               <a:rPr lang="en-US" sz="1350" dirty="0"/>
-              <a:t>1..n</a:t>
+              <a:t>4</a:t>
             </a:r>
           </a:p>
         </p:txBody>
@@ -15938,7 +15938,7 @@
             <a:pPr algn="r"/>
             <a:r>
               <a:rPr lang="en-US" sz="1350" dirty="0"/>
-              <a:t>1..n</a:t>
+              <a:t>3</a:t>
             </a:r>
           </a:p>
         </p:txBody>
@@ -15974,7 +15974,7 @@
             <a:pPr algn="r"/>
             <a:r>
               <a:rPr lang="en-US" sz="1350" dirty="0"/>
-              <a:t>1..n</a:t>
+              <a:t>3</a:t>
             </a:r>
           </a:p>
         </p:txBody>
@@ -20501,8 +20501,8 @@
         </p:nvSpPr>
         <p:spPr>
           <a:xfrm>
-            <a:off x="8327082" y="2001858"/>
-            <a:ext cx="3007127" cy="369332"/>
+            <a:off x="8327081" y="1750852"/>
+            <a:ext cx="3524251" cy="923330"/>
           </a:xfrm>
           <a:prstGeom prst="rect">
             <a:avLst/>
@@ -20521,7 +20521,23 @@
                   <a:schemeClr val="accent2"/>
                 </a:solidFill>
               </a:rPr>
-              <a:t>Main window container</a:t>
+              <a:t>Main window container + children configuration windows (Interval, Threshold, </a:t>
+            </a:r>
+            <a:r>
+              <a:rPr lang="en-US" dirty="0" err="1">
+                <a:solidFill>
+                  <a:schemeClr val="accent2"/>
+                </a:solidFill>
+              </a:rPr>
+              <a:t>YRange</a:t>
+            </a:r>
+            <a:r>
+              <a:rPr lang="en-US" dirty="0">
+                <a:solidFill>
+                  <a:schemeClr val="accent2"/>
+                </a:solidFill>
+              </a:rPr>
+              <a:t>)</a:t>
             </a:r>
           </a:p>
         </p:txBody>
@@ -20957,7 +20973,7 @@
         </p:nvSpPr>
         <p:spPr>
           <a:xfrm>
-            <a:off x="4892292" y="6790606"/>
+            <a:off x="4874154" y="6629145"/>
             <a:ext cx="449122" cy="1142554"/>
           </a:xfrm>
           <a:prstGeom prst="leftBrace">
@@ -21108,6 +21124,41 @@
           <a:p>
             <a:pPr algn="ctr"/>
             <a:endParaRPr lang="en-US"/>
+          </a:p>
+        </p:txBody>
+      </p:sp>
+      <p:sp>
+        <p:nvSpPr>
+          <p:cNvPr id="164" name="TextBox 163">
+            <a:extLst>
+              <a:ext uri="{FF2B5EF4-FFF2-40B4-BE49-F238E27FC236}">
+                <a16:creationId xmlns:a16="http://schemas.microsoft.com/office/drawing/2014/main" id="{A9133315-15DB-B346-8EAE-0A5ACCB85188}"/>
+              </a:ext>
+            </a:extLst>
+          </p:cNvPr>
+          <p:cNvSpPr txBox="1"/>
+          <p:nvPr/>
+        </p:nvSpPr>
+        <p:spPr>
+          <a:xfrm>
+            <a:off x="6371868" y="5576098"/>
+            <a:ext cx="265710" cy="300082"/>
+          </a:xfrm>
+          <a:prstGeom prst="rect">
+            <a:avLst/>
+          </a:prstGeom>
+          <a:noFill/>
+        </p:spPr>
+        <p:txBody>
+          <a:bodyPr wrap="square" rtlCol="0">
+            <a:spAutoFit/>
+          </a:bodyPr>
+          <a:lstStyle/>
+          <a:p>
+            <a:r>
+              <a:rPr lang="en-US" sz="1350" dirty="0"/>
+              <a:t>7</a:t>
+            </a:r>
           </a:p>
         </p:txBody>
       </p:sp>

--- a/class_diagram.pptx
+++ b/class_diagram.pptx
@@ -198,7 +198,7 @@
           <a:p>
             <a:fld id="{8543C0F6-9420-A348-B989-152B43F49D8E}" type="datetimeFigureOut">
               <a:rPr lang="en-US" smtClean="0"/>
-              <a:t>12/21/21</a:t>
+              <a:t>5/10/22</a:t>
             </a:fld>
             <a:endParaRPr lang="en-US"/>
           </a:p>
@@ -530,6 +530,90 @@
           <a:p>
             <a:fld id="{CB3A3E40-1A91-9849-8BFA-1F81BCB7BCCC}" type="slidenum">
               <a:rPr lang="en-US" smtClean="0"/>
+              <a:t>1</a:t>
+            </a:fld>
+            <a:endParaRPr lang="en-US"/>
+          </a:p>
+        </p:txBody>
+      </p:sp>
+    </p:spTree>
+    <p:extLst>
+      <p:ext uri="{BB962C8B-B14F-4D97-AF65-F5344CB8AC3E}">
+        <p14:creationId xmlns:p14="http://schemas.microsoft.com/office/powerpoint/2010/main" val="1957121582"/>
+      </p:ext>
+    </p:extLst>
+  </p:cSld>
+  <p:clrMapOvr>
+    <a:masterClrMapping/>
+  </p:clrMapOvr>
+</p:notes>
+</file>
+
+<file path=ppt/notesSlides/notesSlide2.xml><?xml version="1.0" encoding="utf-8"?>
+<p:notes xmlns:a="http://schemas.openxmlformats.org/drawingml/2006/main" xmlns:r="http://schemas.openxmlformats.org/officeDocument/2006/relationships" xmlns:p="http://schemas.openxmlformats.org/presentationml/2006/main">
+  <p:cSld>
+    <p:spTree>
+      <p:nvGrpSpPr>
+        <p:cNvPr id="1" name=""/>
+        <p:cNvGrpSpPr/>
+        <p:nvPr/>
+      </p:nvGrpSpPr>
+      <p:grpSpPr>
+        <a:xfrm>
+          <a:off x="0" y="0"/>
+          <a:ext cx="0" cy="0"/>
+          <a:chOff x="0" y="0"/>
+          <a:chExt cx="0" cy="0"/>
+        </a:xfrm>
+      </p:grpSpPr>
+      <p:sp>
+        <p:nvSpPr>
+          <p:cNvPr id="2" name="Slide Image Placeholder 1"/>
+          <p:cNvSpPr>
+            <a:spLocks noGrp="1" noRot="1" noChangeAspect="1"/>
+          </p:cNvSpPr>
+          <p:nvPr>
+            <p:ph type="sldImg"/>
+          </p:nvPr>
+        </p:nvSpPr>
+        <p:spPr/>
+      </p:sp>
+      <p:sp>
+        <p:nvSpPr>
+          <p:cNvPr id="3" name="Notes Placeholder 2"/>
+          <p:cNvSpPr>
+            <a:spLocks noGrp="1"/>
+          </p:cNvSpPr>
+          <p:nvPr>
+            <p:ph type="body" idx="1"/>
+          </p:nvPr>
+        </p:nvSpPr>
+        <p:spPr/>
+        <p:txBody>
+          <a:bodyPr/>
+          <a:lstStyle/>
+          <a:p>
+            <a:endParaRPr lang="en-US" dirty="0"/>
+          </a:p>
+        </p:txBody>
+      </p:sp>
+      <p:sp>
+        <p:nvSpPr>
+          <p:cNvPr id="4" name="Slide Number Placeholder 3"/>
+          <p:cNvSpPr>
+            <a:spLocks noGrp="1"/>
+          </p:cNvSpPr>
+          <p:nvPr>
+            <p:ph type="sldNum" sz="quarter" idx="5"/>
+          </p:nvPr>
+        </p:nvSpPr>
+        <p:spPr/>
+        <p:txBody>
+          <a:bodyPr/>
+          <a:lstStyle/>
+          <a:p>
+            <a:fld id="{CB3A3E40-1A91-9849-8BFA-1F81BCB7BCCC}" type="slidenum">
+              <a:rPr lang="en-US" smtClean="0"/>
               <a:t>2</a:t>
             </a:fld>
             <a:endParaRPr lang="en-US"/>
@@ -680,7 +764,7 @@
           <a:p>
             <a:fld id="{7FA288A2-C145-9D48-B0F3-C3C049AE66AC}" type="datetimeFigureOut">
               <a:rPr lang="en-US" smtClean="0"/>
-              <a:t>12/21/21</a:t>
+              <a:t>5/10/22</a:t>
             </a:fld>
             <a:endParaRPr lang="en-US"/>
           </a:p>
@@ -850,7 +934,7 @@
           <a:p>
             <a:fld id="{7FA288A2-C145-9D48-B0F3-C3C049AE66AC}" type="datetimeFigureOut">
               <a:rPr lang="en-US" smtClean="0"/>
-              <a:t>12/21/21</a:t>
+              <a:t>5/10/22</a:t>
             </a:fld>
             <a:endParaRPr lang="en-US"/>
           </a:p>
@@ -1030,7 +1114,7 @@
           <a:p>
             <a:fld id="{7FA288A2-C145-9D48-B0F3-C3C049AE66AC}" type="datetimeFigureOut">
               <a:rPr lang="en-US" smtClean="0"/>
-              <a:t>12/21/21</a:t>
+              <a:t>5/10/22</a:t>
             </a:fld>
             <a:endParaRPr lang="en-US"/>
           </a:p>
@@ -1200,7 +1284,7 @@
           <a:p>
             <a:fld id="{7FA288A2-C145-9D48-B0F3-C3C049AE66AC}" type="datetimeFigureOut">
               <a:rPr lang="en-US" smtClean="0"/>
-              <a:t>12/21/21</a:t>
+              <a:t>5/10/22</a:t>
             </a:fld>
             <a:endParaRPr lang="en-US"/>
           </a:p>
@@ -1444,7 +1528,7 @@
           <a:p>
             <a:fld id="{7FA288A2-C145-9D48-B0F3-C3C049AE66AC}" type="datetimeFigureOut">
               <a:rPr lang="en-US" smtClean="0"/>
-              <a:t>12/21/21</a:t>
+              <a:t>5/10/22</a:t>
             </a:fld>
             <a:endParaRPr lang="en-US"/>
           </a:p>
@@ -1676,7 +1760,7 @@
           <a:p>
             <a:fld id="{7FA288A2-C145-9D48-B0F3-C3C049AE66AC}" type="datetimeFigureOut">
               <a:rPr lang="en-US" smtClean="0"/>
-              <a:t>12/21/21</a:t>
+              <a:t>5/10/22</a:t>
             </a:fld>
             <a:endParaRPr lang="en-US"/>
           </a:p>
@@ -2043,7 +2127,7 @@
           <a:p>
             <a:fld id="{7FA288A2-C145-9D48-B0F3-C3C049AE66AC}" type="datetimeFigureOut">
               <a:rPr lang="en-US" smtClean="0"/>
-              <a:t>12/21/21</a:t>
+              <a:t>5/10/22</a:t>
             </a:fld>
             <a:endParaRPr lang="en-US"/>
           </a:p>
@@ -2161,7 +2245,7 @@
           <a:p>
             <a:fld id="{7FA288A2-C145-9D48-B0F3-C3C049AE66AC}" type="datetimeFigureOut">
               <a:rPr lang="en-US" smtClean="0"/>
-              <a:t>12/21/21</a:t>
+              <a:t>5/10/22</a:t>
             </a:fld>
             <a:endParaRPr lang="en-US"/>
           </a:p>
@@ -2256,7 +2340,7 @@
           <a:p>
             <a:fld id="{7FA288A2-C145-9D48-B0F3-C3C049AE66AC}" type="datetimeFigureOut">
               <a:rPr lang="en-US" smtClean="0"/>
-              <a:t>12/21/21</a:t>
+              <a:t>5/10/22</a:t>
             </a:fld>
             <a:endParaRPr lang="en-US"/>
           </a:p>
@@ -2533,7 +2617,7 @@
           <a:p>
             <a:fld id="{7FA288A2-C145-9D48-B0F3-C3C049AE66AC}" type="datetimeFigureOut">
               <a:rPr lang="en-US" smtClean="0"/>
-              <a:t>12/21/21</a:t>
+              <a:t>5/10/22</a:t>
             </a:fld>
             <a:endParaRPr lang="en-US"/>
           </a:p>
@@ -2790,7 +2874,7 @@
           <a:p>
             <a:fld id="{7FA288A2-C145-9D48-B0F3-C3C049AE66AC}" type="datetimeFigureOut">
               <a:rPr lang="en-US" smtClean="0"/>
-              <a:t>12/21/21</a:t>
+              <a:t>5/10/22</a:t>
             </a:fld>
             <a:endParaRPr lang="en-US"/>
           </a:p>
@@ -3003,7 +3087,7 @@
           <a:p>
             <a:fld id="{7FA288A2-C145-9D48-B0F3-C3C049AE66AC}" type="datetimeFigureOut">
               <a:rPr lang="en-US" smtClean="0"/>
-              <a:t>12/21/21</a:t>
+              <a:t>5/10/22</a:t>
             </a:fld>
             <a:endParaRPr lang="en-US"/>
           </a:p>
@@ -4944,9 +5028,9 @@
           <p:nvPr/>
         </p:nvCxnSpPr>
         <p:spPr>
-          <a:xfrm flipH="1" flipV="1">
+          <a:xfrm flipV="1">
             <a:off x="7043250" y="2495841"/>
-            <a:ext cx="876" cy="9083016"/>
+            <a:ext cx="0" cy="8422095"/>
           </a:xfrm>
           <a:prstGeom prst="line">
             <a:avLst/>
@@ -5909,7 +5993,7 @@
         </p:nvSpPr>
         <p:spPr>
           <a:xfrm>
-            <a:off x="7522308" y="4565362"/>
+            <a:off x="8659137" y="4565362"/>
             <a:ext cx="1464322" cy="300082"/>
           </a:xfrm>
           <a:prstGeom prst="rect">
@@ -5951,7 +6035,7 @@
         </p:nvSpPr>
         <p:spPr>
           <a:xfrm>
-            <a:off x="9404216" y="6002849"/>
+            <a:off x="9404216" y="6628937"/>
             <a:ext cx="1147192" cy="300082"/>
           </a:xfrm>
           <a:prstGeom prst="rect">
@@ -6002,7 +6086,7 @@
         </p:nvSpPr>
         <p:spPr>
           <a:xfrm rot="10800000">
-            <a:off x="9614164" y="5902869"/>
+            <a:off x="9614164" y="6528957"/>
             <a:ext cx="115503" cy="93847"/>
           </a:xfrm>
           <a:prstGeom prst="triangle">
@@ -6042,45 +6126,6 @@
           </a:p>
         </p:txBody>
       </p:sp>
-      <p:cxnSp>
-        <p:nvCxnSpPr>
-          <p:cNvPr id="90" name="Straight Connector 89">
-            <a:extLst>
-              <a:ext uri="{FF2B5EF4-FFF2-40B4-BE49-F238E27FC236}">
-                <a16:creationId xmlns:a16="http://schemas.microsoft.com/office/drawing/2014/main" id="{20A39B71-64B5-A64B-882B-C5FFFDA83F58}"/>
-              </a:ext>
-            </a:extLst>
-          </p:cNvPr>
-          <p:cNvCxnSpPr>
-            <a:cxnSpLocks/>
-            <a:stCxn id="176" idx="2"/>
-          </p:cNvCxnSpPr>
-          <p:nvPr/>
-        </p:nvCxnSpPr>
-        <p:spPr>
-          <a:xfrm>
-            <a:off x="8254469" y="4865444"/>
-            <a:ext cx="0" cy="759685"/>
-          </a:xfrm>
-          <a:prstGeom prst="line">
-            <a:avLst/>
-          </a:prstGeom>
-        </p:spPr>
-        <p:style>
-          <a:lnRef idx="1">
-            <a:schemeClr val="dk1"/>
-          </a:lnRef>
-          <a:fillRef idx="0">
-            <a:schemeClr val="dk1"/>
-          </a:fillRef>
-          <a:effectRef idx="0">
-            <a:schemeClr val="dk1"/>
-          </a:effectRef>
-          <a:fontRef idx="minor">
-            <a:schemeClr val="tx1"/>
-          </a:fontRef>
-        </p:style>
-      </p:cxnSp>
       <p:sp>
         <p:nvSpPr>
           <p:cNvPr id="94" name="Rectangle 93">
@@ -6095,7 +6140,7 @@
         </p:nvSpPr>
         <p:spPr>
           <a:xfrm rot="2668524">
-            <a:off x="9017738" y="4668154"/>
+            <a:off x="10154567" y="4668154"/>
             <a:ext cx="94499" cy="94499"/>
           </a:xfrm>
           <a:prstGeom prst="rect">
@@ -6367,7 +6412,7 @@
         <p:spPr>
           <a:xfrm flipH="1">
             <a:off x="7047618" y="4715403"/>
-            <a:ext cx="474690" cy="0"/>
+            <a:ext cx="1611519" cy="0"/>
           </a:xfrm>
           <a:prstGeom prst="line">
             <a:avLst/>
@@ -6405,7 +6450,7 @@
         </p:nvCxnSpPr>
         <p:spPr>
           <a:xfrm flipH="1">
-            <a:off x="8986663" y="4715403"/>
+            <a:off x="10123492" y="4715403"/>
             <a:ext cx="754632" cy="0"/>
           </a:xfrm>
           <a:prstGeom prst="line">
@@ -6441,7 +6486,7 @@
         </p:nvSpPr>
         <p:spPr>
           <a:xfrm>
-            <a:off x="9741294" y="4107602"/>
+            <a:off x="10878123" y="4107602"/>
             <a:ext cx="1276446" cy="300082"/>
           </a:xfrm>
           <a:prstGeom prst="rect">
@@ -6492,7 +6537,7 @@
         </p:nvSpPr>
         <p:spPr>
           <a:xfrm>
-            <a:off x="9741295" y="4565362"/>
+            <a:off x="10878124" y="4565362"/>
             <a:ext cx="1387808" cy="300082"/>
           </a:xfrm>
           <a:prstGeom prst="rect">
@@ -6543,7 +6588,7 @@
         </p:nvSpPr>
         <p:spPr>
           <a:xfrm>
-            <a:off x="9830789" y="5066864"/>
+            <a:off x="10967618" y="5066864"/>
             <a:ext cx="1097458" cy="300082"/>
           </a:xfrm>
           <a:prstGeom prst="rect">
@@ -6596,7 +6641,7 @@
         </p:nvCxnSpPr>
         <p:spPr>
           <a:xfrm>
-            <a:off x="9331301" y="4257643"/>
+            <a:off x="10468130" y="4257643"/>
             <a:ext cx="0" cy="959262"/>
           </a:xfrm>
           <a:prstGeom prst="line">
@@ -6635,7 +6680,7 @@
         </p:nvCxnSpPr>
         <p:spPr>
           <a:xfrm flipH="1">
-            <a:off x="9331301" y="4257643"/>
+            <a:off x="10468130" y="4257643"/>
             <a:ext cx="409993" cy="0"/>
           </a:xfrm>
           <a:prstGeom prst="line">
@@ -6674,7 +6719,7 @@
         </p:nvCxnSpPr>
         <p:spPr>
           <a:xfrm flipH="1">
-            <a:off x="9331301" y="5216905"/>
+            <a:off x="10468130" y="5216905"/>
             <a:ext cx="499488" cy="0"/>
           </a:xfrm>
           <a:prstGeom prst="line">
@@ -6710,7 +6755,7 @@
         </p:nvSpPr>
         <p:spPr>
           <a:xfrm>
-            <a:off x="9498001" y="3990496"/>
+            <a:off x="10634830" y="3990496"/>
             <a:ext cx="256653" cy="300082"/>
           </a:xfrm>
           <a:prstGeom prst="rect">
@@ -6745,7 +6790,7 @@
         </p:nvSpPr>
         <p:spPr>
           <a:xfrm>
-            <a:off x="9502225" y="4432893"/>
+            <a:off x="10639054" y="4432893"/>
             <a:ext cx="256653" cy="300082"/>
           </a:xfrm>
           <a:prstGeom prst="rect">
@@ -6780,7 +6825,7 @@
         </p:nvSpPr>
         <p:spPr>
           <a:xfrm>
-            <a:off x="9566799" y="4943080"/>
+            <a:off x="10703628" y="4943080"/>
             <a:ext cx="256653" cy="300082"/>
           </a:xfrm>
           <a:prstGeom prst="rect">
@@ -6956,7 +7001,7 @@
         </p:nvSpPr>
         <p:spPr>
           <a:xfrm>
-            <a:off x="7588257" y="6018064"/>
+            <a:off x="7588257" y="6644152"/>
             <a:ext cx="1304620" cy="300082"/>
           </a:xfrm>
           <a:prstGeom prst="rect">
@@ -6986,22 +7031,23 @@
       </p:sp>
       <p:cxnSp>
         <p:nvCxnSpPr>
-          <p:cNvPr id="149" name="Straight Connector 148">
-            <a:extLst>
-              <a:ext uri="{FF2B5EF4-FFF2-40B4-BE49-F238E27FC236}">
-                <a16:creationId xmlns:a16="http://schemas.microsoft.com/office/drawing/2014/main" id="{EC4CBF7C-FEB5-3B49-8CC0-01359E1F455E}"/>
+          <p:cNvPr id="150" name="Straight Connector 149">
+            <a:extLst>
+              <a:ext uri="{FF2B5EF4-FFF2-40B4-BE49-F238E27FC236}">
+                <a16:creationId xmlns:a16="http://schemas.microsoft.com/office/drawing/2014/main" id="{5262AB7E-ED95-5C4F-B8DC-C8B7CB314A50}"/>
               </a:ext>
             </a:extLst>
           </p:cNvPr>
           <p:cNvCxnSpPr>
             <a:cxnSpLocks/>
+            <a:endCxn id="89" idx="3"/>
           </p:cNvCxnSpPr>
           <p:nvPr/>
         </p:nvCxnSpPr>
         <p:spPr>
-          <a:xfrm flipH="1">
-            <a:off x="8254469" y="5625131"/>
-            <a:ext cx="1417446" cy="0"/>
+          <a:xfrm>
+            <a:off x="9671913" y="4865444"/>
+            <a:ext cx="2" cy="1663513"/>
           </a:xfrm>
           <a:prstGeom prst="line">
             <a:avLst/>
@@ -7022,44 +7068,6 @@
           </a:fontRef>
         </p:style>
       </p:cxnSp>
-      <p:cxnSp>
-        <p:nvCxnSpPr>
-          <p:cNvPr id="150" name="Straight Connector 149">
-            <a:extLst>
-              <a:ext uri="{FF2B5EF4-FFF2-40B4-BE49-F238E27FC236}">
-                <a16:creationId xmlns:a16="http://schemas.microsoft.com/office/drawing/2014/main" id="{5262AB7E-ED95-5C4F-B8DC-C8B7CB314A50}"/>
-              </a:ext>
-            </a:extLst>
-          </p:cNvPr>
-          <p:cNvCxnSpPr>
-            <a:cxnSpLocks/>
-          </p:cNvCxnSpPr>
-          <p:nvPr/>
-        </p:nvCxnSpPr>
-        <p:spPr>
-          <a:xfrm>
-            <a:off x="9671915" y="5625131"/>
-            <a:ext cx="0" cy="277738"/>
-          </a:xfrm>
-          <a:prstGeom prst="line">
-            <a:avLst/>
-          </a:prstGeom>
-        </p:spPr>
-        <p:style>
-          <a:lnRef idx="1">
-            <a:schemeClr val="dk1"/>
-          </a:lnRef>
-          <a:fillRef idx="0">
-            <a:schemeClr val="dk1"/>
-          </a:fillRef>
-          <a:effectRef idx="0">
-            <a:schemeClr val="dk1"/>
-          </a:effectRef>
-          <a:fontRef idx="minor">
-            <a:schemeClr val="tx1"/>
-          </a:fontRef>
-        </p:style>
-      </p:cxnSp>
       <p:sp>
         <p:nvSpPr>
           <p:cNvPr id="154" name="Triangle 153">
@@ -7074,7 +7082,7 @@
         </p:nvSpPr>
         <p:spPr>
           <a:xfrm rot="5400000">
-            <a:off x="9293147" y="6121181"/>
+            <a:off x="9293147" y="6747269"/>
             <a:ext cx="115503" cy="93847"/>
           </a:xfrm>
           <a:prstGeom prst="triangle">
@@ -7132,7 +7140,7 @@
         </p:nvCxnSpPr>
         <p:spPr>
           <a:xfrm flipH="1">
-            <a:off x="8892877" y="6168105"/>
+            <a:off x="8892877" y="6794193"/>
             <a:ext cx="411098" cy="0"/>
           </a:xfrm>
           <a:prstGeom prst="line">
@@ -7168,7 +7176,7 @@
         </p:nvSpPr>
         <p:spPr>
           <a:xfrm rot="2668524">
-            <a:off x="8193316" y="6349450"/>
+            <a:off x="8193316" y="6975538"/>
             <a:ext cx="94499" cy="94499"/>
           </a:xfrm>
           <a:prstGeom prst="rect">
@@ -7217,7 +7225,7 @@
         </p:nvCxnSpPr>
         <p:spPr>
           <a:xfrm>
-            <a:off x="8240565" y="6318146"/>
+            <a:off x="8240565" y="6944234"/>
             <a:ext cx="0" cy="484948"/>
           </a:xfrm>
           <a:prstGeom prst="line">
@@ -7253,7 +7261,7 @@
         </p:nvSpPr>
         <p:spPr>
           <a:xfrm>
-            <a:off x="7666969" y="6803094"/>
+            <a:off x="7666969" y="7429182"/>
             <a:ext cx="1147192" cy="300082"/>
           </a:xfrm>
           <a:prstGeom prst="rect">
@@ -7306,7 +7314,7 @@
         </p:nvCxnSpPr>
         <p:spPr>
           <a:xfrm flipH="1">
-            <a:off x="7044122" y="6169460"/>
+            <a:off x="7044122" y="6795548"/>
             <a:ext cx="547632" cy="0"/>
           </a:xfrm>
           <a:prstGeom prst="line">
@@ -7342,7 +7350,7 @@
         </p:nvSpPr>
         <p:spPr>
           <a:xfrm>
-            <a:off x="6983483" y="5907504"/>
+            <a:off x="6983483" y="6533592"/>
             <a:ext cx="636335" cy="300082"/>
           </a:xfrm>
           <a:prstGeom prst="rect">
@@ -7378,7 +7386,7 @@
         </p:nvSpPr>
         <p:spPr>
           <a:xfrm>
-            <a:off x="7588255" y="8125337"/>
+            <a:off x="7588255" y="8751425"/>
             <a:ext cx="1304620" cy="300082"/>
           </a:xfrm>
           <a:prstGeom prst="rect">
@@ -7420,7 +7428,7 @@
         </p:nvSpPr>
         <p:spPr>
           <a:xfrm>
-            <a:off x="7588257" y="7421439"/>
+            <a:off x="7588257" y="8047527"/>
             <a:ext cx="736339" cy="300082"/>
           </a:xfrm>
           <a:prstGeom prst="rect">
@@ -7463,7 +7471,7 @@
         </p:nvCxnSpPr>
         <p:spPr>
           <a:xfrm flipH="1">
-            <a:off x="7040623" y="7587565"/>
+            <a:off x="7040623" y="8213653"/>
             <a:ext cx="547632" cy="0"/>
           </a:xfrm>
           <a:prstGeom prst="line">
@@ -7499,7 +7507,7 @@
         </p:nvSpPr>
         <p:spPr>
           <a:xfrm>
-            <a:off x="7073424" y="7326407"/>
+            <a:off x="7073424" y="7952495"/>
             <a:ext cx="560642" cy="300082"/>
           </a:xfrm>
           <a:prstGeom prst="rect">
@@ -7537,7 +7545,7 @@
         </p:nvCxnSpPr>
         <p:spPr>
           <a:xfrm flipH="1">
-            <a:off x="7040882" y="8289549"/>
+            <a:off x="7040882" y="8915637"/>
             <a:ext cx="547632" cy="0"/>
           </a:xfrm>
           <a:prstGeom prst="line">
@@ -7573,7 +7581,7 @@
         </p:nvSpPr>
         <p:spPr>
           <a:xfrm>
-            <a:off x="7013647" y="8028391"/>
+            <a:off x="7013647" y="8654479"/>
             <a:ext cx="606214" cy="300082"/>
           </a:xfrm>
           <a:prstGeom prst="rect">
@@ -7611,7 +7619,7 @@
         </p:nvCxnSpPr>
         <p:spPr>
           <a:xfrm>
-            <a:off x="8240565" y="7860145"/>
+            <a:off x="8240565" y="8486233"/>
             <a:ext cx="0" cy="265192"/>
           </a:xfrm>
           <a:prstGeom prst="line">
@@ -7649,7 +7657,7 @@
         </p:nvCxnSpPr>
         <p:spPr>
           <a:xfrm flipH="1">
-            <a:off x="8240565" y="7860145"/>
+            <a:off x="8240565" y="8486233"/>
             <a:ext cx="1431348" cy="0"/>
           </a:xfrm>
           <a:prstGeom prst="line">
@@ -7688,7 +7696,7 @@
         </p:nvCxnSpPr>
         <p:spPr>
           <a:xfrm>
-            <a:off x="9671916" y="6401743"/>
+            <a:off x="9671916" y="7027831"/>
             <a:ext cx="0" cy="1458402"/>
           </a:xfrm>
           <a:prstGeom prst="line">
@@ -7724,7 +7732,7 @@
         </p:nvSpPr>
         <p:spPr>
           <a:xfrm>
-            <a:off x="9614164" y="6307896"/>
+            <a:off x="9614164" y="6933984"/>
             <a:ext cx="115503" cy="93847"/>
           </a:xfrm>
           <a:prstGeom prst="triangle">
@@ -7778,7 +7786,7 @@
         </p:nvSpPr>
         <p:spPr>
           <a:xfrm rot="2668524">
-            <a:off x="8928700" y="8225488"/>
+            <a:off x="8928700" y="8851576"/>
             <a:ext cx="94499" cy="94499"/>
           </a:xfrm>
           <a:prstGeom prst="rect">
@@ -7826,7 +7834,7 @@
         </p:nvCxnSpPr>
         <p:spPr>
           <a:xfrm flipH="1">
-            <a:off x="8897627" y="8272737"/>
+            <a:off x="8897627" y="8898825"/>
             <a:ext cx="1080185" cy="0"/>
           </a:xfrm>
           <a:prstGeom prst="line">
@@ -7864,7 +7872,7 @@
         </p:nvCxnSpPr>
         <p:spPr>
           <a:xfrm>
-            <a:off x="9977812" y="7679763"/>
+            <a:off x="9977812" y="8305851"/>
             <a:ext cx="0" cy="1629502"/>
           </a:xfrm>
           <a:prstGeom prst="line">
@@ -7900,7 +7908,7 @@
         </p:nvSpPr>
         <p:spPr>
           <a:xfrm>
-            <a:off x="10013211" y="6830447"/>
+            <a:off x="10013211" y="7456535"/>
             <a:ext cx="2468982" cy="300082"/>
           </a:xfrm>
           <a:prstGeom prst="rect">
@@ -7951,7 +7959,7 @@
         </p:nvSpPr>
         <p:spPr>
           <a:xfrm>
-            <a:off x="10517755" y="7529722"/>
+            <a:off x="10517755" y="8155810"/>
             <a:ext cx="1453347" cy="300082"/>
           </a:xfrm>
           <a:prstGeom prst="rect">
@@ -7993,7 +8001,7 @@
         </p:nvSpPr>
         <p:spPr>
           <a:xfrm>
-            <a:off x="11186676" y="7130529"/>
+            <a:off x="11186676" y="7756617"/>
             <a:ext cx="115503" cy="93847"/>
           </a:xfrm>
           <a:prstGeom prst="triangle">
@@ -8051,7 +8059,7 @@
         </p:nvCxnSpPr>
         <p:spPr>
           <a:xfrm>
-            <a:off x="11244428" y="7224376"/>
+            <a:off x="11244428" y="7850464"/>
             <a:ext cx="1" cy="305346"/>
           </a:xfrm>
           <a:prstGeom prst="line">
@@ -8090,7 +8098,7 @@
         </p:nvCxnSpPr>
         <p:spPr>
           <a:xfrm flipH="1">
-            <a:off x="9977812" y="7679763"/>
+            <a:off x="9977812" y="8305851"/>
             <a:ext cx="539943" cy="0"/>
           </a:xfrm>
           <a:prstGeom prst="line">
@@ -8126,7 +8134,7 @@
         </p:nvSpPr>
         <p:spPr>
           <a:xfrm>
-            <a:off x="10517755" y="8055878"/>
+            <a:off x="10517755" y="8681966"/>
             <a:ext cx="1097458" cy="300082"/>
           </a:xfrm>
           <a:prstGeom prst="rect">
@@ -8177,7 +8185,7 @@
         </p:nvSpPr>
         <p:spPr>
           <a:xfrm>
-            <a:off x="10517755" y="8607551"/>
+            <a:off x="10517755" y="9233639"/>
             <a:ext cx="1178380" cy="300082"/>
           </a:xfrm>
           <a:prstGeom prst="rect">
@@ -8228,7 +8236,7 @@
         </p:nvSpPr>
         <p:spPr>
           <a:xfrm>
-            <a:off x="10510924" y="9159224"/>
+            <a:off x="10510924" y="9785312"/>
             <a:ext cx="1453345" cy="300082"/>
           </a:xfrm>
           <a:prstGeom prst="rect">
@@ -8282,7 +8290,7 @@
         </p:nvCxnSpPr>
         <p:spPr>
           <a:xfrm flipH="1">
-            <a:off x="9977812" y="8205919"/>
+            <a:off x="9977812" y="8832007"/>
             <a:ext cx="539943" cy="0"/>
           </a:xfrm>
           <a:prstGeom prst="line">
@@ -8321,7 +8329,7 @@
         </p:nvCxnSpPr>
         <p:spPr>
           <a:xfrm flipH="1">
-            <a:off x="9977812" y="8757592"/>
+            <a:off x="9977812" y="9383680"/>
             <a:ext cx="539943" cy="0"/>
           </a:xfrm>
           <a:prstGeom prst="line">
@@ -8360,7 +8368,7 @@
         </p:nvCxnSpPr>
         <p:spPr>
           <a:xfrm flipH="1">
-            <a:off x="9977812" y="9309265"/>
+            <a:off x="9977812" y="9935353"/>
             <a:ext cx="533112" cy="0"/>
           </a:xfrm>
           <a:prstGeom prst="line">
@@ -8396,7 +8404,7 @@
         </p:nvSpPr>
         <p:spPr>
           <a:xfrm>
-            <a:off x="10283708" y="7945265"/>
+            <a:off x="10283708" y="8571353"/>
             <a:ext cx="256653" cy="300082"/>
           </a:xfrm>
           <a:prstGeom prst="rect">
@@ -8431,7 +8439,7 @@
         </p:nvSpPr>
         <p:spPr>
           <a:xfrm>
-            <a:off x="10283708" y="7407022"/>
+            <a:off x="10283708" y="8033110"/>
             <a:ext cx="256653" cy="300082"/>
           </a:xfrm>
           <a:prstGeom prst="rect">
@@ -8466,7 +8474,7 @@
         </p:nvSpPr>
         <p:spPr>
           <a:xfrm>
-            <a:off x="9955326" y="8494316"/>
+            <a:off x="9955326" y="9120404"/>
             <a:ext cx="589191" cy="300082"/>
           </a:xfrm>
           <a:prstGeom prst="rect">
@@ -8502,7 +8510,7 @@
         </p:nvSpPr>
         <p:spPr>
           <a:xfrm>
-            <a:off x="9960287" y="9032530"/>
+            <a:off x="9960287" y="9658618"/>
             <a:ext cx="591725" cy="300082"/>
           </a:xfrm>
           <a:prstGeom prst="rect">
@@ -8538,7 +8546,7 @@
         </p:nvSpPr>
         <p:spPr>
           <a:xfrm>
-            <a:off x="7639396" y="9099019"/>
+            <a:off x="7639396" y="9725107"/>
             <a:ext cx="1201229" cy="300082"/>
           </a:xfrm>
           <a:prstGeom prst="rect">
@@ -8589,7 +8597,7 @@
         </p:nvSpPr>
         <p:spPr>
           <a:xfrm>
-            <a:off x="9164543" y="9946031"/>
+            <a:off x="9164543" y="10572119"/>
             <a:ext cx="1201229" cy="300082"/>
           </a:xfrm>
           <a:prstGeom prst="rect">
@@ -8640,7 +8648,7 @@
         </p:nvSpPr>
         <p:spPr>
           <a:xfrm>
-            <a:off x="7733323" y="9951144"/>
+            <a:off x="7733323" y="10577232"/>
             <a:ext cx="1025970" cy="300082"/>
           </a:xfrm>
           <a:prstGeom prst="rect">
@@ -8682,7 +8690,7 @@
         </p:nvSpPr>
         <p:spPr>
           <a:xfrm>
-            <a:off x="10917218" y="9946031"/>
+            <a:off x="10917218" y="10572119"/>
             <a:ext cx="916757" cy="300082"/>
           </a:xfrm>
           <a:prstGeom prst="rect">
@@ -8733,7 +8741,7 @@
         </p:nvSpPr>
         <p:spPr>
           <a:xfrm rot="2668524">
-            <a:off x="8198347" y="8977931"/>
+            <a:off x="8198347" y="9604019"/>
             <a:ext cx="94499" cy="94499"/>
           </a:xfrm>
           <a:prstGeom prst="rect">
@@ -8783,7 +8791,7 @@
         </p:nvCxnSpPr>
         <p:spPr>
           <a:xfrm flipH="1">
-            <a:off x="8240011" y="8425419"/>
+            <a:off x="8240011" y="9051507"/>
             <a:ext cx="554" cy="673600"/>
           </a:xfrm>
           <a:prstGeom prst="line">
@@ -8819,7 +8827,7 @@
         </p:nvSpPr>
         <p:spPr>
           <a:xfrm rot="5400000">
-            <a:off x="9054425" y="10054261"/>
+            <a:off x="9054425" y="10680349"/>
             <a:ext cx="115503" cy="93847"/>
           </a:xfrm>
           <a:prstGeom prst="triangle">
@@ -8877,7 +8885,7 @@
         </p:nvCxnSpPr>
         <p:spPr>
           <a:xfrm flipH="1">
-            <a:off x="8759293" y="10101185"/>
+            <a:off x="8759293" y="10727273"/>
             <a:ext cx="305960" cy="0"/>
           </a:xfrm>
           <a:prstGeom prst="line">
@@ -8917,7 +8925,7 @@
         </p:nvCxnSpPr>
         <p:spPr>
           <a:xfrm flipH="1">
-            <a:off x="10365772" y="10096072"/>
+            <a:off x="10365772" y="10722160"/>
             <a:ext cx="551446" cy="0"/>
           </a:xfrm>
           <a:prstGeom prst="line">
@@ -8953,7 +8961,7 @@
         </p:nvSpPr>
         <p:spPr>
           <a:xfrm rot="2668524">
-            <a:off x="10393873" y="10053110"/>
+            <a:off x="10393873" y="10679198"/>
             <a:ext cx="94499" cy="94499"/>
           </a:xfrm>
           <a:prstGeom prst="rect">
@@ -8999,7 +9007,7 @@
         </p:nvSpPr>
         <p:spPr>
           <a:xfrm>
-            <a:off x="10688546" y="9854672"/>
+            <a:off x="10688546" y="10480760"/>
             <a:ext cx="256653" cy="300082"/>
           </a:xfrm>
           <a:prstGeom prst="rect">
@@ -9037,7 +9045,7 @@
         </p:nvCxnSpPr>
         <p:spPr>
           <a:xfrm flipH="1">
-            <a:off x="7047618" y="9249060"/>
+            <a:off x="7047618" y="9875148"/>
             <a:ext cx="591778" cy="0"/>
           </a:xfrm>
           <a:prstGeom prst="line">
@@ -9076,7 +9084,7 @@
         </p:nvCxnSpPr>
         <p:spPr>
           <a:xfrm flipH="1">
-            <a:off x="7051527" y="10101185"/>
+            <a:off x="7051527" y="10727273"/>
             <a:ext cx="681796" cy="0"/>
           </a:xfrm>
           <a:prstGeom prst="line">
@@ -9112,7 +9120,7 @@
         </p:nvSpPr>
         <p:spPr>
           <a:xfrm>
-            <a:off x="7040624" y="8977361"/>
+            <a:off x="7040624" y="9603449"/>
             <a:ext cx="626346" cy="300082"/>
           </a:xfrm>
           <a:prstGeom prst="rect">
@@ -9148,7 +9156,7 @@
         </p:nvSpPr>
         <p:spPr>
           <a:xfrm>
-            <a:off x="7148043" y="9845944"/>
+            <a:off x="7148043" y="10472032"/>
             <a:ext cx="609995" cy="300082"/>
           </a:xfrm>
           <a:prstGeom prst="rect">
@@ -9188,7 +9196,7 @@
         </p:nvCxnSpPr>
         <p:spPr>
           <a:xfrm>
-            <a:off x="8240011" y="9399101"/>
+            <a:off x="8240011" y="10025189"/>
             <a:ext cx="6297" cy="552043"/>
           </a:xfrm>
           <a:prstGeom prst="line">
@@ -9224,7 +9232,7 @@
         </p:nvSpPr>
         <p:spPr>
           <a:xfrm rot="2668524">
-            <a:off x="8192760" y="9422349"/>
+            <a:off x="8192760" y="10048437"/>
             <a:ext cx="94499" cy="94499"/>
           </a:xfrm>
           <a:prstGeom prst="rect">
@@ -9270,7 +9278,7 @@
         </p:nvSpPr>
         <p:spPr>
           <a:xfrm>
-            <a:off x="8027946" y="9682551"/>
+            <a:off x="8027946" y="10308639"/>
             <a:ext cx="256653" cy="300082"/>
           </a:xfrm>
           <a:prstGeom prst="rect">
@@ -9305,7 +9313,7 @@
         </p:nvSpPr>
         <p:spPr>
           <a:xfrm>
-            <a:off x="8012494" y="6544359"/>
+            <a:off x="8012494" y="7170447"/>
             <a:ext cx="256653" cy="300082"/>
           </a:xfrm>
           <a:prstGeom prst="rect">
@@ -9340,7 +9348,7 @@
         </p:nvSpPr>
         <p:spPr>
           <a:xfrm>
-            <a:off x="7819503" y="8406319"/>
+            <a:off x="7819503" y="9032407"/>
             <a:ext cx="538517" cy="300082"/>
           </a:xfrm>
           <a:prstGeom prst="rect">
@@ -9484,10 +9492,10 @@
       </p:sp>
       <p:sp>
         <p:nvSpPr>
-          <p:cNvPr id="153" name="TextBox 152">
-            <a:extLst>
-              <a:ext uri="{FF2B5EF4-FFF2-40B4-BE49-F238E27FC236}">
-                <a16:creationId xmlns:a16="http://schemas.microsoft.com/office/drawing/2014/main" id="{4C710442-3A9B-764C-BB82-5F67D00AB249}"/>
+          <p:cNvPr id="199" name="TextBox 198">
+            <a:extLst>
+              <a:ext uri="{FF2B5EF4-FFF2-40B4-BE49-F238E27FC236}">
+                <a16:creationId xmlns:a16="http://schemas.microsoft.com/office/drawing/2014/main" id="{45E494A7-2E33-D641-8AC5-8FA7C973BAE1}"/>
               </a:ext>
             </a:extLst>
           </p:cNvPr>
@@ -9496,8 +9504,8 @@
         </p:nvSpPr>
         <p:spPr>
           <a:xfrm>
-            <a:off x="3788772" y="4329104"/>
-            <a:ext cx="2539511" cy="300082"/>
+            <a:off x="3588307" y="4361806"/>
+            <a:ext cx="2911468" cy="300082"/>
           </a:xfrm>
           <a:prstGeom prst="rect">
             <a:avLst/>
@@ -9518,7 +9526,7 @@
             <a:pPr algn="ctr"/>
             <a:r>
               <a:rPr lang="en-US" sz="1350" dirty="0" err="1"/>
-              <a:t>TruncTemporalRangeWidget</a:t>
+              <a:t>FromCursorTemporalRangeWidget</a:t>
             </a:r>
             <a:endParaRPr lang="en-US" sz="1350" dirty="0"/>
           </a:p>
@@ -9526,23 +9534,23 @@
       </p:sp>
       <p:cxnSp>
         <p:nvCxnSpPr>
-          <p:cNvPr id="160" name="Straight Connector 159">
-            <a:extLst>
-              <a:ext uri="{FF2B5EF4-FFF2-40B4-BE49-F238E27FC236}">
-                <a16:creationId xmlns:a16="http://schemas.microsoft.com/office/drawing/2014/main" id="{CC3E094E-B647-1A43-A45C-1745A1E4879B}"/>
+          <p:cNvPr id="220" name="Straight Connector 219">
+            <a:extLst>
+              <a:ext uri="{FF2B5EF4-FFF2-40B4-BE49-F238E27FC236}">
+                <a16:creationId xmlns:a16="http://schemas.microsoft.com/office/drawing/2014/main" id="{B7EA6076-36AA-724D-B66F-3C4D8426957C}"/>
               </a:ext>
             </a:extLst>
           </p:cNvPr>
           <p:cNvCxnSpPr>
             <a:cxnSpLocks/>
-            <a:endCxn id="153" idx="3"/>
+            <a:endCxn id="199" idx="3"/>
           </p:cNvCxnSpPr>
           <p:nvPr/>
         </p:nvCxnSpPr>
         <p:spPr>
           <a:xfrm flipH="1">
-            <a:off x="6328283" y="4479145"/>
-            <a:ext cx="712342" cy="0"/>
+            <a:off x="6499775" y="4511847"/>
+            <a:ext cx="539878" cy="0"/>
           </a:xfrm>
           <a:prstGeom prst="line">
             <a:avLst/>
@@ -9565,10 +9573,10 @@
       </p:cxnSp>
       <p:sp>
         <p:nvSpPr>
-          <p:cNvPr id="188" name="Rectangle 187">
-            <a:extLst>
-              <a:ext uri="{FF2B5EF4-FFF2-40B4-BE49-F238E27FC236}">
-                <a16:creationId xmlns:a16="http://schemas.microsoft.com/office/drawing/2014/main" id="{B1916EB3-7BA1-ED42-98F2-DB746CCFE4D4}"/>
+          <p:cNvPr id="221" name="Rectangle 220">
+            <a:extLst>
+              <a:ext uri="{FF2B5EF4-FFF2-40B4-BE49-F238E27FC236}">
+                <a16:creationId xmlns:a16="http://schemas.microsoft.com/office/drawing/2014/main" id="{AFA0D15A-61AC-984E-A338-4E413496B7BD}"/>
               </a:ext>
             </a:extLst>
           </p:cNvPr>
@@ -9577,7 +9585,7 @@
         </p:nvSpPr>
         <p:spPr>
           <a:xfrm rot="2668524">
-            <a:off x="5186502" y="4662506"/>
+            <a:off x="5186311" y="4695577"/>
             <a:ext cx="94499" cy="94499"/>
           </a:xfrm>
           <a:prstGeom prst="rect">
@@ -9611,10 +9619,10 @@
       </p:sp>
       <p:cxnSp>
         <p:nvCxnSpPr>
-          <p:cNvPr id="189" name="Straight Connector 188">
-            <a:extLst>
-              <a:ext uri="{FF2B5EF4-FFF2-40B4-BE49-F238E27FC236}">
-                <a16:creationId xmlns:a16="http://schemas.microsoft.com/office/drawing/2014/main" id="{AF95835F-8C1F-CA45-8B43-4B89A8693E3A}"/>
+          <p:cNvPr id="222" name="Straight Connector 221">
+            <a:extLst>
+              <a:ext uri="{FF2B5EF4-FFF2-40B4-BE49-F238E27FC236}">
+                <a16:creationId xmlns:a16="http://schemas.microsoft.com/office/drawing/2014/main" id="{3BF035B7-87DE-924B-9432-A34A95236965}"/>
               </a:ext>
             </a:extLst>
           </p:cNvPr>
@@ -9625,8 +9633,8 @@
         </p:nvCxnSpPr>
         <p:spPr>
           <a:xfrm>
-            <a:off x="5233752" y="4648585"/>
-            <a:ext cx="0" cy="1461768"/>
+            <a:off x="5233561" y="4681656"/>
+            <a:ext cx="0" cy="1454280"/>
           </a:xfrm>
           <a:prstGeom prst="line">
             <a:avLst/>
@@ -9649,10 +9657,10 @@
       </p:cxnSp>
       <p:sp>
         <p:nvSpPr>
-          <p:cNvPr id="191" name="TextBox 190">
-            <a:extLst>
-              <a:ext uri="{FF2B5EF4-FFF2-40B4-BE49-F238E27FC236}">
-                <a16:creationId xmlns:a16="http://schemas.microsoft.com/office/drawing/2014/main" id="{8924DED2-3846-4F49-BB76-CB95FD0F8E1B}"/>
+          <p:cNvPr id="225" name="TextBox 224">
+            <a:extLst>
+              <a:ext uri="{FF2B5EF4-FFF2-40B4-BE49-F238E27FC236}">
+                <a16:creationId xmlns:a16="http://schemas.microsoft.com/office/drawing/2014/main" id="{B15DBE63-A9E5-AC4E-8712-A90B58F7B6AB}"/>
               </a:ext>
             </a:extLst>
           </p:cNvPr>
@@ -9661,7 +9669,7 @@
         </p:nvSpPr>
         <p:spPr>
           <a:xfrm>
-            <a:off x="3690915" y="4817059"/>
+            <a:off x="3698219" y="4850130"/>
             <a:ext cx="1201229" cy="300082"/>
           </a:xfrm>
           <a:prstGeom prst="rect">
@@ -9700,10 +9708,10 @@
       </p:sp>
       <p:sp>
         <p:nvSpPr>
-          <p:cNvPr id="192" name="TextBox 191">
-            <a:extLst>
-              <a:ext uri="{FF2B5EF4-FFF2-40B4-BE49-F238E27FC236}">
-                <a16:creationId xmlns:a16="http://schemas.microsoft.com/office/drawing/2014/main" id="{30646C25-A06F-1D4A-9E31-0AE21981DBD6}"/>
+          <p:cNvPr id="226" name="TextBox 225">
+            <a:extLst>
+              <a:ext uri="{FF2B5EF4-FFF2-40B4-BE49-F238E27FC236}">
+                <a16:creationId xmlns:a16="http://schemas.microsoft.com/office/drawing/2014/main" id="{9751505A-FCAD-384E-979C-D04C96012211}"/>
               </a:ext>
             </a:extLst>
           </p:cNvPr>
@@ -9712,7 +9720,7 @@
         </p:nvSpPr>
         <p:spPr>
           <a:xfrm>
-            <a:off x="3699960" y="5466786"/>
+            <a:off x="3699769" y="5514847"/>
             <a:ext cx="1201229" cy="300082"/>
           </a:xfrm>
           <a:prstGeom prst="rect">
@@ -9751,10 +9759,10 @@
       </p:sp>
       <p:sp>
         <p:nvSpPr>
-          <p:cNvPr id="197" name="TextBox 196">
-            <a:extLst>
-              <a:ext uri="{FF2B5EF4-FFF2-40B4-BE49-F238E27FC236}">
-                <a16:creationId xmlns:a16="http://schemas.microsoft.com/office/drawing/2014/main" id="{1E1B0F38-291D-F045-94C3-4DBAFA94B6A6}"/>
+          <p:cNvPr id="228" name="TextBox 227">
+            <a:extLst>
+              <a:ext uri="{FF2B5EF4-FFF2-40B4-BE49-F238E27FC236}">
+                <a16:creationId xmlns:a16="http://schemas.microsoft.com/office/drawing/2014/main" id="{4A036CC3-A504-C249-B5C2-26CC70F9D751}"/>
               </a:ext>
             </a:extLst>
           </p:cNvPr>
@@ -9763,7 +9771,7 @@
         </p:nvSpPr>
         <p:spPr>
           <a:xfrm>
-            <a:off x="2111790" y="5959401"/>
+            <a:off x="2111599" y="5982062"/>
             <a:ext cx="1201229" cy="300082"/>
           </a:xfrm>
           <a:prstGeom prst="rect">
@@ -9802,10 +9810,10 @@
       </p:sp>
       <p:cxnSp>
         <p:nvCxnSpPr>
-          <p:cNvPr id="198" name="Straight Connector 197">
-            <a:extLst>
-              <a:ext uri="{FF2B5EF4-FFF2-40B4-BE49-F238E27FC236}">
-                <a16:creationId xmlns:a16="http://schemas.microsoft.com/office/drawing/2014/main" id="{23BA4BE9-C1B6-9641-B41C-D79561D3885B}"/>
+          <p:cNvPr id="229" name="Straight Connector 228">
+            <a:extLst>
+              <a:ext uri="{FF2B5EF4-FFF2-40B4-BE49-F238E27FC236}">
+                <a16:creationId xmlns:a16="http://schemas.microsoft.com/office/drawing/2014/main" id="{8772934E-6F0C-4749-BFCB-139955CCE4FB}"/>
               </a:ext>
             </a:extLst>
           </p:cNvPr>
@@ -9816,7 +9824,7 @@
         </p:nvCxnSpPr>
         <p:spPr>
           <a:xfrm flipV="1">
-            <a:off x="4892144" y="4955016"/>
+            <a:off x="4891953" y="4988087"/>
             <a:ext cx="341608" cy="1"/>
           </a:xfrm>
           <a:prstGeom prst="line">
@@ -9840,23 +9848,23 @@
       </p:cxnSp>
       <p:cxnSp>
         <p:nvCxnSpPr>
-          <p:cNvPr id="201" name="Straight Connector 200">
-            <a:extLst>
-              <a:ext uri="{FF2B5EF4-FFF2-40B4-BE49-F238E27FC236}">
-                <a16:creationId xmlns:a16="http://schemas.microsoft.com/office/drawing/2014/main" id="{10EE8F3D-F01B-4640-A12B-C87EE324A83B}"/>
+          <p:cNvPr id="233" name="Straight Connector 232">
+            <a:extLst>
+              <a:ext uri="{FF2B5EF4-FFF2-40B4-BE49-F238E27FC236}">
+                <a16:creationId xmlns:a16="http://schemas.microsoft.com/office/drawing/2014/main" id="{68D4D101-82EB-954E-8391-C3140B167956}"/>
               </a:ext>
             </a:extLst>
           </p:cNvPr>
           <p:cNvCxnSpPr>
             <a:cxnSpLocks/>
-            <a:stCxn id="207" idx="1"/>
-            <a:endCxn id="197" idx="3"/>
+            <a:stCxn id="239" idx="1"/>
+            <a:endCxn id="228" idx="3"/>
           </p:cNvCxnSpPr>
           <p:nvPr/>
         </p:nvCxnSpPr>
         <p:spPr>
           <a:xfrm flipH="1">
-            <a:off x="3313019" y="6108149"/>
+            <a:off x="3312828" y="6130810"/>
             <a:ext cx="379863" cy="1293"/>
           </a:xfrm>
           <a:prstGeom prst="line">
@@ -9880,10 +9888,10 @@
       </p:cxnSp>
       <p:sp>
         <p:nvSpPr>
-          <p:cNvPr id="202" name="TextBox 201">
-            <a:extLst>
-              <a:ext uri="{FF2B5EF4-FFF2-40B4-BE49-F238E27FC236}">
-                <a16:creationId xmlns:a16="http://schemas.microsoft.com/office/drawing/2014/main" id="{3BF3178C-D1B3-A546-A5E9-924F11A9C6AE}"/>
+          <p:cNvPr id="234" name="TextBox 233">
+            <a:extLst>
+              <a:ext uri="{FF2B5EF4-FFF2-40B4-BE49-F238E27FC236}">
+                <a16:creationId xmlns:a16="http://schemas.microsoft.com/office/drawing/2014/main" id="{913E2450-421E-DD4D-A307-2938D7688B4A}"/>
               </a:ext>
             </a:extLst>
           </p:cNvPr>
@@ -9892,7 +9900,7 @@
         </p:nvSpPr>
         <p:spPr>
           <a:xfrm>
-            <a:off x="4892145" y="4725101"/>
+            <a:off x="4891954" y="4758172"/>
             <a:ext cx="217738" cy="300082"/>
           </a:xfrm>
           <a:prstGeom prst="rect">
@@ -9915,10 +9923,10 @@
       </p:sp>
       <p:sp>
         <p:nvSpPr>
-          <p:cNvPr id="203" name="TextBox 202">
-            <a:extLst>
-              <a:ext uri="{FF2B5EF4-FFF2-40B4-BE49-F238E27FC236}">
-                <a16:creationId xmlns:a16="http://schemas.microsoft.com/office/drawing/2014/main" id="{82A4B327-1D12-A34A-B033-7FCF3B06B9F4}"/>
+          <p:cNvPr id="235" name="TextBox 234">
+            <a:extLst>
+              <a:ext uri="{FF2B5EF4-FFF2-40B4-BE49-F238E27FC236}">
+                <a16:creationId xmlns:a16="http://schemas.microsoft.com/office/drawing/2014/main" id="{1BE0A628-45A7-A041-B075-3057B513B657}"/>
               </a:ext>
             </a:extLst>
           </p:cNvPr>
@@ -9927,7 +9935,7 @@
         </p:nvSpPr>
         <p:spPr>
           <a:xfrm>
-            <a:off x="4901190" y="5865667"/>
+            <a:off x="4900999" y="5888328"/>
             <a:ext cx="265710" cy="300082"/>
           </a:xfrm>
           <a:prstGeom prst="rect">
@@ -9950,10 +9958,10 @@
       </p:sp>
       <p:sp>
         <p:nvSpPr>
-          <p:cNvPr id="204" name="TextBox 203">
-            <a:extLst>
-              <a:ext uri="{FF2B5EF4-FFF2-40B4-BE49-F238E27FC236}">
-                <a16:creationId xmlns:a16="http://schemas.microsoft.com/office/drawing/2014/main" id="{C7B8185A-9A25-B141-B0D5-80EA795BC0DA}"/>
+          <p:cNvPr id="236" name="TextBox 235">
+            <a:extLst>
+              <a:ext uri="{FF2B5EF4-FFF2-40B4-BE49-F238E27FC236}">
+                <a16:creationId xmlns:a16="http://schemas.microsoft.com/office/drawing/2014/main" id="{588B8141-DDAC-1F42-8BC7-AD583F8C26FD}"/>
               </a:ext>
             </a:extLst>
           </p:cNvPr>
@@ -9962,7 +9970,7 @@
         </p:nvSpPr>
         <p:spPr>
           <a:xfrm>
-            <a:off x="4897417" y="5355518"/>
+            <a:off x="4897226" y="5403579"/>
             <a:ext cx="265710" cy="300082"/>
           </a:xfrm>
           <a:prstGeom prst="rect">
@@ -9985,22 +9993,22 @@
       </p:sp>
       <p:cxnSp>
         <p:nvCxnSpPr>
-          <p:cNvPr id="206" name="Straight Connector 205">
-            <a:extLst>
-              <a:ext uri="{FF2B5EF4-FFF2-40B4-BE49-F238E27FC236}">
-                <a16:creationId xmlns:a16="http://schemas.microsoft.com/office/drawing/2014/main" id="{B71839CC-6F3C-044D-A283-08DBD1B7E08A}"/>
+          <p:cNvPr id="238" name="Straight Connector 237">
+            <a:extLst>
+              <a:ext uri="{FF2B5EF4-FFF2-40B4-BE49-F238E27FC236}">
+                <a16:creationId xmlns:a16="http://schemas.microsoft.com/office/drawing/2014/main" id="{5AAF0C4F-A1EA-5845-B4D2-271C13D24F0D}"/>
               </a:ext>
             </a:extLst>
           </p:cNvPr>
           <p:cNvCxnSpPr>
             <a:cxnSpLocks/>
-            <a:stCxn id="192" idx="3"/>
+            <a:stCxn id="226" idx="3"/>
           </p:cNvCxnSpPr>
           <p:nvPr/>
         </p:nvCxnSpPr>
         <p:spPr>
           <a:xfrm>
-            <a:off x="4901189" y="5616827"/>
+            <a:off x="4900998" y="5664888"/>
             <a:ext cx="332563" cy="0"/>
           </a:xfrm>
           <a:prstGeom prst="line">
@@ -10024,10 +10032,10 @@
       </p:cxnSp>
       <p:sp>
         <p:nvSpPr>
-          <p:cNvPr id="207" name="TextBox 206">
-            <a:extLst>
-              <a:ext uri="{FF2B5EF4-FFF2-40B4-BE49-F238E27FC236}">
-                <a16:creationId xmlns:a16="http://schemas.microsoft.com/office/drawing/2014/main" id="{47482828-3270-BF4D-954F-B1238ABDE7E3}"/>
+          <p:cNvPr id="239" name="TextBox 238">
+            <a:extLst>
+              <a:ext uri="{FF2B5EF4-FFF2-40B4-BE49-F238E27FC236}">
+                <a16:creationId xmlns:a16="http://schemas.microsoft.com/office/drawing/2014/main" id="{3C1E6252-FD77-A640-9EF1-34EE0B4109A1}"/>
               </a:ext>
             </a:extLst>
           </p:cNvPr>
@@ -10036,7 +10044,7 @@
         </p:nvSpPr>
         <p:spPr>
           <a:xfrm>
-            <a:off x="3692882" y="5958108"/>
+            <a:off x="3692691" y="5980769"/>
             <a:ext cx="1210201" cy="300082"/>
           </a:xfrm>
           <a:prstGeom prst="rect">
@@ -10066,10 +10074,10 @@
       </p:sp>
       <p:cxnSp>
         <p:nvCxnSpPr>
-          <p:cNvPr id="218" name="Straight Connector 217">
-            <a:extLst>
-              <a:ext uri="{FF2B5EF4-FFF2-40B4-BE49-F238E27FC236}">
-                <a16:creationId xmlns:a16="http://schemas.microsoft.com/office/drawing/2014/main" id="{437BF454-60CB-CE42-99B6-9DFF1F83FE4F}"/>
+          <p:cNvPr id="243" name="Straight Connector 242">
+            <a:extLst>
+              <a:ext uri="{FF2B5EF4-FFF2-40B4-BE49-F238E27FC236}">
+                <a16:creationId xmlns:a16="http://schemas.microsoft.com/office/drawing/2014/main" id="{097D1282-8D36-BE46-AA0F-948E6CF6AB34}"/>
               </a:ext>
             </a:extLst>
           </p:cNvPr>
@@ -10080,7 +10088,7 @@
         </p:nvCxnSpPr>
         <p:spPr>
           <a:xfrm flipH="1">
-            <a:off x="4901189" y="6108149"/>
+            <a:off x="4900998" y="6130810"/>
             <a:ext cx="332563" cy="0"/>
           </a:xfrm>
           <a:prstGeom prst="line">
@@ -10104,10 +10112,10 @@
       </p:cxnSp>
       <p:sp>
         <p:nvSpPr>
-          <p:cNvPr id="219" name="Triangle 218">
-            <a:extLst>
-              <a:ext uri="{FF2B5EF4-FFF2-40B4-BE49-F238E27FC236}">
-                <a16:creationId xmlns:a16="http://schemas.microsoft.com/office/drawing/2014/main" id="{79458044-8B04-2F48-BB2F-4840589822EF}"/>
+          <p:cNvPr id="244" name="Triangle 243">
+            <a:extLst>
+              <a:ext uri="{FF2B5EF4-FFF2-40B4-BE49-F238E27FC236}">
+                <a16:creationId xmlns:a16="http://schemas.microsoft.com/office/drawing/2014/main" id="{69648C50-5164-3E43-B3B8-B55A42754E05}"/>
               </a:ext>
             </a:extLst>
           </p:cNvPr>
@@ -10116,7 +10124,7 @@
         </p:nvSpPr>
         <p:spPr>
           <a:xfrm rot="16200000">
-            <a:off x="3305537" y="6061225"/>
+            <a:off x="3305346" y="6083886"/>
             <a:ext cx="115503" cy="93847"/>
           </a:xfrm>
           <a:prstGeom prst="triangle">
@@ -10158,10 +10166,10 @@
       </p:sp>
       <p:sp>
         <p:nvSpPr>
-          <p:cNvPr id="199" name="TextBox 198">
-            <a:extLst>
-              <a:ext uri="{FF2B5EF4-FFF2-40B4-BE49-F238E27FC236}">
-                <a16:creationId xmlns:a16="http://schemas.microsoft.com/office/drawing/2014/main" id="{45E494A7-2E33-D641-8AC5-8FA7C973BAE1}"/>
+          <p:cNvPr id="248" name="TextBox 247">
+            <a:extLst>
+              <a:ext uri="{FF2B5EF4-FFF2-40B4-BE49-F238E27FC236}">
+                <a16:creationId xmlns:a16="http://schemas.microsoft.com/office/drawing/2014/main" id="{50BE409D-1FE7-954D-82CE-B639FF93E9B5}"/>
               </a:ext>
             </a:extLst>
           </p:cNvPr>
@@ -10170,8 +10178,43 @@
         </p:nvSpPr>
         <p:spPr>
           <a:xfrm>
-            <a:off x="3588307" y="6446638"/>
-            <a:ext cx="2911468" cy="300082"/>
+            <a:off x="6472482" y="4232948"/>
+            <a:ext cx="538416" cy="300082"/>
+          </a:xfrm>
+          <a:prstGeom prst="rect">
+            <a:avLst/>
+          </a:prstGeom>
+          <a:noFill/>
+        </p:spPr>
+        <p:txBody>
+          <a:bodyPr wrap="square" rtlCol="0">
+            <a:spAutoFit/>
+          </a:bodyPr>
+          <a:lstStyle/>
+          <a:p>
+            <a:r>
+              <a:rPr lang="en-US" sz="1350" dirty="0"/>
+              <a:t>0..1</a:t>
+            </a:r>
+          </a:p>
+        </p:txBody>
+      </p:sp>
+      <p:sp>
+        <p:nvSpPr>
+          <p:cNvPr id="250" name="TextBox 249">
+            <a:extLst>
+              <a:ext uri="{FF2B5EF4-FFF2-40B4-BE49-F238E27FC236}">
+                <a16:creationId xmlns:a16="http://schemas.microsoft.com/office/drawing/2014/main" id="{A6702472-C359-5F48-8837-59DF22B9D89C}"/>
+              </a:ext>
+            </a:extLst>
+          </p:cNvPr>
+          <p:cNvSpPr txBox="1"/>
+          <p:nvPr/>
+        </p:nvSpPr>
+        <p:spPr>
+          <a:xfrm>
+            <a:off x="3731871" y="6490487"/>
+            <a:ext cx="2681629" cy="300082"/>
           </a:xfrm>
           <a:prstGeom prst="rect">
             <a:avLst/>
@@ -10192,7 +10235,7 @@
             <a:pPr algn="ctr"/>
             <a:r>
               <a:rPr lang="en-US" sz="1350" dirty="0" err="1"/>
-              <a:t>FromCursorTemporalRangeWidget</a:t>
+              <a:t>CustomTemporalRangeWidget</a:t>
             </a:r>
             <a:endParaRPr lang="en-US" sz="1350" dirty="0"/>
           </a:p>
@@ -10200,23 +10243,23 @@
       </p:sp>
       <p:cxnSp>
         <p:nvCxnSpPr>
-          <p:cNvPr id="220" name="Straight Connector 219">
-            <a:extLst>
-              <a:ext uri="{FF2B5EF4-FFF2-40B4-BE49-F238E27FC236}">
-                <a16:creationId xmlns:a16="http://schemas.microsoft.com/office/drawing/2014/main" id="{B7EA6076-36AA-724D-B66F-3C4D8426957C}"/>
+          <p:cNvPr id="255" name="Straight Connector 254">
+            <a:extLst>
+              <a:ext uri="{FF2B5EF4-FFF2-40B4-BE49-F238E27FC236}">
+                <a16:creationId xmlns:a16="http://schemas.microsoft.com/office/drawing/2014/main" id="{10F4BB02-127F-8F41-92CE-C49B89801547}"/>
               </a:ext>
             </a:extLst>
           </p:cNvPr>
           <p:cNvCxnSpPr>
             <a:cxnSpLocks/>
-            <a:endCxn id="199" idx="3"/>
+            <a:endCxn id="250" idx="3"/>
           </p:cNvCxnSpPr>
           <p:nvPr/>
         </p:nvCxnSpPr>
         <p:spPr>
           <a:xfrm flipH="1">
-            <a:off x="6499775" y="6596679"/>
-            <a:ext cx="539878" cy="0"/>
+            <a:off x="6413500" y="6640528"/>
+            <a:ext cx="627124" cy="0"/>
           </a:xfrm>
           <a:prstGeom prst="line">
             <a:avLst/>
@@ -10239,10 +10282,45 @@
       </p:cxnSp>
       <p:sp>
         <p:nvSpPr>
-          <p:cNvPr id="221" name="Rectangle 220">
-            <a:extLst>
-              <a:ext uri="{FF2B5EF4-FFF2-40B4-BE49-F238E27FC236}">
-                <a16:creationId xmlns:a16="http://schemas.microsoft.com/office/drawing/2014/main" id="{AFA0D15A-61AC-984E-A338-4E413496B7BD}"/>
+          <p:cNvPr id="256" name="TextBox 255">
+            <a:extLst>
+              <a:ext uri="{FF2B5EF4-FFF2-40B4-BE49-F238E27FC236}">
+                <a16:creationId xmlns:a16="http://schemas.microsoft.com/office/drawing/2014/main" id="{EC8C98FF-68DD-D04A-B0B2-EE187D5245F0}"/>
+              </a:ext>
+            </a:extLst>
+          </p:cNvPr>
+          <p:cNvSpPr txBox="1"/>
+          <p:nvPr/>
+        </p:nvSpPr>
+        <p:spPr>
+          <a:xfrm>
+            <a:off x="6397112" y="6358329"/>
+            <a:ext cx="569292" cy="300082"/>
+          </a:xfrm>
+          <a:prstGeom prst="rect">
+            <a:avLst/>
+          </a:prstGeom>
+          <a:noFill/>
+        </p:spPr>
+        <p:txBody>
+          <a:bodyPr wrap="square" rtlCol="0">
+            <a:spAutoFit/>
+          </a:bodyPr>
+          <a:lstStyle/>
+          <a:p>
+            <a:r>
+              <a:rPr lang="en-US" sz="1350" dirty="0"/>
+              <a:t>0..1</a:t>
+            </a:r>
+          </a:p>
+        </p:txBody>
+      </p:sp>
+      <p:sp>
+        <p:nvSpPr>
+          <p:cNvPr id="257" name="Rectangle 256">
+            <a:extLst>
+              <a:ext uri="{FF2B5EF4-FFF2-40B4-BE49-F238E27FC236}">
+                <a16:creationId xmlns:a16="http://schemas.microsoft.com/office/drawing/2014/main" id="{97DCA600-C6B5-EA43-B310-5A12EABEEA98}"/>
               </a:ext>
             </a:extLst>
           </p:cNvPr>
@@ -10251,7 +10329,7 @@
         </p:nvSpPr>
         <p:spPr>
           <a:xfrm rot="2668524">
-            <a:off x="5186311" y="6780409"/>
+            <a:off x="5204322" y="6818566"/>
             <a:ext cx="94499" cy="94499"/>
           </a:xfrm>
           <a:prstGeom prst="rect">
@@ -10283,12 +10361,318 @@
           </a:p>
         </p:txBody>
       </p:sp>
+      <p:sp>
+        <p:nvSpPr>
+          <p:cNvPr id="258" name="TextBox 257">
+            <a:extLst>
+              <a:ext uri="{FF2B5EF4-FFF2-40B4-BE49-F238E27FC236}">
+                <a16:creationId xmlns:a16="http://schemas.microsoft.com/office/drawing/2014/main" id="{0406FCC7-0E7A-EC4D-8299-282D8A453BD3}"/>
+              </a:ext>
+            </a:extLst>
+          </p:cNvPr>
+          <p:cNvSpPr txBox="1"/>
+          <p:nvPr/>
+        </p:nvSpPr>
+        <p:spPr>
+          <a:xfrm>
+            <a:off x="3708640" y="6990345"/>
+            <a:ext cx="1201229" cy="300082"/>
+          </a:xfrm>
+          <a:prstGeom prst="rect">
+            <a:avLst/>
+          </a:prstGeom>
+          <a:ln/>
+        </p:spPr>
+        <p:style>
+          <a:lnRef idx="1">
+            <a:schemeClr val="accent6"/>
+          </a:lnRef>
+          <a:fillRef idx="2">
+            <a:schemeClr val="accent6"/>
+          </a:fillRef>
+          <a:effectRef idx="1">
+            <a:schemeClr val="accent6"/>
+          </a:effectRef>
+          <a:fontRef idx="minor">
+            <a:schemeClr val="dk1"/>
+          </a:fontRef>
+        </p:style>
+        <p:txBody>
+          <a:bodyPr wrap="square" rtlCol="0">
+            <a:spAutoFit/>
+          </a:bodyPr>
+          <a:lstStyle/>
+          <a:p>
+            <a:pPr algn="ctr"/>
+            <a:r>
+              <a:rPr lang="en-US" sz="1350" dirty="0" err="1"/>
+              <a:t>QGroupBox</a:t>
+            </a:r>
+            <a:endParaRPr lang="en-US" sz="1350" dirty="0"/>
+          </a:p>
+        </p:txBody>
+      </p:sp>
+      <p:sp>
+        <p:nvSpPr>
+          <p:cNvPr id="259" name="TextBox 258">
+            <a:extLst>
+              <a:ext uri="{FF2B5EF4-FFF2-40B4-BE49-F238E27FC236}">
+                <a16:creationId xmlns:a16="http://schemas.microsoft.com/office/drawing/2014/main" id="{ED3D3238-F722-FD42-A6B9-5CAD5519CC4C}"/>
+              </a:ext>
+            </a:extLst>
+          </p:cNvPr>
+          <p:cNvSpPr txBox="1"/>
+          <p:nvPr/>
+        </p:nvSpPr>
+        <p:spPr>
+          <a:xfrm>
+            <a:off x="3706819" y="7629087"/>
+            <a:ext cx="1201229" cy="300082"/>
+          </a:xfrm>
+          <a:prstGeom prst="rect">
+            <a:avLst/>
+          </a:prstGeom>
+          <a:ln/>
+        </p:spPr>
+        <p:style>
+          <a:lnRef idx="1">
+            <a:schemeClr val="accent6"/>
+          </a:lnRef>
+          <a:fillRef idx="2">
+            <a:schemeClr val="accent6"/>
+          </a:fillRef>
+          <a:effectRef idx="1">
+            <a:schemeClr val="accent6"/>
+          </a:effectRef>
+          <a:fontRef idx="minor">
+            <a:schemeClr val="dk1"/>
+          </a:fontRef>
+        </p:style>
+        <p:txBody>
+          <a:bodyPr wrap="square" rtlCol="0">
+            <a:spAutoFit/>
+          </a:bodyPr>
+          <a:lstStyle/>
+          <a:p>
+            <a:pPr algn="ctr"/>
+            <a:r>
+              <a:rPr lang="en-US" sz="1350" dirty="0" err="1"/>
+              <a:t>QGridLayout</a:t>
+            </a:r>
+            <a:endParaRPr lang="en-US" sz="1350" dirty="0"/>
+          </a:p>
+        </p:txBody>
+      </p:sp>
+      <p:sp>
+        <p:nvSpPr>
+          <p:cNvPr id="260" name="TextBox 259">
+            <a:extLst>
+              <a:ext uri="{FF2B5EF4-FFF2-40B4-BE49-F238E27FC236}">
+                <a16:creationId xmlns:a16="http://schemas.microsoft.com/office/drawing/2014/main" id="{D1CBD949-512A-8047-878B-46FD675D4DFB}"/>
+              </a:ext>
+            </a:extLst>
+          </p:cNvPr>
+          <p:cNvSpPr txBox="1"/>
+          <p:nvPr/>
+        </p:nvSpPr>
+        <p:spPr>
+          <a:xfrm>
+            <a:off x="3602930" y="8070608"/>
+            <a:ext cx="1304617" cy="300082"/>
+          </a:xfrm>
+          <a:prstGeom prst="rect">
+            <a:avLst/>
+          </a:prstGeom>
+          <a:ln/>
+        </p:spPr>
+        <p:style>
+          <a:lnRef idx="1">
+            <a:schemeClr val="accent6"/>
+          </a:lnRef>
+          <a:fillRef idx="2">
+            <a:schemeClr val="accent6"/>
+          </a:fillRef>
+          <a:effectRef idx="1">
+            <a:schemeClr val="accent6"/>
+          </a:effectRef>
+          <a:fontRef idx="minor">
+            <a:schemeClr val="dk1"/>
+          </a:fontRef>
+        </p:style>
+        <p:txBody>
+          <a:bodyPr wrap="square" rtlCol="0">
+            <a:spAutoFit/>
+          </a:bodyPr>
+          <a:lstStyle/>
+          <a:p>
+            <a:pPr algn="ctr"/>
+            <a:r>
+              <a:rPr lang="en-US" sz="1350" dirty="0" err="1"/>
+              <a:t>QDateTimeEdit</a:t>
+            </a:r>
+            <a:endParaRPr lang="en-US" sz="1350" dirty="0"/>
+          </a:p>
+        </p:txBody>
+      </p:sp>
+      <p:sp>
+        <p:nvSpPr>
+          <p:cNvPr id="261" name="TextBox 260">
+            <a:extLst>
+              <a:ext uri="{FF2B5EF4-FFF2-40B4-BE49-F238E27FC236}">
+                <a16:creationId xmlns:a16="http://schemas.microsoft.com/office/drawing/2014/main" id="{2E8E5945-F992-E443-AE5F-24CC44BED60D}"/>
+              </a:ext>
+            </a:extLst>
+          </p:cNvPr>
+          <p:cNvSpPr txBox="1"/>
+          <p:nvPr/>
+        </p:nvSpPr>
+        <p:spPr>
+          <a:xfrm>
+            <a:off x="3702053" y="8508758"/>
+            <a:ext cx="1205494" cy="300082"/>
+          </a:xfrm>
+          <a:prstGeom prst="rect">
+            <a:avLst/>
+          </a:prstGeom>
+          <a:ln/>
+        </p:spPr>
+        <p:style>
+          <a:lnRef idx="1">
+            <a:schemeClr val="accent6"/>
+          </a:lnRef>
+          <a:fillRef idx="2">
+            <a:schemeClr val="accent6"/>
+          </a:fillRef>
+          <a:effectRef idx="1">
+            <a:schemeClr val="accent6"/>
+          </a:effectRef>
+          <a:fontRef idx="minor">
+            <a:schemeClr val="dk1"/>
+          </a:fontRef>
+        </p:style>
+        <p:txBody>
+          <a:bodyPr wrap="square" rtlCol="0">
+            <a:spAutoFit/>
+          </a:bodyPr>
+          <a:lstStyle/>
+          <a:p>
+            <a:pPr algn="ctr"/>
+            <a:r>
+              <a:rPr lang="en-US" sz="1350" dirty="0" err="1"/>
+              <a:t>QPushButton</a:t>
+            </a:r>
+            <a:endParaRPr lang="en-US" sz="1350" dirty="0"/>
+          </a:p>
+        </p:txBody>
+      </p:sp>
+      <p:sp>
+        <p:nvSpPr>
+          <p:cNvPr id="262" name="TextBox 261">
+            <a:extLst>
+              <a:ext uri="{FF2B5EF4-FFF2-40B4-BE49-F238E27FC236}">
+                <a16:creationId xmlns:a16="http://schemas.microsoft.com/office/drawing/2014/main" id="{310E25CE-DEB6-F648-AD8D-88E3069DC965}"/>
+              </a:ext>
+            </a:extLst>
+          </p:cNvPr>
+          <p:cNvSpPr txBox="1"/>
+          <p:nvPr/>
+        </p:nvSpPr>
+        <p:spPr>
+          <a:xfrm>
+            <a:off x="4152729" y="8946908"/>
+            <a:ext cx="754817" cy="300082"/>
+          </a:xfrm>
+          <a:prstGeom prst="rect">
+            <a:avLst/>
+          </a:prstGeom>
+          <a:ln/>
+        </p:spPr>
+        <p:style>
+          <a:lnRef idx="1">
+            <a:schemeClr val="accent6"/>
+          </a:lnRef>
+          <a:fillRef idx="2">
+            <a:schemeClr val="accent6"/>
+          </a:fillRef>
+          <a:effectRef idx="1">
+            <a:schemeClr val="accent6"/>
+          </a:effectRef>
+          <a:fontRef idx="minor">
+            <a:schemeClr val="dk1"/>
+          </a:fontRef>
+        </p:style>
+        <p:txBody>
+          <a:bodyPr wrap="square" rtlCol="0">
+            <a:spAutoFit/>
+          </a:bodyPr>
+          <a:lstStyle/>
+          <a:p>
+            <a:pPr algn="ctr"/>
+            <a:r>
+              <a:rPr lang="en-US" sz="1350" dirty="0" err="1"/>
+              <a:t>QLabel</a:t>
+            </a:r>
+            <a:endParaRPr lang="en-US" sz="1350" dirty="0"/>
+          </a:p>
+        </p:txBody>
+      </p:sp>
+      <p:sp>
+        <p:nvSpPr>
+          <p:cNvPr id="263" name="TextBox 262">
+            <a:extLst>
+              <a:ext uri="{FF2B5EF4-FFF2-40B4-BE49-F238E27FC236}">
+                <a16:creationId xmlns:a16="http://schemas.microsoft.com/office/drawing/2014/main" id="{11A9F870-F7D4-9440-9F62-2596338CAB06}"/>
+              </a:ext>
+            </a:extLst>
+          </p:cNvPr>
+          <p:cNvSpPr txBox="1"/>
+          <p:nvPr/>
+        </p:nvSpPr>
+        <p:spPr>
+          <a:xfrm>
+            <a:off x="3916975" y="9404108"/>
+            <a:ext cx="990572" cy="300082"/>
+          </a:xfrm>
+          <a:prstGeom prst="rect">
+            <a:avLst/>
+          </a:prstGeom>
+          <a:ln/>
+        </p:spPr>
+        <p:style>
+          <a:lnRef idx="1">
+            <a:schemeClr val="accent6"/>
+          </a:lnRef>
+          <a:fillRef idx="2">
+            <a:schemeClr val="accent6"/>
+          </a:fillRef>
+          <a:effectRef idx="1">
+            <a:schemeClr val="accent6"/>
+          </a:effectRef>
+          <a:fontRef idx="minor">
+            <a:schemeClr val="dk1"/>
+          </a:fontRef>
+        </p:style>
+        <p:txBody>
+          <a:bodyPr wrap="square" rtlCol="0">
+            <a:spAutoFit/>
+          </a:bodyPr>
+          <a:lstStyle/>
+          <a:p>
+            <a:pPr algn="ctr"/>
+            <a:r>
+              <a:rPr lang="en-US" sz="1350" dirty="0" err="1"/>
+              <a:t>QTimeEdit</a:t>
+            </a:r>
+            <a:endParaRPr lang="en-US" sz="1350" dirty="0"/>
+          </a:p>
+        </p:txBody>
+      </p:sp>
       <p:cxnSp>
         <p:nvCxnSpPr>
-          <p:cNvPr id="222" name="Straight Connector 221">
-            <a:extLst>
-              <a:ext uri="{FF2B5EF4-FFF2-40B4-BE49-F238E27FC236}">
-                <a16:creationId xmlns:a16="http://schemas.microsoft.com/office/drawing/2014/main" id="{3BF035B7-87DE-924B-9432-A34A95236965}"/>
+          <p:cNvPr id="264" name="Straight Connector 263">
+            <a:extLst>
+              <a:ext uri="{FF2B5EF4-FFF2-40B4-BE49-F238E27FC236}">
+                <a16:creationId xmlns:a16="http://schemas.microsoft.com/office/drawing/2014/main" id="{4A07723F-D7DA-6240-8433-85B1CFB754C0}"/>
               </a:ext>
             </a:extLst>
           </p:cNvPr>
@@ -10299,8 +10683,8 @@
         </p:nvCxnSpPr>
         <p:spPr>
           <a:xfrm>
-            <a:off x="5233561" y="6766488"/>
-            <a:ext cx="0" cy="1454280"/>
+            <a:off x="5253963" y="6803610"/>
+            <a:ext cx="0" cy="2754958"/>
           </a:xfrm>
           <a:prstGeom prst="line">
             <a:avLst/>
@@ -10321,12 +10705,51 @@
           </a:fontRef>
         </p:style>
       </p:cxnSp>
-      <p:sp>
-        <p:nvSpPr>
-          <p:cNvPr id="225" name="TextBox 224">
-            <a:extLst>
-              <a:ext uri="{FF2B5EF4-FFF2-40B4-BE49-F238E27FC236}">
-                <a16:creationId xmlns:a16="http://schemas.microsoft.com/office/drawing/2014/main" id="{B15DBE63-A9E5-AC4E-8712-A90B58F7B6AB}"/>
+      <p:cxnSp>
+        <p:nvCxnSpPr>
+          <p:cNvPr id="265" name="Straight Connector 264">
+            <a:extLst>
+              <a:ext uri="{FF2B5EF4-FFF2-40B4-BE49-F238E27FC236}">
+                <a16:creationId xmlns:a16="http://schemas.microsoft.com/office/drawing/2014/main" id="{25F14D76-58A4-CF44-9EC5-B0235EA45B85}"/>
+              </a:ext>
+            </a:extLst>
+          </p:cNvPr>
+          <p:cNvCxnSpPr>
+            <a:cxnSpLocks/>
+            <a:endCxn id="263" idx="3"/>
+          </p:cNvCxnSpPr>
+          <p:nvPr/>
+        </p:nvCxnSpPr>
+        <p:spPr>
+          <a:xfrm flipH="1">
+            <a:off x="4907547" y="9554149"/>
+            <a:ext cx="338905" cy="0"/>
+          </a:xfrm>
+          <a:prstGeom prst="line">
+            <a:avLst/>
+          </a:prstGeom>
+        </p:spPr>
+        <p:style>
+          <a:lnRef idx="1">
+            <a:schemeClr val="dk1"/>
+          </a:lnRef>
+          <a:fillRef idx="0">
+            <a:schemeClr val="dk1"/>
+          </a:fillRef>
+          <a:effectRef idx="0">
+            <a:schemeClr val="dk1"/>
+          </a:effectRef>
+          <a:fontRef idx="minor">
+            <a:schemeClr val="tx1"/>
+          </a:fontRef>
+        </p:style>
+      </p:cxnSp>
+      <p:sp>
+        <p:nvSpPr>
+          <p:cNvPr id="266" name="TextBox 265">
+            <a:extLst>
+              <a:ext uri="{FF2B5EF4-FFF2-40B4-BE49-F238E27FC236}">
+                <a16:creationId xmlns:a16="http://schemas.microsoft.com/office/drawing/2014/main" id="{40393B24-55BF-FC42-9E4E-30C47D3F1102}"/>
               </a:ext>
             </a:extLst>
           </p:cNvPr>
@@ -10335,151 +10758,33 @@
         </p:nvSpPr>
         <p:spPr>
           <a:xfrm>
-            <a:off x="3698219" y="6934962"/>
-            <a:ext cx="1201229" cy="300082"/>
-          </a:xfrm>
-          <a:prstGeom prst="rect">
-            <a:avLst/>
-          </a:prstGeom>
-          <a:ln/>
-        </p:spPr>
-        <p:style>
-          <a:lnRef idx="1">
-            <a:schemeClr val="accent6"/>
-          </a:lnRef>
-          <a:fillRef idx="2">
-            <a:schemeClr val="accent6"/>
-          </a:fillRef>
-          <a:effectRef idx="1">
-            <a:schemeClr val="accent6"/>
-          </a:effectRef>
-          <a:fontRef idx="minor">
-            <a:schemeClr val="dk1"/>
-          </a:fontRef>
-        </p:style>
+            <a:off x="4874260" y="9290280"/>
+            <a:ext cx="265710" cy="300082"/>
+          </a:xfrm>
+          <a:prstGeom prst="rect">
+            <a:avLst/>
+          </a:prstGeom>
+          <a:noFill/>
+        </p:spPr>
         <p:txBody>
           <a:bodyPr wrap="square" rtlCol="0">
             <a:spAutoFit/>
           </a:bodyPr>
           <a:lstStyle/>
           <a:p>
-            <a:pPr algn="ctr"/>
-            <a:r>
-              <a:rPr lang="en-US" sz="1350" dirty="0" err="1"/>
-              <a:t>QGroupBox</a:t>
-            </a:r>
-            <a:endParaRPr lang="en-US" sz="1350" dirty="0"/>
-          </a:p>
-        </p:txBody>
-      </p:sp>
-      <p:sp>
-        <p:nvSpPr>
-          <p:cNvPr id="226" name="TextBox 225">
-            <a:extLst>
-              <a:ext uri="{FF2B5EF4-FFF2-40B4-BE49-F238E27FC236}">
-                <a16:creationId xmlns:a16="http://schemas.microsoft.com/office/drawing/2014/main" id="{9751505A-FCAD-384E-979C-D04C96012211}"/>
-              </a:ext>
-            </a:extLst>
-          </p:cNvPr>
-          <p:cNvSpPr txBox="1"/>
-          <p:nvPr/>
-        </p:nvSpPr>
-        <p:spPr>
-          <a:xfrm>
-            <a:off x="3699769" y="7599679"/>
-            <a:ext cx="1201229" cy="300082"/>
-          </a:xfrm>
-          <a:prstGeom prst="rect">
-            <a:avLst/>
-          </a:prstGeom>
-          <a:ln/>
-        </p:spPr>
-        <p:style>
-          <a:lnRef idx="1">
-            <a:schemeClr val="accent6"/>
-          </a:lnRef>
-          <a:fillRef idx="2">
-            <a:schemeClr val="accent6"/>
-          </a:fillRef>
-          <a:effectRef idx="1">
-            <a:schemeClr val="accent6"/>
-          </a:effectRef>
-          <a:fontRef idx="minor">
-            <a:schemeClr val="dk1"/>
-          </a:fontRef>
-        </p:style>
-        <p:txBody>
-          <a:bodyPr wrap="square" rtlCol="0">
-            <a:spAutoFit/>
-          </a:bodyPr>
-          <a:lstStyle/>
-          <a:p>
-            <a:pPr algn="ctr"/>
-            <a:r>
-              <a:rPr lang="en-US" sz="1350" dirty="0" err="1"/>
-              <a:t>QGridLayout</a:t>
-            </a:r>
-            <a:endParaRPr lang="en-US" sz="1350" dirty="0"/>
-          </a:p>
-        </p:txBody>
-      </p:sp>
-      <p:sp>
-        <p:nvSpPr>
-          <p:cNvPr id="228" name="TextBox 227">
-            <a:extLst>
-              <a:ext uri="{FF2B5EF4-FFF2-40B4-BE49-F238E27FC236}">
-                <a16:creationId xmlns:a16="http://schemas.microsoft.com/office/drawing/2014/main" id="{4A036CC3-A504-C249-B5C2-26CC70F9D751}"/>
-              </a:ext>
-            </a:extLst>
-          </p:cNvPr>
-          <p:cNvSpPr txBox="1"/>
-          <p:nvPr/>
-        </p:nvSpPr>
-        <p:spPr>
-          <a:xfrm>
-            <a:off x="2111599" y="8066894"/>
-            <a:ext cx="1201229" cy="300082"/>
-          </a:xfrm>
-          <a:prstGeom prst="rect">
-            <a:avLst/>
-          </a:prstGeom>
-          <a:ln/>
-        </p:spPr>
-        <p:style>
-          <a:lnRef idx="1">
-            <a:schemeClr val="accent6"/>
-          </a:lnRef>
-          <a:fillRef idx="2">
-            <a:schemeClr val="accent6"/>
-          </a:fillRef>
-          <a:effectRef idx="1">
-            <a:schemeClr val="accent6"/>
-          </a:effectRef>
-          <a:fontRef idx="minor">
-            <a:schemeClr val="dk1"/>
-          </a:fontRef>
-        </p:style>
-        <p:txBody>
-          <a:bodyPr wrap="square" rtlCol="0">
-            <a:spAutoFit/>
-          </a:bodyPr>
-          <a:lstStyle/>
-          <a:p>
-            <a:pPr algn="ctr"/>
-            <a:r>
-              <a:rPr lang="en-US" sz="1350" dirty="0" err="1"/>
-              <a:t>QComboBox</a:t>
-            </a:r>
-            <a:endParaRPr lang="en-US" sz="1350" dirty="0"/>
+            <a:r>
+              <a:rPr lang="en-US" sz="1350" dirty="0"/>
+              <a:t>1</a:t>
+            </a:r>
           </a:p>
         </p:txBody>
       </p:sp>
       <p:cxnSp>
         <p:nvCxnSpPr>
-          <p:cNvPr id="229" name="Straight Connector 228">
-            <a:extLst>
-              <a:ext uri="{FF2B5EF4-FFF2-40B4-BE49-F238E27FC236}">
-                <a16:creationId xmlns:a16="http://schemas.microsoft.com/office/drawing/2014/main" id="{8772934E-6F0C-4749-BFCB-139955CCE4FB}"/>
+          <p:cNvPr id="267" name="Straight Connector 266">
+            <a:extLst>
+              <a:ext uri="{FF2B5EF4-FFF2-40B4-BE49-F238E27FC236}">
+                <a16:creationId xmlns:a16="http://schemas.microsoft.com/office/drawing/2014/main" id="{20129ACF-C1D4-9349-B31B-083C7564DD1F}"/>
               </a:ext>
             </a:extLst>
           </p:cNvPr>
@@ -10489,9 +10794,9 @@
           <p:nvPr/>
         </p:nvCxnSpPr>
         <p:spPr>
-          <a:xfrm flipV="1">
-            <a:off x="4891953" y="7072919"/>
-            <a:ext cx="341608" cy="1"/>
+          <a:xfrm flipH="1">
+            <a:off x="4907547" y="9096949"/>
+            <a:ext cx="338905" cy="0"/>
           </a:xfrm>
           <a:prstGeom prst="line">
             <a:avLst/>
@@ -10512,26 +10817,59 @@
           </a:fontRef>
         </p:style>
       </p:cxnSp>
+      <p:sp>
+        <p:nvSpPr>
+          <p:cNvPr id="268" name="TextBox 267">
+            <a:extLst>
+              <a:ext uri="{FF2B5EF4-FFF2-40B4-BE49-F238E27FC236}">
+                <a16:creationId xmlns:a16="http://schemas.microsoft.com/office/drawing/2014/main" id="{E78944E0-A10C-4746-B51A-5585A45569DD}"/>
+              </a:ext>
+            </a:extLst>
+          </p:cNvPr>
+          <p:cNvSpPr txBox="1"/>
+          <p:nvPr/>
+        </p:nvSpPr>
+        <p:spPr>
+          <a:xfrm>
+            <a:off x="4874260" y="8833080"/>
+            <a:ext cx="265710" cy="300082"/>
+          </a:xfrm>
+          <a:prstGeom prst="rect">
+            <a:avLst/>
+          </a:prstGeom>
+          <a:noFill/>
+        </p:spPr>
+        <p:txBody>
+          <a:bodyPr wrap="square" rtlCol="0">
+            <a:spAutoFit/>
+          </a:bodyPr>
+          <a:lstStyle/>
+          <a:p>
+            <a:r>
+              <a:rPr lang="en-US" sz="1350" dirty="0"/>
+              <a:t>2</a:t>
+            </a:r>
+          </a:p>
+        </p:txBody>
+      </p:sp>
       <p:cxnSp>
         <p:nvCxnSpPr>
-          <p:cNvPr id="233" name="Straight Connector 232">
-            <a:extLst>
-              <a:ext uri="{FF2B5EF4-FFF2-40B4-BE49-F238E27FC236}">
-                <a16:creationId xmlns:a16="http://schemas.microsoft.com/office/drawing/2014/main" id="{68D4D101-82EB-954E-8391-C3140B167956}"/>
+          <p:cNvPr id="269" name="Straight Connector 268">
+            <a:extLst>
+              <a:ext uri="{FF2B5EF4-FFF2-40B4-BE49-F238E27FC236}">
+                <a16:creationId xmlns:a16="http://schemas.microsoft.com/office/drawing/2014/main" id="{F71DDDDA-205F-C14C-9E93-EB657DFC5DEE}"/>
               </a:ext>
             </a:extLst>
           </p:cNvPr>
           <p:cNvCxnSpPr>
             <a:cxnSpLocks/>
-            <a:stCxn id="239" idx="1"/>
-            <a:endCxn id="228" idx="3"/>
           </p:cNvCxnSpPr>
           <p:nvPr/>
         </p:nvCxnSpPr>
         <p:spPr>
           <a:xfrm flipH="1">
-            <a:off x="3312828" y="8215642"/>
-            <a:ext cx="379863" cy="1293"/>
+            <a:off x="4911222" y="8663153"/>
+            <a:ext cx="338905" cy="0"/>
           </a:xfrm>
           <a:prstGeom prst="line">
             <a:avLst/>
@@ -10554,10 +10892,10 @@
       </p:cxnSp>
       <p:sp>
         <p:nvSpPr>
-          <p:cNvPr id="234" name="TextBox 233">
-            <a:extLst>
-              <a:ext uri="{FF2B5EF4-FFF2-40B4-BE49-F238E27FC236}">
-                <a16:creationId xmlns:a16="http://schemas.microsoft.com/office/drawing/2014/main" id="{913E2450-421E-DD4D-A307-2938D7688B4A}"/>
+          <p:cNvPr id="270" name="TextBox 269">
+            <a:extLst>
+              <a:ext uri="{FF2B5EF4-FFF2-40B4-BE49-F238E27FC236}">
+                <a16:creationId xmlns:a16="http://schemas.microsoft.com/office/drawing/2014/main" id="{E1724F79-9C96-B84E-9FDC-AAFADC9F800D}"/>
               </a:ext>
             </a:extLst>
           </p:cNvPr>
@@ -10566,8 +10904,8 @@
         </p:nvSpPr>
         <p:spPr>
           <a:xfrm>
-            <a:off x="4891954" y="6843004"/>
-            <a:ext cx="217738" cy="300082"/>
+            <a:off x="4877935" y="8399284"/>
+            <a:ext cx="265710" cy="300082"/>
           </a:xfrm>
           <a:prstGeom prst="rect">
             <a:avLst/>
@@ -10582,17 +10920,55 @@
           <a:p>
             <a:r>
               <a:rPr lang="en-US" sz="1350" dirty="0"/>
-              <a:t>1</a:t>
-            </a:r>
-          </a:p>
-        </p:txBody>
-      </p:sp>
-      <p:sp>
-        <p:nvSpPr>
-          <p:cNvPr id="235" name="TextBox 234">
-            <a:extLst>
-              <a:ext uri="{FF2B5EF4-FFF2-40B4-BE49-F238E27FC236}">
-                <a16:creationId xmlns:a16="http://schemas.microsoft.com/office/drawing/2014/main" id="{1BE0A628-45A7-A041-B075-3057B513B657}"/>
+              <a:t>2</a:t>
+            </a:r>
+          </a:p>
+        </p:txBody>
+      </p:sp>
+      <p:cxnSp>
+        <p:nvCxnSpPr>
+          <p:cNvPr id="271" name="Straight Connector 270">
+            <a:extLst>
+              <a:ext uri="{FF2B5EF4-FFF2-40B4-BE49-F238E27FC236}">
+                <a16:creationId xmlns:a16="http://schemas.microsoft.com/office/drawing/2014/main" id="{8A14A856-C1DE-3C40-BFC0-EBCA7559DBA4}"/>
+              </a:ext>
+            </a:extLst>
+          </p:cNvPr>
+          <p:cNvCxnSpPr>
+            <a:cxnSpLocks/>
+          </p:cNvCxnSpPr>
+          <p:nvPr/>
+        </p:nvCxnSpPr>
+        <p:spPr>
+          <a:xfrm flipH="1">
+            <a:off x="4907577" y="8221881"/>
+            <a:ext cx="338905" cy="0"/>
+          </a:xfrm>
+          <a:prstGeom prst="line">
+            <a:avLst/>
+          </a:prstGeom>
+        </p:spPr>
+        <p:style>
+          <a:lnRef idx="1">
+            <a:schemeClr val="dk1"/>
+          </a:lnRef>
+          <a:fillRef idx="0">
+            <a:schemeClr val="dk1"/>
+          </a:fillRef>
+          <a:effectRef idx="0">
+            <a:schemeClr val="dk1"/>
+          </a:effectRef>
+          <a:fontRef idx="minor">
+            <a:schemeClr val="tx1"/>
+          </a:fontRef>
+        </p:style>
+      </p:cxnSp>
+      <p:sp>
+        <p:nvSpPr>
+          <p:cNvPr id="272" name="TextBox 271">
+            <a:extLst>
+              <a:ext uri="{FF2B5EF4-FFF2-40B4-BE49-F238E27FC236}">
+                <a16:creationId xmlns:a16="http://schemas.microsoft.com/office/drawing/2014/main" id="{B17EC610-E799-694F-BDFA-C2E30E9B803F}"/>
               </a:ext>
             </a:extLst>
           </p:cNvPr>
@@ -10601,7 +10977,7 @@
         </p:nvSpPr>
         <p:spPr>
           <a:xfrm>
-            <a:off x="4900999" y="7973160"/>
+            <a:off x="4874290" y="7958012"/>
             <a:ext cx="265710" cy="300082"/>
           </a:xfrm>
           <a:prstGeom prst="rect">
@@ -10622,12 +10998,50 @@
           </a:p>
         </p:txBody>
       </p:sp>
-      <p:sp>
-        <p:nvSpPr>
-          <p:cNvPr id="236" name="TextBox 235">
-            <a:extLst>
-              <a:ext uri="{FF2B5EF4-FFF2-40B4-BE49-F238E27FC236}">
-                <a16:creationId xmlns:a16="http://schemas.microsoft.com/office/drawing/2014/main" id="{588B8141-DDAC-1F42-8BC7-AD583F8C26FD}"/>
+      <p:cxnSp>
+        <p:nvCxnSpPr>
+          <p:cNvPr id="273" name="Straight Connector 272">
+            <a:extLst>
+              <a:ext uri="{FF2B5EF4-FFF2-40B4-BE49-F238E27FC236}">
+                <a16:creationId xmlns:a16="http://schemas.microsoft.com/office/drawing/2014/main" id="{2D8A085E-9113-0A46-ABE4-ECC9B35832A0}"/>
+              </a:ext>
+            </a:extLst>
+          </p:cNvPr>
+          <p:cNvCxnSpPr>
+            <a:cxnSpLocks/>
+          </p:cNvCxnSpPr>
+          <p:nvPr/>
+        </p:nvCxnSpPr>
+        <p:spPr>
+          <a:xfrm flipH="1">
+            <a:off x="4907547" y="7788243"/>
+            <a:ext cx="338905" cy="0"/>
+          </a:xfrm>
+          <a:prstGeom prst="line">
+            <a:avLst/>
+          </a:prstGeom>
+        </p:spPr>
+        <p:style>
+          <a:lnRef idx="1">
+            <a:schemeClr val="dk1"/>
+          </a:lnRef>
+          <a:fillRef idx="0">
+            <a:schemeClr val="dk1"/>
+          </a:fillRef>
+          <a:effectRef idx="0">
+            <a:schemeClr val="dk1"/>
+          </a:effectRef>
+          <a:fontRef idx="minor">
+            <a:schemeClr val="tx1"/>
+          </a:fontRef>
+        </p:style>
+      </p:cxnSp>
+      <p:sp>
+        <p:nvSpPr>
+          <p:cNvPr id="274" name="TextBox 273">
+            <a:extLst>
+              <a:ext uri="{FF2B5EF4-FFF2-40B4-BE49-F238E27FC236}">
+                <a16:creationId xmlns:a16="http://schemas.microsoft.com/office/drawing/2014/main" id="{67377330-C388-994D-BE84-DDFEB3C3DBDC}"/>
               </a:ext>
             </a:extLst>
           </p:cNvPr>
@@ -10636,7 +11050,7 @@
         </p:nvSpPr>
         <p:spPr>
           <a:xfrm>
-            <a:off x="4897226" y="7488411"/>
+            <a:off x="4874260" y="7524374"/>
             <a:ext cx="265710" cy="300082"/>
           </a:xfrm>
           <a:prstGeom prst="rect">
@@ -10659,23 +11073,22 @@
       </p:sp>
       <p:cxnSp>
         <p:nvCxnSpPr>
-          <p:cNvPr id="238" name="Straight Connector 237">
-            <a:extLst>
-              <a:ext uri="{FF2B5EF4-FFF2-40B4-BE49-F238E27FC236}">
-                <a16:creationId xmlns:a16="http://schemas.microsoft.com/office/drawing/2014/main" id="{5AAF0C4F-A1EA-5845-B4D2-271C13D24F0D}"/>
+          <p:cNvPr id="275" name="Straight Connector 274">
+            <a:extLst>
+              <a:ext uri="{FF2B5EF4-FFF2-40B4-BE49-F238E27FC236}">
+                <a16:creationId xmlns:a16="http://schemas.microsoft.com/office/drawing/2014/main" id="{66117DD3-B959-7041-B3F0-93E458EC8C16}"/>
               </a:ext>
             </a:extLst>
           </p:cNvPr>
           <p:cNvCxnSpPr>
             <a:cxnSpLocks/>
-            <a:stCxn id="226" idx="3"/>
           </p:cNvCxnSpPr>
           <p:nvPr/>
         </p:nvCxnSpPr>
         <p:spPr>
-          <a:xfrm>
-            <a:off x="4900998" y="7749720"/>
-            <a:ext cx="332563" cy="0"/>
+          <a:xfrm flipH="1">
+            <a:off x="4910774" y="7165735"/>
+            <a:ext cx="338905" cy="0"/>
           </a:xfrm>
           <a:prstGeom prst="line">
             <a:avLst/>
@@ -10698,10 +11111,10 @@
       </p:cxnSp>
       <p:sp>
         <p:nvSpPr>
-          <p:cNvPr id="239" name="TextBox 238">
-            <a:extLst>
-              <a:ext uri="{FF2B5EF4-FFF2-40B4-BE49-F238E27FC236}">
-                <a16:creationId xmlns:a16="http://schemas.microsoft.com/office/drawing/2014/main" id="{3C1E6252-FD77-A640-9EF1-34EE0B4109A1}"/>
+          <p:cNvPr id="276" name="TextBox 275">
+            <a:extLst>
+              <a:ext uri="{FF2B5EF4-FFF2-40B4-BE49-F238E27FC236}">
+                <a16:creationId xmlns:a16="http://schemas.microsoft.com/office/drawing/2014/main" id="{7CDB518A-DE5D-B44B-B777-13AE93A1C6CF}"/>
               </a:ext>
             </a:extLst>
           </p:cNvPr>
@@ -10710,8 +11123,43 @@
         </p:nvSpPr>
         <p:spPr>
           <a:xfrm>
-            <a:off x="3692691" y="8065601"/>
-            <a:ext cx="1210201" cy="300082"/>
+            <a:off x="4877487" y="6901866"/>
+            <a:ext cx="265710" cy="300082"/>
+          </a:xfrm>
+          <a:prstGeom prst="rect">
+            <a:avLst/>
+          </a:prstGeom>
+          <a:noFill/>
+        </p:spPr>
+        <p:txBody>
+          <a:bodyPr wrap="square" rtlCol="0">
+            <a:spAutoFit/>
+          </a:bodyPr>
+          <a:lstStyle/>
+          <a:p>
+            <a:r>
+              <a:rPr lang="en-US" sz="1350" dirty="0"/>
+              <a:t>1</a:t>
+            </a:r>
+          </a:p>
+        </p:txBody>
+      </p:sp>
+      <p:sp>
+        <p:nvSpPr>
+          <p:cNvPr id="277" name="TextBox 276">
+            <a:extLst>
+              <a:ext uri="{FF2B5EF4-FFF2-40B4-BE49-F238E27FC236}">
+                <a16:creationId xmlns:a16="http://schemas.microsoft.com/office/drawing/2014/main" id="{4FD9C3E1-8849-BC44-B915-8E830E4A9AD5}"/>
+              </a:ext>
+            </a:extLst>
+          </p:cNvPr>
+          <p:cNvSpPr txBox="1"/>
+          <p:nvPr/>
+        </p:nvSpPr>
+        <p:spPr>
+          <a:xfrm>
+            <a:off x="7469096" y="11393809"/>
+            <a:ext cx="1616795" cy="300082"/>
           </a:xfrm>
           <a:prstGeom prst="rect">
             <a:avLst/>
@@ -10732,7 +11180,7 @@
             <a:pPr algn="ctr"/>
             <a:r>
               <a:rPr lang="en-US" sz="1350" dirty="0" err="1"/>
-              <a:t>ComboBox</a:t>
+              <a:t>AnnotEventWidget</a:t>
             </a:r>
             <a:endParaRPr lang="en-US" sz="1350" dirty="0"/>
           </a:p>
@@ -10740,10 +11188,10 @@
       </p:sp>
       <p:cxnSp>
         <p:nvCxnSpPr>
-          <p:cNvPr id="243" name="Straight Connector 242">
-            <a:extLst>
-              <a:ext uri="{FF2B5EF4-FFF2-40B4-BE49-F238E27FC236}">
-                <a16:creationId xmlns:a16="http://schemas.microsoft.com/office/drawing/2014/main" id="{097D1282-8D36-BE46-AA0F-948E6CF6AB34}"/>
+          <p:cNvPr id="278" name="Straight Connector 277">
+            <a:extLst>
+              <a:ext uri="{FF2B5EF4-FFF2-40B4-BE49-F238E27FC236}">
+                <a16:creationId xmlns:a16="http://schemas.microsoft.com/office/drawing/2014/main" id="{8A38F2D0-E63C-DD43-91F7-F6E8A8ACAEDA}"/>
               </a:ext>
             </a:extLst>
           </p:cNvPr>
@@ -10754,8 +11202,8 @@
         </p:nvCxnSpPr>
         <p:spPr>
           <a:xfrm flipH="1">
-            <a:off x="4900998" y="8215642"/>
-            <a:ext cx="332563" cy="0"/>
+            <a:off x="7040623" y="11541815"/>
+            <a:ext cx="425894" cy="0"/>
           </a:xfrm>
           <a:prstGeom prst="line">
             <a:avLst/>
@@ -10778,10 +11226,46 @@
       </p:cxnSp>
       <p:sp>
         <p:nvSpPr>
-          <p:cNvPr id="244" name="Triangle 243">
-            <a:extLst>
-              <a:ext uri="{FF2B5EF4-FFF2-40B4-BE49-F238E27FC236}">
-                <a16:creationId xmlns:a16="http://schemas.microsoft.com/office/drawing/2014/main" id="{69648C50-5164-3E43-B3B8-B55A42754E05}"/>
+          <p:cNvPr id="279" name="TextBox 278">
+            <a:extLst>
+              <a:ext uri="{FF2B5EF4-FFF2-40B4-BE49-F238E27FC236}">
+                <a16:creationId xmlns:a16="http://schemas.microsoft.com/office/drawing/2014/main" id="{F9540E9C-335F-4D49-809C-0476776A5A92}"/>
+              </a:ext>
+            </a:extLst>
+          </p:cNvPr>
+          <p:cNvSpPr txBox="1"/>
+          <p:nvPr/>
+        </p:nvSpPr>
+        <p:spPr>
+          <a:xfrm>
+            <a:off x="6977309" y="11273702"/>
+            <a:ext cx="545470" cy="300082"/>
+          </a:xfrm>
+          <a:prstGeom prst="rect">
+            <a:avLst/>
+          </a:prstGeom>
+          <a:noFill/>
+        </p:spPr>
+        <p:txBody>
+          <a:bodyPr wrap="square" rtlCol="0">
+            <a:spAutoFit/>
+          </a:bodyPr>
+          <a:lstStyle/>
+          <a:p>
+            <a:pPr algn="r"/>
+            <a:r>
+              <a:rPr lang="en-US" sz="1350" dirty="0"/>
+              <a:t>0..1</a:t>
+            </a:r>
+          </a:p>
+        </p:txBody>
+      </p:sp>
+      <p:sp>
+        <p:nvSpPr>
+          <p:cNvPr id="280" name="Rectangle 279">
+            <a:extLst>
+              <a:ext uri="{FF2B5EF4-FFF2-40B4-BE49-F238E27FC236}">
+                <a16:creationId xmlns:a16="http://schemas.microsoft.com/office/drawing/2014/main" id="{A4AA1258-EA7C-DA4C-B832-D34F950BA168}"/>
               </a:ext>
             </a:extLst>
           </p:cNvPr>
@@ -10789,8 +11273,1306 @@
           <p:nvPr/>
         </p:nvSpPr>
         <p:spPr>
-          <a:xfrm rot="16200000">
-            <a:off x="3305346" y="8168718"/>
+          <a:xfrm rot="2668524">
+            <a:off x="9117995" y="11505189"/>
+            <a:ext cx="94499" cy="94499"/>
+          </a:xfrm>
+          <a:prstGeom prst="rect">
+            <a:avLst/>
+          </a:prstGeom>
+        </p:spPr>
+        <p:style>
+          <a:lnRef idx="2">
+            <a:schemeClr val="dk1">
+              <a:shade val="50000"/>
+            </a:schemeClr>
+          </a:lnRef>
+          <a:fillRef idx="1">
+            <a:schemeClr val="dk1"/>
+          </a:fillRef>
+          <a:effectRef idx="0">
+            <a:schemeClr val="dk1"/>
+          </a:effectRef>
+          <a:fontRef idx="minor">
+            <a:schemeClr val="lt1"/>
+          </a:fontRef>
+        </p:style>
+        <p:txBody>
+          <a:bodyPr rtlCol="0" anchor="ctr"/>
+          <a:lstStyle/>
+          <a:p>
+            <a:pPr algn="ctr"/>
+            <a:endParaRPr lang="en-US" sz="1350"/>
+          </a:p>
+        </p:txBody>
+      </p:sp>
+      <p:cxnSp>
+        <p:nvCxnSpPr>
+          <p:cNvPr id="281" name="Straight Connector 280">
+            <a:extLst>
+              <a:ext uri="{FF2B5EF4-FFF2-40B4-BE49-F238E27FC236}">
+                <a16:creationId xmlns:a16="http://schemas.microsoft.com/office/drawing/2014/main" id="{7938A72B-3EFF-D842-BE4E-5A19FDC4DD2E}"/>
+              </a:ext>
+            </a:extLst>
+          </p:cNvPr>
+          <p:cNvCxnSpPr>
+            <a:cxnSpLocks/>
+            <a:stCxn id="282" idx="1"/>
+          </p:cNvCxnSpPr>
+          <p:nvPr/>
+        </p:nvCxnSpPr>
+        <p:spPr>
+          <a:xfrm flipH="1">
+            <a:off x="9106189" y="11547998"/>
+            <a:ext cx="660512" cy="1211"/>
+          </a:xfrm>
+          <a:prstGeom prst="line">
+            <a:avLst/>
+          </a:prstGeom>
+        </p:spPr>
+        <p:style>
+          <a:lnRef idx="1">
+            <a:schemeClr val="dk1"/>
+          </a:lnRef>
+          <a:fillRef idx="0">
+            <a:schemeClr val="dk1"/>
+          </a:fillRef>
+          <a:effectRef idx="0">
+            <a:schemeClr val="dk1"/>
+          </a:effectRef>
+          <a:fontRef idx="minor">
+            <a:schemeClr val="tx1"/>
+          </a:fontRef>
+        </p:style>
+      </p:cxnSp>
+      <p:sp>
+        <p:nvSpPr>
+          <p:cNvPr id="282" name="TextBox 281">
+            <a:extLst>
+              <a:ext uri="{FF2B5EF4-FFF2-40B4-BE49-F238E27FC236}">
+                <a16:creationId xmlns:a16="http://schemas.microsoft.com/office/drawing/2014/main" id="{7D9ED1C6-FE93-9540-935F-093EEC2A75AA}"/>
+              </a:ext>
+            </a:extLst>
+          </p:cNvPr>
+          <p:cNvSpPr txBox="1"/>
+          <p:nvPr/>
+        </p:nvSpPr>
+        <p:spPr>
+          <a:xfrm>
+            <a:off x="9766701" y="11397957"/>
+            <a:ext cx="916757" cy="300082"/>
+          </a:xfrm>
+          <a:prstGeom prst="rect">
+            <a:avLst/>
+          </a:prstGeom>
+          <a:ln/>
+        </p:spPr>
+        <p:style>
+          <a:lnRef idx="1">
+            <a:schemeClr val="accent6"/>
+          </a:lnRef>
+          <a:fillRef idx="2">
+            <a:schemeClr val="accent6"/>
+          </a:fillRef>
+          <a:effectRef idx="1">
+            <a:schemeClr val="accent6"/>
+          </a:effectRef>
+          <a:fontRef idx="minor">
+            <a:schemeClr val="dk1"/>
+          </a:fontRef>
+        </p:style>
+        <p:txBody>
+          <a:bodyPr wrap="square" rtlCol="0">
+            <a:spAutoFit/>
+          </a:bodyPr>
+          <a:lstStyle/>
+          <a:p>
+            <a:pPr algn="ctr"/>
+            <a:r>
+              <a:rPr lang="en-US" sz="1350" dirty="0" err="1"/>
+              <a:t>QWidget</a:t>
+            </a:r>
+            <a:endParaRPr lang="en-US" sz="1350" dirty="0"/>
+          </a:p>
+        </p:txBody>
+      </p:sp>
+      <p:sp>
+        <p:nvSpPr>
+          <p:cNvPr id="283" name="TextBox 282">
+            <a:extLst>
+              <a:ext uri="{FF2B5EF4-FFF2-40B4-BE49-F238E27FC236}">
+                <a16:creationId xmlns:a16="http://schemas.microsoft.com/office/drawing/2014/main" id="{D7671835-33E0-4342-A007-B939855A844E}"/>
+              </a:ext>
+            </a:extLst>
+          </p:cNvPr>
+          <p:cNvSpPr txBox="1"/>
+          <p:nvPr/>
+        </p:nvSpPr>
+        <p:spPr>
+          <a:xfrm>
+            <a:off x="9532542" y="11296549"/>
+            <a:ext cx="285492" cy="300082"/>
+          </a:xfrm>
+          <a:prstGeom prst="rect">
+            <a:avLst/>
+          </a:prstGeom>
+          <a:noFill/>
+        </p:spPr>
+        <p:txBody>
+          <a:bodyPr wrap="square" rtlCol="0">
+            <a:spAutoFit/>
+          </a:bodyPr>
+          <a:lstStyle/>
+          <a:p>
+            <a:r>
+              <a:rPr lang="en-US" sz="1350" dirty="0"/>
+              <a:t>5</a:t>
+            </a:r>
+          </a:p>
+        </p:txBody>
+      </p:sp>
+      <p:cxnSp>
+        <p:nvCxnSpPr>
+          <p:cNvPr id="284" name="Straight Connector 283">
+            <a:extLst>
+              <a:ext uri="{FF2B5EF4-FFF2-40B4-BE49-F238E27FC236}">
+                <a16:creationId xmlns:a16="http://schemas.microsoft.com/office/drawing/2014/main" id="{B6DA321F-9181-8149-A051-228AB199C7D5}"/>
+              </a:ext>
+            </a:extLst>
+          </p:cNvPr>
+          <p:cNvCxnSpPr>
+            <a:cxnSpLocks/>
+          </p:cNvCxnSpPr>
+          <p:nvPr/>
+        </p:nvCxnSpPr>
+        <p:spPr>
+          <a:xfrm>
+            <a:off x="9352532" y="11549189"/>
+            <a:ext cx="0" cy="2065824"/>
+          </a:xfrm>
+          <a:prstGeom prst="line">
+            <a:avLst/>
+          </a:prstGeom>
+        </p:spPr>
+        <p:style>
+          <a:lnRef idx="1">
+            <a:schemeClr val="dk1"/>
+          </a:lnRef>
+          <a:fillRef idx="0">
+            <a:schemeClr val="dk1"/>
+          </a:fillRef>
+          <a:effectRef idx="0">
+            <a:schemeClr val="dk1"/>
+          </a:effectRef>
+          <a:fontRef idx="minor">
+            <a:schemeClr val="tx1"/>
+          </a:fontRef>
+        </p:style>
+      </p:cxnSp>
+      <p:sp>
+        <p:nvSpPr>
+          <p:cNvPr id="285" name="TextBox 284">
+            <a:extLst>
+              <a:ext uri="{FF2B5EF4-FFF2-40B4-BE49-F238E27FC236}">
+                <a16:creationId xmlns:a16="http://schemas.microsoft.com/office/drawing/2014/main" id="{B1AB4B48-9274-7E4B-B317-D255D87E140C}"/>
+              </a:ext>
+            </a:extLst>
+          </p:cNvPr>
+          <p:cNvSpPr txBox="1"/>
+          <p:nvPr/>
+        </p:nvSpPr>
+        <p:spPr>
+          <a:xfrm>
+            <a:off x="9766809" y="11874835"/>
+            <a:ext cx="1236683" cy="300082"/>
+          </a:xfrm>
+          <a:prstGeom prst="rect">
+            <a:avLst/>
+          </a:prstGeom>
+          <a:ln/>
+        </p:spPr>
+        <p:style>
+          <a:lnRef idx="1">
+            <a:schemeClr val="accent6"/>
+          </a:lnRef>
+          <a:fillRef idx="2">
+            <a:schemeClr val="accent6"/>
+          </a:fillRef>
+          <a:effectRef idx="1">
+            <a:schemeClr val="accent6"/>
+          </a:effectRef>
+          <a:fontRef idx="minor">
+            <a:schemeClr val="dk1"/>
+          </a:fontRef>
+        </p:style>
+        <p:txBody>
+          <a:bodyPr wrap="square" rtlCol="0">
+            <a:spAutoFit/>
+          </a:bodyPr>
+          <a:lstStyle/>
+          <a:p>
+            <a:pPr algn="ctr"/>
+            <a:r>
+              <a:rPr lang="en-US" sz="1350" dirty="0" err="1"/>
+              <a:t>QButtonGroup</a:t>
+            </a:r>
+            <a:endParaRPr lang="en-US" sz="1350" dirty="0"/>
+          </a:p>
+        </p:txBody>
+      </p:sp>
+      <p:sp>
+        <p:nvSpPr>
+          <p:cNvPr id="286" name="TextBox 285">
+            <a:extLst>
+              <a:ext uri="{FF2B5EF4-FFF2-40B4-BE49-F238E27FC236}">
+                <a16:creationId xmlns:a16="http://schemas.microsoft.com/office/drawing/2014/main" id="{E133A472-AA1B-A94B-B187-AB15E6B8F5FB}"/>
+              </a:ext>
+            </a:extLst>
+          </p:cNvPr>
+          <p:cNvSpPr txBox="1"/>
+          <p:nvPr/>
+        </p:nvSpPr>
+        <p:spPr>
+          <a:xfrm>
+            <a:off x="9766809" y="12930044"/>
+            <a:ext cx="1236683" cy="300082"/>
+          </a:xfrm>
+          <a:prstGeom prst="rect">
+            <a:avLst/>
+          </a:prstGeom>
+          <a:ln/>
+        </p:spPr>
+        <p:style>
+          <a:lnRef idx="1">
+            <a:schemeClr val="accent6"/>
+          </a:lnRef>
+          <a:fillRef idx="2">
+            <a:schemeClr val="accent6"/>
+          </a:fillRef>
+          <a:effectRef idx="1">
+            <a:schemeClr val="accent6"/>
+          </a:effectRef>
+          <a:fontRef idx="minor">
+            <a:schemeClr val="dk1"/>
+          </a:fontRef>
+        </p:style>
+        <p:txBody>
+          <a:bodyPr wrap="square" rtlCol="0">
+            <a:spAutoFit/>
+          </a:bodyPr>
+          <a:lstStyle/>
+          <a:p>
+            <a:pPr algn="ctr"/>
+            <a:r>
+              <a:rPr lang="en-US" sz="1350" dirty="0" err="1"/>
+              <a:t>QButtonGroup</a:t>
+            </a:r>
+            <a:endParaRPr lang="en-US" sz="1350" dirty="0"/>
+          </a:p>
+        </p:txBody>
+      </p:sp>
+      <p:sp>
+        <p:nvSpPr>
+          <p:cNvPr id="287" name="TextBox 286">
+            <a:extLst>
+              <a:ext uri="{FF2B5EF4-FFF2-40B4-BE49-F238E27FC236}">
+                <a16:creationId xmlns:a16="http://schemas.microsoft.com/office/drawing/2014/main" id="{BCDE9748-5C9A-8B49-8BB3-A849A4B22E25}"/>
+              </a:ext>
+            </a:extLst>
+          </p:cNvPr>
+          <p:cNvSpPr txBox="1"/>
+          <p:nvPr/>
+        </p:nvSpPr>
+        <p:spPr>
+          <a:xfrm>
+            <a:off x="9766809" y="12395453"/>
+            <a:ext cx="1236683" cy="300082"/>
+          </a:xfrm>
+          <a:prstGeom prst="rect">
+            <a:avLst/>
+          </a:prstGeom>
+          <a:ln/>
+        </p:spPr>
+        <p:style>
+          <a:lnRef idx="1">
+            <a:schemeClr val="accent6"/>
+          </a:lnRef>
+          <a:fillRef idx="2">
+            <a:schemeClr val="accent6"/>
+          </a:fillRef>
+          <a:effectRef idx="1">
+            <a:schemeClr val="accent6"/>
+          </a:effectRef>
+          <a:fontRef idx="minor">
+            <a:schemeClr val="dk1"/>
+          </a:fontRef>
+        </p:style>
+        <p:txBody>
+          <a:bodyPr wrap="square" rtlCol="0">
+            <a:spAutoFit/>
+          </a:bodyPr>
+          <a:lstStyle/>
+          <a:p>
+            <a:pPr algn="ctr"/>
+            <a:r>
+              <a:rPr lang="en-US" sz="1350" dirty="0" err="1"/>
+              <a:t>QButtonGroup</a:t>
+            </a:r>
+            <a:endParaRPr lang="en-US" sz="1350" dirty="0"/>
+          </a:p>
+        </p:txBody>
+      </p:sp>
+      <p:sp>
+        <p:nvSpPr>
+          <p:cNvPr id="288" name="TextBox 287">
+            <a:extLst>
+              <a:ext uri="{FF2B5EF4-FFF2-40B4-BE49-F238E27FC236}">
+                <a16:creationId xmlns:a16="http://schemas.microsoft.com/office/drawing/2014/main" id="{D9B54013-BD48-2F42-9E9E-E697F7E39E92}"/>
+              </a:ext>
+            </a:extLst>
+          </p:cNvPr>
+          <p:cNvSpPr txBox="1"/>
+          <p:nvPr/>
+        </p:nvSpPr>
+        <p:spPr>
+          <a:xfrm>
+            <a:off x="9766809" y="13456028"/>
+            <a:ext cx="1236683" cy="300082"/>
+          </a:xfrm>
+          <a:prstGeom prst="rect">
+            <a:avLst/>
+          </a:prstGeom>
+          <a:ln/>
+        </p:spPr>
+        <p:style>
+          <a:lnRef idx="1">
+            <a:schemeClr val="accent6"/>
+          </a:lnRef>
+          <a:fillRef idx="2">
+            <a:schemeClr val="accent6"/>
+          </a:fillRef>
+          <a:effectRef idx="1">
+            <a:schemeClr val="accent6"/>
+          </a:effectRef>
+          <a:fontRef idx="minor">
+            <a:schemeClr val="dk1"/>
+          </a:fontRef>
+        </p:style>
+        <p:txBody>
+          <a:bodyPr wrap="square" rtlCol="0">
+            <a:spAutoFit/>
+          </a:bodyPr>
+          <a:lstStyle/>
+          <a:p>
+            <a:pPr algn="ctr"/>
+            <a:r>
+              <a:rPr lang="en-US" sz="1350" dirty="0" err="1"/>
+              <a:t>QButtonGroup</a:t>
+            </a:r>
+            <a:endParaRPr lang="en-US" sz="1350" dirty="0"/>
+          </a:p>
+        </p:txBody>
+      </p:sp>
+      <p:sp>
+        <p:nvSpPr>
+          <p:cNvPr id="289" name="Rectangle 288">
+            <a:extLst>
+              <a:ext uri="{FF2B5EF4-FFF2-40B4-BE49-F238E27FC236}">
+                <a16:creationId xmlns:a16="http://schemas.microsoft.com/office/drawing/2014/main" id="{CEA840A7-30B6-E248-92B3-FBB3DE11A52F}"/>
+              </a:ext>
+            </a:extLst>
+          </p:cNvPr>
+          <p:cNvSpPr/>
+          <p:nvPr/>
+        </p:nvSpPr>
+        <p:spPr>
+          <a:xfrm rot="2668524">
+            <a:off x="11039911" y="11989160"/>
+            <a:ext cx="94499" cy="94499"/>
+          </a:xfrm>
+          <a:prstGeom prst="rect">
+            <a:avLst/>
+          </a:prstGeom>
+        </p:spPr>
+        <p:style>
+          <a:lnRef idx="2">
+            <a:schemeClr val="dk1">
+              <a:shade val="50000"/>
+            </a:schemeClr>
+          </a:lnRef>
+          <a:fillRef idx="1">
+            <a:schemeClr val="dk1"/>
+          </a:fillRef>
+          <a:effectRef idx="0">
+            <a:schemeClr val="dk1"/>
+          </a:effectRef>
+          <a:fontRef idx="minor">
+            <a:schemeClr val="lt1"/>
+          </a:fontRef>
+        </p:style>
+        <p:txBody>
+          <a:bodyPr rtlCol="0" anchor="ctr"/>
+          <a:lstStyle/>
+          <a:p>
+            <a:pPr algn="ctr"/>
+            <a:endParaRPr lang="en-US" sz="1350"/>
+          </a:p>
+        </p:txBody>
+      </p:sp>
+      <p:cxnSp>
+        <p:nvCxnSpPr>
+          <p:cNvPr id="290" name="Straight Connector 289">
+            <a:extLst>
+              <a:ext uri="{FF2B5EF4-FFF2-40B4-BE49-F238E27FC236}">
+                <a16:creationId xmlns:a16="http://schemas.microsoft.com/office/drawing/2014/main" id="{21D62C1A-02C0-5F49-931E-54D4C723B51B}"/>
+              </a:ext>
+            </a:extLst>
+          </p:cNvPr>
+          <p:cNvCxnSpPr>
+            <a:cxnSpLocks/>
+          </p:cNvCxnSpPr>
+          <p:nvPr/>
+        </p:nvCxnSpPr>
+        <p:spPr>
+          <a:xfrm flipH="1">
+            <a:off x="11016893" y="12036146"/>
+            <a:ext cx="551446" cy="0"/>
+          </a:xfrm>
+          <a:prstGeom prst="line">
+            <a:avLst/>
+          </a:prstGeom>
+        </p:spPr>
+        <p:style>
+          <a:lnRef idx="1">
+            <a:schemeClr val="dk1"/>
+          </a:lnRef>
+          <a:fillRef idx="0">
+            <a:schemeClr val="dk1"/>
+          </a:fillRef>
+          <a:effectRef idx="0">
+            <a:schemeClr val="dk1"/>
+          </a:effectRef>
+          <a:fontRef idx="minor">
+            <a:schemeClr val="tx1"/>
+          </a:fontRef>
+        </p:style>
+      </p:cxnSp>
+      <p:sp>
+        <p:nvSpPr>
+          <p:cNvPr id="291" name="TextBox 290">
+            <a:extLst>
+              <a:ext uri="{FF2B5EF4-FFF2-40B4-BE49-F238E27FC236}">
+                <a16:creationId xmlns:a16="http://schemas.microsoft.com/office/drawing/2014/main" id="{A3096FB7-3806-254D-8D2B-C587FE86CB07}"/>
+              </a:ext>
+            </a:extLst>
+          </p:cNvPr>
+          <p:cNvSpPr txBox="1"/>
+          <p:nvPr/>
+        </p:nvSpPr>
+        <p:spPr>
+          <a:xfrm>
+            <a:off x="11575165" y="11871118"/>
+            <a:ext cx="1236683" cy="300082"/>
+          </a:xfrm>
+          <a:prstGeom prst="rect">
+            <a:avLst/>
+          </a:prstGeom>
+          <a:ln/>
+        </p:spPr>
+        <p:style>
+          <a:lnRef idx="2">
+            <a:schemeClr val="dk1"/>
+          </a:lnRef>
+          <a:fillRef idx="1">
+            <a:schemeClr val="lt1"/>
+          </a:fillRef>
+          <a:effectRef idx="0">
+            <a:schemeClr val="dk1"/>
+          </a:effectRef>
+          <a:fontRef idx="minor">
+            <a:schemeClr val="dk1"/>
+          </a:fontRef>
+        </p:style>
+        <p:txBody>
+          <a:bodyPr wrap="square" rtlCol="0">
+            <a:spAutoFit/>
+          </a:bodyPr>
+          <a:lstStyle/>
+          <a:p>
+            <a:pPr algn="ctr"/>
+            <a:r>
+              <a:rPr lang="en-US" sz="1350" dirty="0" err="1"/>
+              <a:t>PushButton</a:t>
+            </a:r>
+            <a:endParaRPr lang="en-US" sz="1350" dirty="0"/>
+          </a:p>
+        </p:txBody>
+      </p:sp>
+      <p:sp>
+        <p:nvSpPr>
+          <p:cNvPr id="292" name="TextBox 291">
+            <a:extLst>
+              <a:ext uri="{FF2B5EF4-FFF2-40B4-BE49-F238E27FC236}">
+                <a16:creationId xmlns:a16="http://schemas.microsoft.com/office/drawing/2014/main" id="{C4B130A9-463E-1D4C-83C5-B85991AA7B77}"/>
+              </a:ext>
+            </a:extLst>
+          </p:cNvPr>
+          <p:cNvSpPr txBox="1"/>
+          <p:nvPr/>
+        </p:nvSpPr>
+        <p:spPr>
+          <a:xfrm>
+            <a:off x="11338790" y="11773571"/>
+            <a:ext cx="285492" cy="300082"/>
+          </a:xfrm>
+          <a:prstGeom prst="rect">
+            <a:avLst/>
+          </a:prstGeom>
+          <a:noFill/>
+        </p:spPr>
+        <p:txBody>
+          <a:bodyPr wrap="square" rtlCol="0">
+            <a:spAutoFit/>
+          </a:bodyPr>
+          <a:lstStyle/>
+          <a:p>
+            <a:r>
+              <a:rPr lang="en-US" sz="1350" dirty="0"/>
+              <a:t>5</a:t>
+            </a:r>
+          </a:p>
+        </p:txBody>
+      </p:sp>
+      <p:sp>
+        <p:nvSpPr>
+          <p:cNvPr id="293" name="TextBox 292">
+            <a:extLst>
+              <a:ext uri="{FF2B5EF4-FFF2-40B4-BE49-F238E27FC236}">
+                <a16:creationId xmlns:a16="http://schemas.microsoft.com/office/drawing/2014/main" id="{C46007D9-F289-9B49-9F1D-EA69DFAE3A09}"/>
+              </a:ext>
+            </a:extLst>
+          </p:cNvPr>
+          <p:cNvSpPr txBox="1"/>
+          <p:nvPr/>
+        </p:nvSpPr>
+        <p:spPr>
+          <a:xfrm>
+            <a:off x="11573006" y="12390733"/>
+            <a:ext cx="1236683" cy="300082"/>
+          </a:xfrm>
+          <a:prstGeom prst="rect">
+            <a:avLst/>
+          </a:prstGeom>
+          <a:ln/>
+        </p:spPr>
+        <p:style>
+          <a:lnRef idx="1">
+            <a:schemeClr val="accent6"/>
+          </a:lnRef>
+          <a:fillRef idx="2">
+            <a:schemeClr val="accent6"/>
+          </a:fillRef>
+          <a:effectRef idx="1">
+            <a:schemeClr val="accent6"/>
+          </a:effectRef>
+          <a:fontRef idx="minor">
+            <a:schemeClr val="dk1"/>
+          </a:fontRef>
+        </p:style>
+        <p:txBody>
+          <a:bodyPr wrap="square" rtlCol="0">
+            <a:spAutoFit/>
+          </a:bodyPr>
+          <a:lstStyle/>
+          <a:p>
+            <a:pPr algn="ctr"/>
+            <a:r>
+              <a:rPr lang="en-US" sz="1350" dirty="0" err="1"/>
+              <a:t>QRadioButton</a:t>
+            </a:r>
+            <a:endParaRPr lang="en-US" sz="1350" dirty="0"/>
+          </a:p>
+        </p:txBody>
+      </p:sp>
+      <p:sp>
+        <p:nvSpPr>
+          <p:cNvPr id="294" name="Rectangle 293">
+            <a:extLst>
+              <a:ext uri="{FF2B5EF4-FFF2-40B4-BE49-F238E27FC236}">
+                <a16:creationId xmlns:a16="http://schemas.microsoft.com/office/drawing/2014/main" id="{637D0CC3-3CF0-9E42-AB63-7CE3223FD87E}"/>
+              </a:ext>
+            </a:extLst>
+          </p:cNvPr>
+          <p:cNvSpPr/>
+          <p:nvPr/>
+        </p:nvSpPr>
+        <p:spPr>
+          <a:xfrm rot="2668524">
+            <a:off x="11037192" y="12497160"/>
+            <a:ext cx="94499" cy="94499"/>
+          </a:xfrm>
+          <a:prstGeom prst="rect">
+            <a:avLst/>
+          </a:prstGeom>
+        </p:spPr>
+        <p:style>
+          <a:lnRef idx="2">
+            <a:schemeClr val="dk1">
+              <a:shade val="50000"/>
+            </a:schemeClr>
+          </a:lnRef>
+          <a:fillRef idx="1">
+            <a:schemeClr val="dk1"/>
+          </a:fillRef>
+          <a:effectRef idx="0">
+            <a:schemeClr val="dk1"/>
+          </a:effectRef>
+          <a:fontRef idx="minor">
+            <a:schemeClr val="lt1"/>
+          </a:fontRef>
+        </p:style>
+        <p:txBody>
+          <a:bodyPr rtlCol="0" anchor="ctr"/>
+          <a:lstStyle/>
+          <a:p>
+            <a:pPr algn="ctr"/>
+            <a:endParaRPr lang="en-US" sz="1350"/>
+          </a:p>
+        </p:txBody>
+      </p:sp>
+      <p:cxnSp>
+        <p:nvCxnSpPr>
+          <p:cNvPr id="295" name="Straight Connector 294">
+            <a:extLst>
+              <a:ext uri="{FF2B5EF4-FFF2-40B4-BE49-F238E27FC236}">
+                <a16:creationId xmlns:a16="http://schemas.microsoft.com/office/drawing/2014/main" id="{358623F3-9B95-374A-9B2B-F28CC44B7437}"/>
+              </a:ext>
+            </a:extLst>
+          </p:cNvPr>
+          <p:cNvCxnSpPr>
+            <a:cxnSpLocks/>
+          </p:cNvCxnSpPr>
+          <p:nvPr/>
+        </p:nvCxnSpPr>
+        <p:spPr>
+          <a:xfrm flipH="1">
+            <a:off x="11014174" y="12544146"/>
+            <a:ext cx="551446" cy="0"/>
+          </a:xfrm>
+          <a:prstGeom prst="line">
+            <a:avLst/>
+          </a:prstGeom>
+        </p:spPr>
+        <p:style>
+          <a:lnRef idx="1">
+            <a:schemeClr val="dk1"/>
+          </a:lnRef>
+          <a:fillRef idx="0">
+            <a:schemeClr val="dk1"/>
+          </a:fillRef>
+          <a:effectRef idx="0">
+            <a:schemeClr val="dk1"/>
+          </a:effectRef>
+          <a:fontRef idx="minor">
+            <a:schemeClr val="tx1"/>
+          </a:fontRef>
+        </p:style>
+      </p:cxnSp>
+      <p:sp>
+        <p:nvSpPr>
+          <p:cNvPr id="296" name="TextBox 295">
+            <a:extLst>
+              <a:ext uri="{FF2B5EF4-FFF2-40B4-BE49-F238E27FC236}">
+                <a16:creationId xmlns:a16="http://schemas.microsoft.com/office/drawing/2014/main" id="{B25846DE-575E-1247-8FD9-F5842D120325}"/>
+              </a:ext>
+            </a:extLst>
+          </p:cNvPr>
+          <p:cNvSpPr txBox="1"/>
+          <p:nvPr/>
+        </p:nvSpPr>
+        <p:spPr>
+          <a:xfrm>
+            <a:off x="11032761" y="12272046"/>
+            <a:ext cx="596037" cy="300082"/>
+          </a:xfrm>
+          <a:prstGeom prst="rect">
+            <a:avLst/>
+          </a:prstGeom>
+          <a:noFill/>
+        </p:spPr>
+        <p:txBody>
+          <a:bodyPr wrap="square" rtlCol="0">
+            <a:spAutoFit/>
+          </a:bodyPr>
+          <a:lstStyle/>
+          <a:p>
+            <a:pPr algn="r"/>
+            <a:r>
+              <a:rPr lang="en-US" sz="1350" dirty="0"/>
+              <a:t>1..n</a:t>
+            </a:r>
+          </a:p>
+        </p:txBody>
+      </p:sp>
+      <p:sp>
+        <p:nvSpPr>
+          <p:cNvPr id="297" name="TextBox 296">
+            <a:extLst>
+              <a:ext uri="{FF2B5EF4-FFF2-40B4-BE49-F238E27FC236}">
+                <a16:creationId xmlns:a16="http://schemas.microsoft.com/office/drawing/2014/main" id="{6B519E2D-8D6B-B34E-8587-EEB99F08C450}"/>
+              </a:ext>
+            </a:extLst>
+          </p:cNvPr>
+          <p:cNvSpPr txBox="1"/>
+          <p:nvPr/>
+        </p:nvSpPr>
+        <p:spPr>
+          <a:xfrm>
+            <a:off x="11569831" y="12927308"/>
+            <a:ext cx="1236683" cy="300082"/>
+          </a:xfrm>
+          <a:prstGeom prst="rect">
+            <a:avLst/>
+          </a:prstGeom>
+          <a:ln/>
+        </p:spPr>
+        <p:style>
+          <a:lnRef idx="1">
+            <a:schemeClr val="accent6"/>
+          </a:lnRef>
+          <a:fillRef idx="2">
+            <a:schemeClr val="accent6"/>
+          </a:fillRef>
+          <a:effectRef idx="1">
+            <a:schemeClr val="accent6"/>
+          </a:effectRef>
+          <a:fontRef idx="minor">
+            <a:schemeClr val="dk1"/>
+          </a:fontRef>
+        </p:style>
+        <p:txBody>
+          <a:bodyPr wrap="square" rtlCol="0">
+            <a:spAutoFit/>
+          </a:bodyPr>
+          <a:lstStyle/>
+          <a:p>
+            <a:pPr algn="ctr"/>
+            <a:r>
+              <a:rPr lang="en-US" sz="1350" dirty="0" err="1"/>
+              <a:t>QRadioButton</a:t>
+            </a:r>
+            <a:endParaRPr lang="en-US" sz="1350" dirty="0"/>
+          </a:p>
+        </p:txBody>
+      </p:sp>
+      <p:sp>
+        <p:nvSpPr>
+          <p:cNvPr id="298" name="Rectangle 297">
+            <a:extLst>
+              <a:ext uri="{FF2B5EF4-FFF2-40B4-BE49-F238E27FC236}">
+                <a16:creationId xmlns:a16="http://schemas.microsoft.com/office/drawing/2014/main" id="{8CB7E0C8-CFB2-734B-9271-989702F92712}"/>
+              </a:ext>
+            </a:extLst>
+          </p:cNvPr>
+          <p:cNvSpPr/>
+          <p:nvPr/>
+        </p:nvSpPr>
+        <p:spPr>
+          <a:xfrm rot="2668524">
+            <a:off x="11034017" y="13033735"/>
+            <a:ext cx="94499" cy="94499"/>
+          </a:xfrm>
+          <a:prstGeom prst="rect">
+            <a:avLst/>
+          </a:prstGeom>
+        </p:spPr>
+        <p:style>
+          <a:lnRef idx="2">
+            <a:schemeClr val="dk1">
+              <a:shade val="50000"/>
+            </a:schemeClr>
+          </a:lnRef>
+          <a:fillRef idx="1">
+            <a:schemeClr val="dk1"/>
+          </a:fillRef>
+          <a:effectRef idx="0">
+            <a:schemeClr val="dk1"/>
+          </a:effectRef>
+          <a:fontRef idx="minor">
+            <a:schemeClr val="lt1"/>
+          </a:fontRef>
+        </p:style>
+        <p:txBody>
+          <a:bodyPr rtlCol="0" anchor="ctr"/>
+          <a:lstStyle/>
+          <a:p>
+            <a:pPr algn="ctr"/>
+            <a:endParaRPr lang="en-US" sz="1350"/>
+          </a:p>
+        </p:txBody>
+      </p:sp>
+      <p:cxnSp>
+        <p:nvCxnSpPr>
+          <p:cNvPr id="299" name="Straight Connector 298">
+            <a:extLst>
+              <a:ext uri="{FF2B5EF4-FFF2-40B4-BE49-F238E27FC236}">
+                <a16:creationId xmlns:a16="http://schemas.microsoft.com/office/drawing/2014/main" id="{606C24D7-6086-2240-A360-1E0D9FD9BCAE}"/>
+              </a:ext>
+            </a:extLst>
+          </p:cNvPr>
+          <p:cNvCxnSpPr>
+            <a:cxnSpLocks/>
+          </p:cNvCxnSpPr>
+          <p:nvPr/>
+        </p:nvCxnSpPr>
+        <p:spPr>
+          <a:xfrm flipH="1">
+            <a:off x="11010999" y="13080721"/>
+            <a:ext cx="551446" cy="0"/>
+          </a:xfrm>
+          <a:prstGeom prst="line">
+            <a:avLst/>
+          </a:prstGeom>
+        </p:spPr>
+        <p:style>
+          <a:lnRef idx="1">
+            <a:schemeClr val="dk1"/>
+          </a:lnRef>
+          <a:fillRef idx="0">
+            <a:schemeClr val="dk1"/>
+          </a:fillRef>
+          <a:effectRef idx="0">
+            <a:schemeClr val="dk1"/>
+          </a:effectRef>
+          <a:fontRef idx="minor">
+            <a:schemeClr val="tx1"/>
+          </a:fontRef>
+        </p:style>
+      </p:cxnSp>
+      <p:sp>
+        <p:nvSpPr>
+          <p:cNvPr id="300" name="TextBox 299">
+            <a:extLst>
+              <a:ext uri="{FF2B5EF4-FFF2-40B4-BE49-F238E27FC236}">
+                <a16:creationId xmlns:a16="http://schemas.microsoft.com/office/drawing/2014/main" id="{D53BF944-C230-FF4A-AD68-4D23ADF2194A}"/>
+              </a:ext>
+            </a:extLst>
+          </p:cNvPr>
+          <p:cNvSpPr txBox="1"/>
+          <p:nvPr/>
+        </p:nvSpPr>
+        <p:spPr>
+          <a:xfrm>
+            <a:off x="11347450" y="12827671"/>
+            <a:ext cx="263525" cy="300082"/>
+          </a:xfrm>
+          <a:prstGeom prst="rect">
+            <a:avLst/>
+          </a:prstGeom>
+          <a:noFill/>
+        </p:spPr>
+        <p:txBody>
+          <a:bodyPr wrap="square" rtlCol="0">
+            <a:spAutoFit/>
+          </a:bodyPr>
+          <a:lstStyle/>
+          <a:p>
+            <a:r>
+              <a:rPr lang="en-US" sz="1350" dirty="0"/>
+              <a:t>3</a:t>
+            </a:r>
+          </a:p>
+        </p:txBody>
+      </p:sp>
+      <p:sp>
+        <p:nvSpPr>
+          <p:cNvPr id="301" name="TextBox 300">
+            <a:extLst>
+              <a:ext uri="{FF2B5EF4-FFF2-40B4-BE49-F238E27FC236}">
+                <a16:creationId xmlns:a16="http://schemas.microsoft.com/office/drawing/2014/main" id="{F0523D92-D730-FF4D-A20C-C7EE362C8254}"/>
+              </a:ext>
+            </a:extLst>
+          </p:cNvPr>
+          <p:cNvSpPr txBox="1"/>
+          <p:nvPr/>
+        </p:nvSpPr>
+        <p:spPr>
+          <a:xfrm>
+            <a:off x="11573006" y="13454993"/>
+            <a:ext cx="1236683" cy="300082"/>
+          </a:xfrm>
+          <a:prstGeom prst="rect">
+            <a:avLst/>
+          </a:prstGeom>
+          <a:ln/>
+        </p:spPr>
+        <p:style>
+          <a:lnRef idx="1">
+            <a:schemeClr val="accent6"/>
+          </a:lnRef>
+          <a:fillRef idx="2">
+            <a:schemeClr val="accent6"/>
+          </a:fillRef>
+          <a:effectRef idx="1">
+            <a:schemeClr val="accent6"/>
+          </a:effectRef>
+          <a:fontRef idx="minor">
+            <a:schemeClr val="dk1"/>
+          </a:fontRef>
+        </p:style>
+        <p:txBody>
+          <a:bodyPr wrap="square" rtlCol="0">
+            <a:spAutoFit/>
+          </a:bodyPr>
+          <a:lstStyle/>
+          <a:p>
+            <a:pPr algn="ctr"/>
+            <a:r>
+              <a:rPr lang="en-US" sz="1350" dirty="0" err="1"/>
+              <a:t>QCheckBox</a:t>
+            </a:r>
+            <a:endParaRPr lang="en-US" sz="1350" dirty="0"/>
+          </a:p>
+        </p:txBody>
+      </p:sp>
+      <p:sp>
+        <p:nvSpPr>
+          <p:cNvPr id="302" name="Rectangle 301">
+            <a:extLst>
+              <a:ext uri="{FF2B5EF4-FFF2-40B4-BE49-F238E27FC236}">
+                <a16:creationId xmlns:a16="http://schemas.microsoft.com/office/drawing/2014/main" id="{6FBE6064-86BB-3C47-A588-30927EAED4E3}"/>
+              </a:ext>
+            </a:extLst>
+          </p:cNvPr>
+          <p:cNvSpPr/>
+          <p:nvPr/>
+        </p:nvSpPr>
+        <p:spPr>
+          <a:xfrm rot="2668524">
+            <a:off x="11037192" y="13561420"/>
+            <a:ext cx="94499" cy="94499"/>
+          </a:xfrm>
+          <a:prstGeom prst="rect">
+            <a:avLst/>
+          </a:prstGeom>
+        </p:spPr>
+        <p:style>
+          <a:lnRef idx="2">
+            <a:schemeClr val="dk1">
+              <a:shade val="50000"/>
+            </a:schemeClr>
+          </a:lnRef>
+          <a:fillRef idx="1">
+            <a:schemeClr val="dk1"/>
+          </a:fillRef>
+          <a:effectRef idx="0">
+            <a:schemeClr val="dk1"/>
+          </a:effectRef>
+          <a:fontRef idx="minor">
+            <a:schemeClr val="lt1"/>
+          </a:fontRef>
+        </p:style>
+        <p:txBody>
+          <a:bodyPr rtlCol="0" anchor="ctr"/>
+          <a:lstStyle/>
+          <a:p>
+            <a:pPr algn="ctr"/>
+            <a:endParaRPr lang="en-US" sz="1350"/>
+          </a:p>
+        </p:txBody>
+      </p:sp>
+      <p:cxnSp>
+        <p:nvCxnSpPr>
+          <p:cNvPr id="303" name="Straight Connector 302">
+            <a:extLst>
+              <a:ext uri="{FF2B5EF4-FFF2-40B4-BE49-F238E27FC236}">
+                <a16:creationId xmlns:a16="http://schemas.microsoft.com/office/drawing/2014/main" id="{499CB7EF-6DD3-1247-AB07-7C1986973866}"/>
+              </a:ext>
+            </a:extLst>
+          </p:cNvPr>
+          <p:cNvCxnSpPr>
+            <a:cxnSpLocks/>
+          </p:cNvCxnSpPr>
+          <p:nvPr/>
+        </p:nvCxnSpPr>
+        <p:spPr>
+          <a:xfrm flipH="1">
+            <a:off x="11014174" y="13608406"/>
+            <a:ext cx="551446" cy="0"/>
+          </a:xfrm>
+          <a:prstGeom prst="line">
+            <a:avLst/>
+          </a:prstGeom>
+        </p:spPr>
+        <p:style>
+          <a:lnRef idx="1">
+            <a:schemeClr val="dk1"/>
+          </a:lnRef>
+          <a:fillRef idx="0">
+            <a:schemeClr val="dk1"/>
+          </a:fillRef>
+          <a:effectRef idx="0">
+            <a:schemeClr val="dk1"/>
+          </a:effectRef>
+          <a:fontRef idx="minor">
+            <a:schemeClr val="tx1"/>
+          </a:fontRef>
+        </p:style>
+      </p:cxnSp>
+      <p:sp>
+        <p:nvSpPr>
+          <p:cNvPr id="304" name="TextBox 303">
+            <a:extLst>
+              <a:ext uri="{FF2B5EF4-FFF2-40B4-BE49-F238E27FC236}">
+                <a16:creationId xmlns:a16="http://schemas.microsoft.com/office/drawing/2014/main" id="{5ECCBE71-69BD-984B-83EB-561679D44585}"/>
+              </a:ext>
+            </a:extLst>
+          </p:cNvPr>
+          <p:cNvSpPr txBox="1"/>
+          <p:nvPr/>
+        </p:nvSpPr>
+        <p:spPr>
+          <a:xfrm>
+            <a:off x="11062741" y="13336306"/>
+            <a:ext cx="566057" cy="300082"/>
+          </a:xfrm>
+          <a:prstGeom prst="rect">
+            <a:avLst/>
+          </a:prstGeom>
+          <a:noFill/>
+        </p:spPr>
+        <p:txBody>
+          <a:bodyPr wrap="square" rtlCol="0">
+            <a:spAutoFit/>
+          </a:bodyPr>
+          <a:lstStyle/>
+          <a:p>
+            <a:pPr algn="r"/>
+            <a:r>
+              <a:rPr lang="en-US" sz="1350" dirty="0"/>
+              <a:t>1..n</a:t>
+            </a:r>
+          </a:p>
+        </p:txBody>
+      </p:sp>
+      <p:cxnSp>
+        <p:nvCxnSpPr>
+          <p:cNvPr id="305" name="Straight Connector 304">
+            <a:extLst>
+              <a:ext uri="{FF2B5EF4-FFF2-40B4-BE49-F238E27FC236}">
+                <a16:creationId xmlns:a16="http://schemas.microsoft.com/office/drawing/2014/main" id="{43633794-FA5E-FD47-BBF4-25BF6E06B336}"/>
+              </a:ext>
+            </a:extLst>
+          </p:cNvPr>
+          <p:cNvCxnSpPr>
+            <a:cxnSpLocks/>
+          </p:cNvCxnSpPr>
+          <p:nvPr/>
+        </p:nvCxnSpPr>
+        <p:spPr>
+          <a:xfrm flipH="1">
+            <a:off x="9350898" y="12022845"/>
+            <a:ext cx="414259" cy="0"/>
+          </a:xfrm>
+          <a:prstGeom prst="line">
+            <a:avLst/>
+          </a:prstGeom>
+        </p:spPr>
+        <p:style>
+          <a:lnRef idx="1">
+            <a:schemeClr val="dk1"/>
+          </a:lnRef>
+          <a:fillRef idx="0">
+            <a:schemeClr val="dk1"/>
+          </a:fillRef>
+          <a:effectRef idx="0">
+            <a:schemeClr val="dk1"/>
+          </a:effectRef>
+          <a:fontRef idx="minor">
+            <a:schemeClr val="tx1"/>
+          </a:fontRef>
+        </p:style>
+      </p:cxnSp>
+      <p:cxnSp>
+        <p:nvCxnSpPr>
+          <p:cNvPr id="306" name="Straight Connector 305">
+            <a:extLst>
+              <a:ext uri="{FF2B5EF4-FFF2-40B4-BE49-F238E27FC236}">
+                <a16:creationId xmlns:a16="http://schemas.microsoft.com/office/drawing/2014/main" id="{9DF282E4-AA58-AC41-B78A-E6CCB3A1BE80}"/>
+              </a:ext>
+            </a:extLst>
+          </p:cNvPr>
+          <p:cNvCxnSpPr>
+            <a:cxnSpLocks/>
+          </p:cNvCxnSpPr>
+          <p:nvPr/>
+        </p:nvCxnSpPr>
+        <p:spPr>
+          <a:xfrm flipH="1">
+            <a:off x="9350898" y="12546720"/>
+            <a:ext cx="414259" cy="0"/>
+          </a:xfrm>
+          <a:prstGeom prst="line">
+            <a:avLst/>
+          </a:prstGeom>
+        </p:spPr>
+        <p:style>
+          <a:lnRef idx="1">
+            <a:schemeClr val="dk1"/>
+          </a:lnRef>
+          <a:fillRef idx="0">
+            <a:schemeClr val="dk1"/>
+          </a:fillRef>
+          <a:effectRef idx="0">
+            <a:schemeClr val="dk1"/>
+          </a:effectRef>
+          <a:fontRef idx="minor">
+            <a:schemeClr val="tx1"/>
+          </a:fontRef>
+        </p:style>
+      </p:cxnSp>
+      <p:cxnSp>
+        <p:nvCxnSpPr>
+          <p:cNvPr id="307" name="Straight Connector 306">
+            <a:extLst>
+              <a:ext uri="{FF2B5EF4-FFF2-40B4-BE49-F238E27FC236}">
+                <a16:creationId xmlns:a16="http://schemas.microsoft.com/office/drawing/2014/main" id="{42F89E0E-C414-E545-85EC-4A96646B7899}"/>
+              </a:ext>
+            </a:extLst>
+          </p:cNvPr>
+          <p:cNvCxnSpPr>
+            <a:cxnSpLocks/>
+          </p:cNvCxnSpPr>
+          <p:nvPr/>
+        </p:nvCxnSpPr>
+        <p:spPr>
+          <a:xfrm flipH="1">
+            <a:off x="9350898" y="13080120"/>
+            <a:ext cx="414259" cy="0"/>
+          </a:xfrm>
+          <a:prstGeom prst="line">
+            <a:avLst/>
+          </a:prstGeom>
+        </p:spPr>
+        <p:style>
+          <a:lnRef idx="1">
+            <a:schemeClr val="dk1"/>
+          </a:lnRef>
+          <a:fillRef idx="0">
+            <a:schemeClr val="dk1"/>
+          </a:fillRef>
+          <a:effectRef idx="0">
+            <a:schemeClr val="dk1"/>
+          </a:effectRef>
+          <a:fontRef idx="minor">
+            <a:schemeClr val="tx1"/>
+          </a:fontRef>
+        </p:style>
+      </p:cxnSp>
+      <p:cxnSp>
+        <p:nvCxnSpPr>
+          <p:cNvPr id="308" name="Straight Connector 307">
+            <a:extLst>
+              <a:ext uri="{FF2B5EF4-FFF2-40B4-BE49-F238E27FC236}">
+                <a16:creationId xmlns:a16="http://schemas.microsoft.com/office/drawing/2014/main" id="{FC1CCE67-9373-F442-AC64-B5BBD379DDE8}"/>
+              </a:ext>
+            </a:extLst>
+          </p:cNvPr>
+          <p:cNvCxnSpPr>
+            <a:cxnSpLocks/>
+          </p:cNvCxnSpPr>
+          <p:nvPr/>
+        </p:nvCxnSpPr>
+        <p:spPr>
+          <a:xfrm flipH="1">
+            <a:off x="9350898" y="13610980"/>
+            <a:ext cx="414259" cy="0"/>
+          </a:xfrm>
+          <a:prstGeom prst="line">
+            <a:avLst/>
+          </a:prstGeom>
+        </p:spPr>
+        <p:style>
+          <a:lnRef idx="1">
+            <a:schemeClr val="dk1"/>
+          </a:lnRef>
+          <a:fillRef idx="0">
+            <a:schemeClr val="dk1"/>
+          </a:fillRef>
+          <a:effectRef idx="0">
+            <a:schemeClr val="dk1"/>
+          </a:effectRef>
+          <a:fontRef idx="minor">
+            <a:schemeClr val="tx1"/>
+          </a:fontRef>
+        </p:style>
+      </p:cxnSp>
+      <p:sp>
+        <p:nvSpPr>
+          <p:cNvPr id="309" name="TextBox 308">
+            <a:extLst>
+              <a:ext uri="{FF2B5EF4-FFF2-40B4-BE49-F238E27FC236}">
+                <a16:creationId xmlns:a16="http://schemas.microsoft.com/office/drawing/2014/main" id="{3BE7DDE9-2CEA-4040-B4D2-DD87EEC632D3}"/>
+              </a:ext>
+            </a:extLst>
+          </p:cNvPr>
+          <p:cNvSpPr txBox="1"/>
+          <p:nvPr/>
+        </p:nvSpPr>
+        <p:spPr>
+          <a:xfrm>
+            <a:off x="11576181" y="11264773"/>
+            <a:ext cx="1236683" cy="300082"/>
+          </a:xfrm>
+          <a:prstGeom prst="rect">
+            <a:avLst/>
+          </a:prstGeom>
+          <a:ln/>
+        </p:spPr>
+        <p:style>
+          <a:lnRef idx="1">
+            <a:schemeClr val="accent6"/>
+          </a:lnRef>
+          <a:fillRef idx="2">
+            <a:schemeClr val="accent6"/>
+          </a:fillRef>
+          <a:effectRef idx="1">
+            <a:schemeClr val="accent6"/>
+          </a:effectRef>
+          <a:fontRef idx="minor">
+            <a:schemeClr val="dk1"/>
+          </a:fontRef>
+        </p:style>
+        <p:txBody>
+          <a:bodyPr wrap="square" rtlCol="0">
+            <a:spAutoFit/>
+          </a:bodyPr>
+          <a:lstStyle/>
+          <a:p>
+            <a:pPr algn="ctr"/>
+            <a:r>
+              <a:rPr lang="en-US" sz="1350" dirty="0" err="1"/>
+              <a:t>QPushButton</a:t>
+            </a:r>
+            <a:endParaRPr lang="en-US" sz="1350" dirty="0"/>
+          </a:p>
+        </p:txBody>
+      </p:sp>
+      <p:sp>
+        <p:nvSpPr>
+          <p:cNvPr id="310" name="Triangle 309">
+            <a:extLst>
+              <a:ext uri="{FF2B5EF4-FFF2-40B4-BE49-F238E27FC236}">
+                <a16:creationId xmlns:a16="http://schemas.microsoft.com/office/drawing/2014/main" id="{1E2B9DCD-0D52-E842-A263-1C9B18BD27A0}"/>
+              </a:ext>
+            </a:extLst>
+          </p:cNvPr>
+          <p:cNvSpPr/>
+          <p:nvPr/>
+        </p:nvSpPr>
+        <p:spPr>
+          <a:xfrm>
+            <a:off x="12134361" y="11571696"/>
             <a:ext cx="115503" cy="93847"/>
           </a:xfrm>
           <a:prstGeom prst="triangle">
@@ -10830,12 +12612,52 @@
           </a:p>
         </p:txBody>
       </p:sp>
-      <p:sp>
-        <p:nvSpPr>
-          <p:cNvPr id="245" name="TextBox 244">
-            <a:extLst>
-              <a:ext uri="{FF2B5EF4-FFF2-40B4-BE49-F238E27FC236}">
-                <a16:creationId xmlns:a16="http://schemas.microsoft.com/office/drawing/2014/main" id="{9D843A8A-440D-5F41-957D-0A7153274F5F}"/>
+      <p:cxnSp>
+        <p:nvCxnSpPr>
+          <p:cNvPr id="311" name="Straight Connector 310">
+            <a:extLst>
+              <a:ext uri="{FF2B5EF4-FFF2-40B4-BE49-F238E27FC236}">
+                <a16:creationId xmlns:a16="http://schemas.microsoft.com/office/drawing/2014/main" id="{BF75C92B-6246-3840-BE9F-2F9731179859}"/>
+              </a:ext>
+            </a:extLst>
+          </p:cNvPr>
+          <p:cNvCxnSpPr>
+            <a:cxnSpLocks/>
+            <a:stCxn id="291" idx="0"/>
+            <a:endCxn id="310" idx="3"/>
+          </p:cNvCxnSpPr>
+          <p:nvPr/>
+        </p:nvCxnSpPr>
+        <p:spPr>
+          <a:xfrm flipH="1" flipV="1">
+            <a:off x="12192113" y="11665543"/>
+            <a:ext cx="1394" cy="205575"/>
+          </a:xfrm>
+          <a:prstGeom prst="line">
+            <a:avLst/>
+          </a:prstGeom>
+        </p:spPr>
+        <p:style>
+          <a:lnRef idx="1">
+            <a:schemeClr val="dk1"/>
+          </a:lnRef>
+          <a:fillRef idx="0">
+            <a:schemeClr val="dk1"/>
+          </a:fillRef>
+          <a:effectRef idx="0">
+            <a:schemeClr val="dk1"/>
+          </a:effectRef>
+          <a:fontRef idx="minor">
+            <a:schemeClr val="tx1"/>
+          </a:fontRef>
+        </p:style>
+      </p:cxnSp>
+      <p:sp>
+        <p:nvSpPr>
+          <p:cNvPr id="313" name="TextBox 312">
+            <a:extLst>
+              <a:ext uri="{FF2B5EF4-FFF2-40B4-BE49-F238E27FC236}">
+                <a16:creationId xmlns:a16="http://schemas.microsoft.com/office/drawing/2014/main" id="{EC59C7EE-16B7-F449-85DD-F845BE3CC9F2}"/>
               </a:ext>
             </a:extLst>
           </p:cNvPr>
@@ -10844,78 +12666,8 @@
         </p:nvSpPr>
         <p:spPr>
           <a:xfrm>
-            <a:off x="6299517" y="4212061"/>
-            <a:ext cx="573680" cy="300082"/>
-          </a:xfrm>
-          <a:prstGeom prst="rect">
-            <a:avLst/>
-          </a:prstGeom>
-          <a:noFill/>
-        </p:spPr>
-        <p:txBody>
-          <a:bodyPr wrap="square" rtlCol="0">
-            <a:spAutoFit/>
-          </a:bodyPr>
-          <a:lstStyle/>
-          <a:p>
-            <a:r>
-              <a:rPr lang="en-US" sz="1350" dirty="0"/>
-              <a:t>0..1</a:t>
-            </a:r>
-          </a:p>
-        </p:txBody>
-      </p:sp>
-      <p:sp>
-        <p:nvSpPr>
-          <p:cNvPr id="248" name="TextBox 247">
-            <a:extLst>
-              <a:ext uri="{FF2B5EF4-FFF2-40B4-BE49-F238E27FC236}">
-                <a16:creationId xmlns:a16="http://schemas.microsoft.com/office/drawing/2014/main" id="{50BE409D-1FE7-954D-82CE-B639FF93E9B5}"/>
-              </a:ext>
-            </a:extLst>
-          </p:cNvPr>
-          <p:cNvSpPr txBox="1"/>
-          <p:nvPr/>
-        </p:nvSpPr>
-        <p:spPr>
-          <a:xfrm>
-            <a:off x="6472482" y="6317780"/>
-            <a:ext cx="538416" cy="300082"/>
-          </a:xfrm>
-          <a:prstGeom prst="rect">
-            <a:avLst/>
-          </a:prstGeom>
-          <a:noFill/>
-        </p:spPr>
-        <p:txBody>
-          <a:bodyPr wrap="square" rtlCol="0">
-            <a:spAutoFit/>
-          </a:bodyPr>
-          <a:lstStyle/>
-          <a:p>
-            <a:r>
-              <a:rPr lang="en-US" sz="1350" dirty="0"/>
-              <a:t>0..1</a:t>
-            </a:r>
-          </a:p>
-        </p:txBody>
-      </p:sp>
-      <p:sp>
-        <p:nvSpPr>
-          <p:cNvPr id="250" name="TextBox 249">
-            <a:extLst>
-              <a:ext uri="{FF2B5EF4-FFF2-40B4-BE49-F238E27FC236}">
-                <a16:creationId xmlns:a16="http://schemas.microsoft.com/office/drawing/2014/main" id="{A6702472-C359-5F48-8837-59DF22B9D89C}"/>
-              </a:ext>
-            </a:extLst>
-          </p:cNvPr>
-          <p:cNvSpPr txBox="1"/>
-          <p:nvPr/>
-        </p:nvSpPr>
-        <p:spPr>
-          <a:xfrm>
-            <a:off x="3731871" y="8575319"/>
-            <a:ext cx="2681629" cy="300082"/>
+            <a:off x="4981745" y="10238609"/>
+            <a:ext cx="1616795" cy="300082"/>
           </a:xfrm>
           <a:prstGeom prst="rect">
             <a:avLst/>
@@ -10936,7 +12688,7 @@
             <a:pPr algn="ctr"/>
             <a:r>
               <a:rPr lang="en-US" sz="1350" dirty="0" err="1"/>
-              <a:t>CustomTemporalRangeWidget</a:t>
+              <a:t>AnnotImageWidget</a:t>
             </a:r>
             <a:endParaRPr lang="en-US" sz="1350" dirty="0"/>
           </a:p>
@@ -10944,23 +12696,22 @@
       </p:sp>
       <p:cxnSp>
         <p:nvCxnSpPr>
-          <p:cNvPr id="255" name="Straight Connector 254">
-            <a:extLst>
-              <a:ext uri="{FF2B5EF4-FFF2-40B4-BE49-F238E27FC236}">
-                <a16:creationId xmlns:a16="http://schemas.microsoft.com/office/drawing/2014/main" id="{10F4BB02-127F-8F41-92CE-C49B89801547}"/>
+          <p:cNvPr id="314" name="Straight Connector 313">
+            <a:extLst>
+              <a:ext uri="{FF2B5EF4-FFF2-40B4-BE49-F238E27FC236}">
+                <a16:creationId xmlns:a16="http://schemas.microsoft.com/office/drawing/2014/main" id="{0267ACAE-7BC9-6944-86FC-5A7BD9DC2530}"/>
               </a:ext>
             </a:extLst>
           </p:cNvPr>
           <p:cNvCxnSpPr>
             <a:cxnSpLocks/>
-            <a:endCxn id="250" idx="3"/>
           </p:cNvCxnSpPr>
           <p:nvPr/>
         </p:nvCxnSpPr>
         <p:spPr>
           <a:xfrm flipH="1">
-            <a:off x="6413500" y="8725360"/>
-            <a:ext cx="627124" cy="0"/>
+            <a:off x="6611575" y="10391405"/>
+            <a:ext cx="425894" cy="0"/>
           </a:xfrm>
           <a:prstGeom prst="line">
             <a:avLst/>
@@ -10983,10 +12734,10 @@
       </p:cxnSp>
       <p:sp>
         <p:nvSpPr>
-          <p:cNvPr id="256" name="TextBox 255">
-            <a:extLst>
-              <a:ext uri="{FF2B5EF4-FFF2-40B4-BE49-F238E27FC236}">
-                <a16:creationId xmlns:a16="http://schemas.microsoft.com/office/drawing/2014/main" id="{EC8C98FF-68DD-D04A-B0B2-EE187D5245F0}"/>
+          <p:cNvPr id="315" name="TextBox 314">
+            <a:extLst>
+              <a:ext uri="{FF2B5EF4-FFF2-40B4-BE49-F238E27FC236}">
+                <a16:creationId xmlns:a16="http://schemas.microsoft.com/office/drawing/2014/main" id="{2505ED65-3196-7E46-99DA-9C9B4B8E6706}"/>
               </a:ext>
             </a:extLst>
           </p:cNvPr>
@@ -10995,8 +12746,8 @@
         </p:nvSpPr>
         <p:spPr>
           <a:xfrm>
-            <a:off x="6397112" y="8443161"/>
-            <a:ext cx="569292" cy="300082"/>
+            <a:off x="6480022" y="10123292"/>
+            <a:ext cx="606214" cy="300082"/>
           </a:xfrm>
           <a:prstGeom prst="rect">
             <a:avLst/>
@@ -11009,6 +12760,7 @@
           </a:bodyPr>
           <a:lstStyle/>
           <a:p>
+            <a:pPr algn="r"/>
             <a:r>
               <a:rPr lang="en-US" sz="1350" dirty="0"/>
               <a:t>0..1</a:t>
@@ -11018,10 +12770,10 @@
       </p:sp>
       <p:sp>
         <p:nvSpPr>
-          <p:cNvPr id="257" name="Rectangle 256">
-            <a:extLst>
-              <a:ext uri="{FF2B5EF4-FFF2-40B4-BE49-F238E27FC236}">
-                <a16:creationId xmlns:a16="http://schemas.microsoft.com/office/drawing/2014/main" id="{97DCA600-C6B5-EA43-B310-5A12EABEEA98}"/>
+          <p:cNvPr id="316" name="Rectangle 315">
+            <a:extLst>
+              <a:ext uri="{FF2B5EF4-FFF2-40B4-BE49-F238E27FC236}">
+                <a16:creationId xmlns:a16="http://schemas.microsoft.com/office/drawing/2014/main" id="{5F2E33AC-13C2-B84D-B033-D525010DA952}"/>
               </a:ext>
             </a:extLst>
           </p:cNvPr>
@@ -11030,7 +12782,7 @@
         </p:nvSpPr>
         <p:spPr>
           <a:xfrm rot="2668524">
-            <a:off x="5204322" y="8903398"/>
+            <a:off x="5703110" y="10572117"/>
             <a:ext cx="94499" cy="94499"/>
           </a:xfrm>
           <a:prstGeom prst="rect">
@@ -11062,318 +12814,12 @@
           </a:p>
         </p:txBody>
       </p:sp>
-      <p:sp>
-        <p:nvSpPr>
-          <p:cNvPr id="258" name="TextBox 257">
-            <a:extLst>
-              <a:ext uri="{FF2B5EF4-FFF2-40B4-BE49-F238E27FC236}">
-                <a16:creationId xmlns:a16="http://schemas.microsoft.com/office/drawing/2014/main" id="{0406FCC7-0E7A-EC4D-8299-282D8A453BD3}"/>
-              </a:ext>
-            </a:extLst>
-          </p:cNvPr>
-          <p:cNvSpPr txBox="1"/>
-          <p:nvPr/>
-        </p:nvSpPr>
-        <p:spPr>
-          <a:xfrm>
-            <a:off x="3708640" y="9075177"/>
-            <a:ext cx="1201229" cy="300082"/>
-          </a:xfrm>
-          <a:prstGeom prst="rect">
-            <a:avLst/>
-          </a:prstGeom>
-          <a:ln/>
-        </p:spPr>
-        <p:style>
-          <a:lnRef idx="1">
-            <a:schemeClr val="accent6"/>
-          </a:lnRef>
-          <a:fillRef idx="2">
-            <a:schemeClr val="accent6"/>
-          </a:fillRef>
-          <a:effectRef idx="1">
-            <a:schemeClr val="accent6"/>
-          </a:effectRef>
-          <a:fontRef idx="minor">
-            <a:schemeClr val="dk1"/>
-          </a:fontRef>
-        </p:style>
-        <p:txBody>
-          <a:bodyPr wrap="square" rtlCol="0">
-            <a:spAutoFit/>
-          </a:bodyPr>
-          <a:lstStyle/>
-          <a:p>
-            <a:pPr algn="ctr"/>
-            <a:r>
-              <a:rPr lang="en-US" sz="1350" dirty="0" err="1"/>
-              <a:t>QGroupBox</a:t>
-            </a:r>
-            <a:endParaRPr lang="en-US" sz="1350" dirty="0"/>
-          </a:p>
-        </p:txBody>
-      </p:sp>
-      <p:sp>
-        <p:nvSpPr>
-          <p:cNvPr id="259" name="TextBox 258">
-            <a:extLst>
-              <a:ext uri="{FF2B5EF4-FFF2-40B4-BE49-F238E27FC236}">
-                <a16:creationId xmlns:a16="http://schemas.microsoft.com/office/drawing/2014/main" id="{ED3D3238-F722-FD42-A6B9-5CAD5519CC4C}"/>
-              </a:ext>
-            </a:extLst>
-          </p:cNvPr>
-          <p:cNvSpPr txBox="1"/>
-          <p:nvPr/>
-        </p:nvSpPr>
-        <p:spPr>
-          <a:xfrm>
-            <a:off x="3706819" y="9713919"/>
-            <a:ext cx="1201229" cy="300082"/>
-          </a:xfrm>
-          <a:prstGeom prst="rect">
-            <a:avLst/>
-          </a:prstGeom>
-          <a:ln/>
-        </p:spPr>
-        <p:style>
-          <a:lnRef idx="1">
-            <a:schemeClr val="accent6"/>
-          </a:lnRef>
-          <a:fillRef idx="2">
-            <a:schemeClr val="accent6"/>
-          </a:fillRef>
-          <a:effectRef idx="1">
-            <a:schemeClr val="accent6"/>
-          </a:effectRef>
-          <a:fontRef idx="minor">
-            <a:schemeClr val="dk1"/>
-          </a:fontRef>
-        </p:style>
-        <p:txBody>
-          <a:bodyPr wrap="square" rtlCol="0">
-            <a:spAutoFit/>
-          </a:bodyPr>
-          <a:lstStyle/>
-          <a:p>
-            <a:pPr algn="ctr"/>
-            <a:r>
-              <a:rPr lang="en-US" sz="1350" dirty="0" err="1"/>
-              <a:t>QGridLayout</a:t>
-            </a:r>
-            <a:endParaRPr lang="en-US" sz="1350" dirty="0"/>
-          </a:p>
-        </p:txBody>
-      </p:sp>
-      <p:sp>
-        <p:nvSpPr>
-          <p:cNvPr id="260" name="TextBox 259">
-            <a:extLst>
-              <a:ext uri="{FF2B5EF4-FFF2-40B4-BE49-F238E27FC236}">
-                <a16:creationId xmlns:a16="http://schemas.microsoft.com/office/drawing/2014/main" id="{D1CBD949-512A-8047-878B-46FD675D4DFB}"/>
-              </a:ext>
-            </a:extLst>
-          </p:cNvPr>
-          <p:cNvSpPr txBox="1"/>
-          <p:nvPr/>
-        </p:nvSpPr>
-        <p:spPr>
-          <a:xfrm>
-            <a:off x="3602930" y="10155440"/>
-            <a:ext cx="1304617" cy="300082"/>
-          </a:xfrm>
-          <a:prstGeom prst="rect">
-            <a:avLst/>
-          </a:prstGeom>
-          <a:ln/>
-        </p:spPr>
-        <p:style>
-          <a:lnRef idx="1">
-            <a:schemeClr val="accent6"/>
-          </a:lnRef>
-          <a:fillRef idx="2">
-            <a:schemeClr val="accent6"/>
-          </a:fillRef>
-          <a:effectRef idx="1">
-            <a:schemeClr val="accent6"/>
-          </a:effectRef>
-          <a:fontRef idx="minor">
-            <a:schemeClr val="dk1"/>
-          </a:fontRef>
-        </p:style>
-        <p:txBody>
-          <a:bodyPr wrap="square" rtlCol="0">
-            <a:spAutoFit/>
-          </a:bodyPr>
-          <a:lstStyle/>
-          <a:p>
-            <a:pPr algn="ctr"/>
-            <a:r>
-              <a:rPr lang="en-US" sz="1350" dirty="0" err="1"/>
-              <a:t>QDateTimeEdit</a:t>
-            </a:r>
-            <a:endParaRPr lang="en-US" sz="1350" dirty="0"/>
-          </a:p>
-        </p:txBody>
-      </p:sp>
-      <p:sp>
-        <p:nvSpPr>
-          <p:cNvPr id="261" name="TextBox 260">
-            <a:extLst>
-              <a:ext uri="{FF2B5EF4-FFF2-40B4-BE49-F238E27FC236}">
-                <a16:creationId xmlns:a16="http://schemas.microsoft.com/office/drawing/2014/main" id="{2E8E5945-F992-E443-AE5F-24CC44BED60D}"/>
-              </a:ext>
-            </a:extLst>
-          </p:cNvPr>
-          <p:cNvSpPr txBox="1"/>
-          <p:nvPr/>
-        </p:nvSpPr>
-        <p:spPr>
-          <a:xfrm>
-            <a:off x="3702053" y="10593590"/>
-            <a:ext cx="1205494" cy="300082"/>
-          </a:xfrm>
-          <a:prstGeom prst="rect">
-            <a:avLst/>
-          </a:prstGeom>
-          <a:ln/>
-        </p:spPr>
-        <p:style>
-          <a:lnRef idx="1">
-            <a:schemeClr val="accent6"/>
-          </a:lnRef>
-          <a:fillRef idx="2">
-            <a:schemeClr val="accent6"/>
-          </a:fillRef>
-          <a:effectRef idx="1">
-            <a:schemeClr val="accent6"/>
-          </a:effectRef>
-          <a:fontRef idx="minor">
-            <a:schemeClr val="dk1"/>
-          </a:fontRef>
-        </p:style>
-        <p:txBody>
-          <a:bodyPr wrap="square" rtlCol="0">
-            <a:spAutoFit/>
-          </a:bodyPr>
-          <a:lstStyle/>
-          <a:p>
-            <a:pPr algn="ctr"/>
-            <a:r>
-              <a:rPr lang="en-US" sz="1350" dirty="0" err="1"/>
-              <a:t>QPushButton</a:t>
-            </a:r>
-            <a:endParaRPr lang="en-US" sz="1350" dirty="0"/>
-          </a:p>
-        </p:txBody>
-      </p:sp>
-      <p:sp>
-        <p:nvSpPr>
-          <p:cNvPr id="262" name="TextBox 261">
-            <a:extLst>
-              <a:ext uri="{FF2B5EF4-FFF2-40B4-BE49-F238E27FC236}">
-                <a16:creationId xmlns:a16="http://schemas.microsoft.com/office/drawing/2014/main" id="{310E25CE-DEB6-F648-AD8D-88E3069DC965}"/>
-              </a:ext>
-            </a:extLst>
-          </p:cNvPr>
-          <p:cNvSpPr txBox="1"/>
-          <p:nvPr/>
-        </p:nvSpPr>
-        <p:spPr>
-          <a:xfrm>
-            <a:off x="4152729" y="11031740"/>
-            <a:ext cx="754817" cy="300082"/>
-          </a:xfrm>
-          <a:prstGeom prst="rect">
-            <a:avLst/>
-          </a:prstGeom>
-          <a:ln/>
-        </p:spPr>
-        <p:style>
-          <a:lnRef idx="1">
-            <a:schemeClr val="accent6"/>
-          </a:lnRef>
-          <a:fillRef idx="2">
-            <a:schemeClr val="accent6"/>
-          </a:fillRef>
-          <a:effectRef idx="1">
-            <a:schemeClr val="accent6"/>
-          </a:effectRef>
-          <a:fontRef idx="minor">
-            <a:schemeClr val="dk1"/>
-          </a:fontRef>
-        </p:style>
-        <p:txBody>
-          <a:bodyPr wrap="square" rtlCol="0">
-            <a:spAutoFit/>
-          </a:bodyPr>
-          <a:lstStyle/>
-          <a:p>
-            <a:pPr algn="ctr"/>
-            <a:r>
-              <a:rPr lang="en-US" sz="1350" dirty="0" err="1"/>
-              <a:t>QLabel</a:t>
-            </a:r>
-            <a:endParaRPr lang="en-US" sz="1350" dirty="0"/>
-          </a:p>
-        </p:txBody>
-      </p:sp>
-      <p:sp>
-        <p:nvSpPr>
-          <p:cNvPr id="263" name="TextBox 262">
-            <a:extLst>
-              <a:ext uri="{FF2B5EF4-FFF2-40B4-BE49-F238E27FC236}">
-                <a16:creationId xmlns:a16="http://schemas.microsoft.com/office/drawing/2014/main" id="{11A9F870-F7D4-9440-9F62-2596338CAB06}"/>
-              </a:ext>
-            </a:extLst>
-          </p:cNvPr>
-          <p:cNvSpPr txBox="1"/>
-          <p:nvPr/>
-        </p:nvSpPr>
-        <p:spPr>
-          <a:xfrm>
-            <a:off x="3916975" y="11488940"/>
-            <a:ext cx="990572" cy="300082"/>
-          </a:xfrm>
-          <a:prstGeom prst="rect">
-            <a:avLst/>
-          </a:prstGeom>
-          <a:ln/>
-        </p:spPr>
-        <p:style>
-          <a:lnRef idx="1">
-            <a:schemeClr val="accent6"/>
-          </a:lnRef>
-          <a:fillRef idx="2">
-            <a:schemeClr val="accent6"/>
-          </a:fillRef>
-          <a:effectRef idx="1">
-            <a:schemeClr val="accent6"/>
-          </a:effectRef>
-          <a:fontRef idx="minor">
-            <a:schemeClr val="dk1"/>
-          </a:fontRef>
-        </p:style>
-        <p:txBody>
-          <a:bodyPr wrap="square" rtlCol="0">
-            <a:spAutoFit/>
-          </a:bodyPr>
-          <a:lstStyle/>
-          <a:p>
-            <a:pPr algn="ctr"/>
-            <a:r>
-              <a:rPr lang="en-US" sz="1350" dirty="0" err="1"/>
-              <a:t>QTimeEdit</a:t>
-            </a:r>
-            <a:endParaRPr lang="en-US" sz="1350" dirty="0"/>
-          </a:p>
-        </p:txBody>
-      </p:sp>
       <p:cxnSp>
         <p:nvCxnSpPr>
-          <p:cNvPr id="264" name="Straight Connector 263">
-            <a:extLst>
-              <a:ext uri="{FF2B5EF4-FFF2-40B4-BE49-F238E27FC236}">
-                <a16:creationId xmlns:a16="http://schemas.microsoft.com/office/drawing/2014/main" id="{4A07723F-D7DA-6240-8433-85B1CFB754C0}"/>
+          <p:cNvPr id="317" name="Straight Connector 316">
+            <a:extLst>
+              <a:ext uri="{FF2B5EF4-FFF2-40B4-BE49-F238E27FC236}">
+                <a16:creationId xmlns:a16="http://schemas.microsoft.com/office/drawing/2014/main" id="{F32A3123-A214-0941-9617-94F1D4E8027D}"/>
               </a:ext>
             </a:extLst>
           </p:cNvPr>
@@ -11384,8 +12830,8 @@
         </p:nvCxnSpPr>
         <p:spPr>
           <a:xfrm>
-            <a:off x="5253963" y="8888442"/>
-            <a:ext cx="0" cy="2754958"/>
+            <a:off x="5749229" y="10540533"/>
+            <a:ext cx="0" cy="1089385"/>
           </a:xfrm>
           <a:prstGeom prst="line">
             <a:avLst/>
@@ -11408,84 +12854,10 @@
       </p:cxnSp>
       <p:cxnSp>
         <p:nvCxnSpPr>
-          <p:cNvPr id="265" name="Straight Connector 264">
-            <a:extLst>
-              <a:ext uri="{FF2B5EF4-FFF2-40B4-BE49-F238E27FC236}">
-                <a16:creationId xmlns:a16="http://schemas.microsoft.com/office/drawing/2014/main" id="{25F14D76-58A4-CF44-9EC5-B0235EA45B85}"/>
-              </a:ext>
-            </a:extLst>
-          </p:cNvPr>
-          <p:cNvCxnSpPr>
-            <a:cxnSpLocks/>
-            <a:endCxn id="263" idx="3"/>
-          </p:cNvCxnSpPr>
-          <p:nvPr/>
-        </p:nvCxnSpPr>
-        <p:spPr>
-          <a:xfrm flipH="1">
-            <a:off x="4907547" y="11638981"/>
-            <a:ext cx="338905" cy="0"/>
-          </a:xfrm>
-          <a:prstGeom prst="line">
-            <a:avLst/>
-          </a:prstGeom>
-        </p:spPr>
-        <p:style>
-          <a:lnRef idx="1">
-            <a:schemeClr val="dk1"/>
-          </a:lnRef>
-          <a:fillRef idx="0">
-            <a:schemeClr val="dk1"/>
-          </a:fillRef>
-          <a:effectRef idx="0">
-            <a:schemeClr val="dk1"/>
-          </a:effectRef>
-          <a:fontRef idx="minor">
-            <a:schemeClr val="tx1"/>
-          </a:fontRef>
-        </p:style>
-      </p:cxnSp>
-      <p:sp>
-        <p:nvSpPr>
-          <p:cNvPr id="266" name="TextBox 265">
-            <a:extLst>
-              <a:ext uri="{FF2B5EF4-FFF2-40B4-BE49-F238E27FC236}">
-                <a16:creationId xmlns:a16="http://schemas.microsoft.com/office/drawing/2014/main" id="{40393B24-55BF-FC42-9E4E-30C47D3F1102}"/>
-              </a:ext>
-            </a:extLst>
-          </p:cNvPr>
-          <p:cNvSpPr txBox="1"/>
-          <p:nvPr/>
-        </p:nvSpPr>
-        <p:spPr>
-          <a:xfrm>
-            <a:off x="4874260" y="11375112"/>
-            <a:ext cx="265710" cy="300082"/>
-          </a:xfrm>
-          <a:prstGeom prst="rect">
-            <a:avLst/>
-          </a:prstGeom>
-          <a:noFill/>
-        </p:spPr>
-        <p:txBody>
-          <a:bodyPr wrap="square" rtlCol="0">
-            <a:spAutoFit/>
-          </a:bodyPr>
-          <a:lstStyle/>
-          <a:p>
-            <a:r>
-              <a:rPr lang="en-US" sz="1350" dirty="0"/>
-              <a:t>1</a:t>
-            </a:r>
-          </a:p>
-        </p:txBody>
-      </p:sp>
-      <p:cxnSp>
-        <p:nvCxnSpPr>
-          <p:cNvPr id="267" name="Straight Connector 266">
-            <a:extLst>
-              <a:ext uri="{FF2B5EF4-FFF2-40B4-BE49-F238E27FC236}">
-                <a16:creationId xmlns:a16="http://schemas.microsoft.com/office/drawing/2014/main" id="{20129ACF-C1D4-9349-B31B-083C7564DD1F}"/>
+          <p:cNvPr id="318" name="Straight Connector 317">
+            <a:extLst>
+              <a:ext uri="{FF2B5EF4-FFF2-40B4-BE49-F238E27FC236}">
+                <a16:creationId xmlns:a16="http://schemas.microsoft.com/office/drawing/2014/main" id="{D348685C-4EC9-7D46-82CA-D960110161BD}"/>
               </a:ext>
             </a:extLst>
           </p:cNvPr>
@@ -11496,8 +12868,8 @@
         </p:nvCxnSpPr>
         <p:spPr>
           <a:xfrm flipH="1">
-            <a:off x="4907547" y="11181781"/>
-            <a:ext cx="338905" cy="0"/>
+            <a:off x="5335545" y="11006437"/>
+            <a:ext cx="414259" cy="0"/>
           </a:xfrm>
           <a:prstGeom prst="line">
             <a:avLst/>
@@ -11520,10 +12892,10 @@
       </p:cxnSp>
       <p:sp>
         <p:nvSpPr>
-          <p:cNvPr id="268" name="TextBox 267">
-            <a:extLst>
-              <a:ext uri="{FF2B5EF4-FFF2-40B4-BE49-F238E27FC236}">
-                <a16:creationId xmlns:a16="http://schemas.microsoft.com/office/drawing/2014/main" id="{E78944E0-A10C-4746-B51A-5585A45569DD}"/>
+          <p:cNvPr id="319" name="TextBox 318">
+            <a:extLst>
+              <a:ext uri="{FF2B5EF4-FFF2-40B4-BE49-F238E27FC236}">
+                <a16:creationId xmlns:a16="http://schemas.microsoft.com/office/drawing/2014/main" id="{A04E24B5-D2BE-8148-94B3-A43DA7360957}"/>
               </a:ext>
             </a:extLst>
           </p:cNvPr>
@@ -11532,33 +12904,135 @@
         </p:nvSpPr>
         <p:spPr>
           <a:xfrm>
-            <a:off x="4874260" y="10917912"/>
-            <a:ext cx="265710" cy="300082"/>
-          </a:xfrm>
-          <a:prstGeom prst="rect">
-            <a:avLst/>
-          </a:prstGeom>
-          <a:noFill/>
-        </p:spPr>
+            <a:off x="4091558" y="10859638"/>
+            <a:ext cx="1236683" cy="300082"/>
+          </a:xfrm>
+          <a:prstGeom prst="rect">
+            <a:avLst/>
+          </a:prstGeom>
+          <a:ln/>
+        </p:spPr>
+        <p:style>
+          <a:lnRef idx="2">
+            <a:schemeClr val="dk1"/>
+          </a:lnRef>
+          <a:fillRef idx="1">
+            <a:schemeClr val="lt1"/>
+          </a:fillRef>
+          <a:effectRef idx="0">
+            <a:schemeClr val="dk1"/>
+          </a:effectRef>
+          <a:fontRef idx="minor">
+            <a:schemeClr val="dk1"/>
+          </a:fontRef>
+        </p:style>
         <p:txBody>
           <a:bodyPr wrap="square" rtlCol="0">
             <a:spAutoFit/>
           </a:bodyPr>
           <a:lstStyle/>
           <a:p>
+            <a:pPr algn="ctr"/>
+            <a:r>
+              <a:rPr lang="en-US" sz="1350" dirty="0" err="1"/>
+              <a:t>PushButton</a:t>
+            </a:r>
+            <a:endParaRPr lang="en-US" sz="1350" dirty="0"/>
+          </a:p>
+        </p:txBody>
+      </p:sp>
+      <p:sp>
+        <p:nvSpPr>
+          <p:cNvPr id="320" name="TextBox 319">
+            <a:extLst>
+              <a:ext uri="{FF2B5EF4-FFF2-40B4-BE49-F238E27FC236}">
+                <a16:creationId xmlns:a16="http://schemas.microsoft.com/office/drawing/2014/main" id="{F85DEBB2-3A1F-0249-9356-B090080F70B9}"/>
+              </a:ext>
+            </a:extLst>
+          </p:cNvPr>
+          <p:cNvSpPr txBox="1"/>
+          <p:nvPr/>
+        </p:nvSpPr>
+        <p:spPr>
+          <a:xfrm>
+            <a:off x="5318286" y="10732880"/>
+            <a:ext cx="295867" cy="300082"/>
+          </a:xfrm>
+          <a:prstGeom prst="rect">
+            <a:avLst/>
+          </a:prstGeom>
+          <a:noFill/>
+        </p:spPr>
+        <p:txBody>
+          <a:bodyPr wrap="square" rtlCol="0">
+            <a:spAutoFit/>
+          </a:bodyPr>
+          <a:lstStyle/>
+          <a:p>
             <a:r>
               <a:rPr lang="en-US" sz="1350" dirty="0"/>
-              <a:t>2</a:t>
-            </a:r>
+              <a:t>1</a:t>
+            </a:r>
+          </a:p>
+        </p:txBody>
+      </p:sp>
+      <p:sp>
+        <p:nvSpPr>
+          <p:cNvPr id="321" name="TextBox 320">
+            <a:extLst>
+              <a:ext uri="{FF2B5EF4-FFF2-40B4-BE49-F238E27FC236}">
+                <a16:creationId xmlns:a16="http://schemas.microsoft.com/office/drawing/2014/main" id="{F7F766F0-9CED-2B41-B482-E8BDBB40BE74}"/>
+              </a:ext>
+            </a:extLst>
+          </p:cNvPr>
+          <p:cNvSpPr txBox="1"/>
+          <p:nvPr/>
+        </p:nvSpPr>
+        <p:spPr>
+          <a:xfrm>
+            <a:off x="2493786" y="10859259"/>
+            <a:ext cx="1236683" cy="300082"/>
+          </a:xfrm>
+          <a:prstGeom prst="rect">
+            <a:avLst/>
+          </a:prstGeom>
+          <a:ln/>
+        </p:spPr>
+        <p:style>
+          <a:lnRef idx="1">
+            <a:schemeClr val="accent6"/>
+          </a:lnRef>
+          <a:fillRef idx="2">
+            <a:schemeClr val="accent6"/>
+          </a:fillRef>
+          <a:effectRef idx="1">
+            <a:schemeClr val="accent6"/>
+          </a:effectRef>
+          <a:fontRef idx="minor">
+            <a:schemeClr val="dk1"/>
+          </a:fontRef>
+        </p:style>
+        <p:txBody>
+          <a:bodyPr wrap="square" rtlCol="0">
+            <a:spAutoFit/>
+          </a:bodyPr>
+          <a:lstStyle/>
+          <a:p>
+            <a:pPr algn="ctr"/>
+            <a:r>
+              <a:rPr lang="en-US" sz="1350" dirty="0" err="1"/>
+              <a:t>QPushButton</a:t>
+            </a:r>
+            <a:endParaRPr lang="en-US" sz="1350" dirty="0"/>
           </a:p>
         </p:txBody>
       </p:sp>
       <p:cxnSp>
         <p:nvCxnSpPr>
-          <p:cNvPr id="269" name="Straight Connector 268">
-            <a:extLst>
-              <a:ext uri="{FF2B5EF4-FFF2-40B4-BE49-F238E27FC236}">
-                <a16:creationId xmlns:a16="http://schemas.microsoft.com/office/drawing/2014/main" id="{F71DDDDA-205F-C14C-9E93-EB657DFC5DEE}"/>
+          <p:cNvPr id="324" name="Straight Connector 323">
+            <a:extLst>
+              <a:ext uri="{FF2B5EF4-FFF2-40B4-BE49-F238E27FC236}">
+                <a16:creationId xmlns:a16="http://schemas.microsoft.com/office/drawing/2014/main" id="{2B5BA275-3252-1947-9BA5-9C55D6701DF2}"/>
               </a:ext>
             </a:extLst>
           </p:cNvPr>
@@ -11569,8 +13043,8 @@
         </p:nvCxnSpPr>
         <p:spPr>
           <a:xfrm flipH="1">
-            <a:off x="4911222" y="10747985"/>
-            <a:ext cx="338905" cy="0"/>
+            <a:off x="5335546" y="11626670"/>
+            <a:ext cx="414259" cy="0"/>
           </a:xfrm>
           <a:prstGeom prst="line">
             <a:avLst/>
@@ -11593,10 +13067,10 @@
       </p:cxnSp>
       <p:sp>
         <p:nvSpPr>
-          <p:cNvPr id="270" name="TextBox 269">
-            <a:extLst>
-              <a:ext uri="{FF2B5EF4-FFF2-40B4-BE49-F238E27FC236}">
-                <a16:creationId xmlns:a16="http://schemas.microsoft.com/office/drawing/2014/main" id="{E1724F79-9C96-B84E-9FDC-AAFADC9F800D}"/>
+          <p:cNvPr id="325" name="TextBox 324">
+            <a:extLst>
+              <a:ext uri="{FF2B5EF4-FFF2-40B4-BE49-F238E27FC236}">
+                <a16:creationId xmlns:a16="http://schemas.microsoft.com/office/drawing/2014/main" id="{62A2117F-FF64-1149-B128-8DE00D330460}"/>
               </a:ext>
             </a:extLst>
           </p:cNvPr>
@@ -11605,8 +13079,8 @@
         </p:nvSpPr>
         <p:spPr>
           <a:xfrm>
-            <a:off x="4877935" y="10484116"/>
-            <a:ext cx="265710" cy="300082"/>
+            <a:off x="5318287" y="11353113"/>
+            <a:ext cx="295867" cy="300082"/>
           </a:xfrm>
           <a:prstGeom prst="rect">
             <a:avLst/>
@@ -11621,55 +13095,17 @@
           <a:p>
             <a:r>
               <a:rPr lang="en-US" sz="1350" dirty="0"/>
-              <a:t>2</a:t>
-            </a:r>
-          </a:p>
-        </p:txBody>
-      </p:sp>
-      <p:cxnSp>
-        <p:nvCxnSpPr>
-          <p:cNvPr id="271" name="Straight Connector 270">
-            <a:extLst>
-              <a:ext uri="{FF2B5EF4-FFF2-40B4-BE49-F238E27FC236}">
-                <a16:creationId xmlns:a16="http://schemas.microsoft.com/office/drawing/2014/main" id="{8A14A856-C1DE-3C40-BFC0-EBCA7559DBA4}"/>
-              </a:ext>
-            </a:extLst>
-          </p:cNvPr>
-          <p:cNvCxnSpPr>
-            <a:cxnSpLocks/>
-          </p:cNvCxnSpPr>
-          <p:nvPr/>
-        </p:nvCxnSpPr>
-        <p:spPr>
-          <a:xfrm flipH="1">
-            <a:off x="4907577" y="10306713"/>
-            <a:ext cx="338905" cy="0"/>
-          </a:xfrm>
-          <a:prstGeom prst="line">
-            <a:avLst/>
-          </a:prstGeom>
-        </p:spPr>
-        <p:style>
-          <a:lnRef idx="1">
-            <a:schemeClr val="dk1"/>
-          </a:lnRef>
-          <a:fillRef idx="0">
-            <a:schemeClr val="dk1"/>
-          </a:fillRef>
-          <a:effectRef idx="0">
-            <a:schemeClr val="dk1"/>
-          </a:effectRef>
-          <a:fontRef idx="minor">
-            <a:schemeClr val="tx1"/>
-          </a:fontRef>
-        </p:style>
-      </p:cxnSp>
-      <p:sp>
-        <p:nvSpPr>
-          <p:cNvPr id="272" name="TextBox 271">
-            <a:extLst>
-              <a:ext uri="{FF2B5EF4-FFF2-40B4-BE49-F238E27FC236}">
-                <a16:creationId xmlns:a16="http://schemas.microsoft.com/office/drawing/2014/main" id="{B17EC610-E799-694F-BDFA-C2E30E9B803F}"/>
+              <a:t>1</a:t>
+            </a:r>
+          </a:p>
+        </p:txBody>
+      </p:sp>
+      <p:sp>
+        <p:nvSpPr>
+          <p:cNvPr id="326" name="TextBox 325">
+            <a:extLst>
+              <a:ext uri="{FF2B5EF4-FFF2-40B4-BE49-F238E27FC236}">
+                <a16:creationId xmlns:a16="http://schemas.microsoft.com/office/drawing/2014/main" id="{03FFBA2C-137A-5943-B995-2467D08FCB7A}"/>
               </a:ext>
             </a:extLst>
           </p:cNvPr>
@@ -11678,295 +13114,49 @@
         </p:nvSpPr>
         <p:spPr>
           <a:xfrm>
-            <a:off x="4874290" y="10042844"/>
-            <a:ext cx="265710" cy="300082"/>
-          </a:xfrm>
-          <a:prstGeom prst="rect">
-            <a:avLst/>
-          </a:prstGeom>
-          <a:noFill/>
-        </p:spPr>
+            <a:off x="4096874" y="11475199"/>
+            <a:ext cx="1236683" cy="300082"/>
+          </a:xfrm>
+          <a:prstGeom prst="rect">
+            <a:avLst/>
+          </a:prstGeom>
+          <a:ln/>
+        </p:spPr>
+        <p:style>
+          <a:lnRef idx="1">
+            <a:schemeClr val="accent6"/>
+          </a:lnRef>
+          <a:fillRef idx="2">
+            <a:schemeClr val="accent6"/>
+          </a:fillRef>
+          <a:effectRef idx="1">
+            <a:schemeClr val="accent6"/>
+          </a:effectRef>
+          <a:fontRef idx="minor">
+            <a:schemeClr val="dk1"/>
+          </a:fontRef>
+        </p:style>
         <p:txBody>
           <a:bodyPr wrap="square" rtlCol="0">
             <a:spAutoFit/>
           </a:bodyPr>
           <a:lstStyle/>
           <a:p>
-            <a:r>
-              <a:rPr lang="en-US" sz="1350" dirty="0"/>
-              <a:t>1</a:t>
-            </a:r>
-          </a:p>
-        </p:txBody>
-      </p:sp>
-      <p:cxnSp>
-        <p:nvCxnSpPr>
-          <p:cNvPr id="273" name="Straight Connector 272">
-            <a:extLst>
-              <a:ext uri="{FF2B5EF4-FFF2-40B4-BE49-F238E27FC236}">
-                <a16:creationId xmlns:a16="http://schemas.microsoft.com/office/drawing/2014/main" id="{2D8A085E-9113-0A46-ABE4-ECC9B35832A0}"/>
-              </a:ext>
-            </a:extLst>
-          </p:cNvPr>
-          <p:cNvCxnSpPr>
-            <a:cxnSpLocks/>
-          </p:cNvCxnSpPr>
-          <p:nvPr/>
-        </p:nvCxnSpPr>
-        <p:spPr>
-          <a:xfrm flipH="1">
-            <a:off x="4907547" y="9873075"/>
-            <a:ext cx="338905" cy="0"/>
-          </a:xfrm>
-          <a:prstGeom prst="line">
-            <a:avLst/>
-          </a:prstGeom>
-        </p:spPr>
-        <p:style>
-          <a:lnRef idx="1">
-            <a:schemeClr val="dk1"/>
-          </a:lnRef>
-          <a:fillRef idx="0">
-            <a:schemeClr val="dk1"/>
-          </a:fillRef>
-          <a:effectRef idx="0">
-            <a:schemeClr val="dk1"/>
-          </a:effectRef>
-          <a:fontRef idx="minor">
-            <a:schemeClr val="tx1"/>
-          </a:fontRef>
-        </p:style>
-      </p:cxnSp>
-      <p:sp>
-        <p:nvSpPr>
-          <p:cNvPr id="274" name="TextBox 273">
-            <a:extLst>
-              <a:ext uri="{FF2B5EF4-FFF2-40B4-BE49-F238E27FC236}">
-                <a16:creationId xmlns:a16="http://schemas.microsoft.com/office/drawing/2014/main" id="{67377330-C388-994D-BE84-DDFEB3C3DBDC}"/>
-              </a:ext>
-            </a:extLst>
-          </p:cNvPr>
-          <p:cNvSpPr txBox="1"/>
-          <p:nvPr/>
-        </p:nvSpPr>
-        <p:spPr>
-          <a:xfrm>
-            <a:off x="4874260" y="9609206"/>
-            <a:ext cx="265710" cy="300082"/>
-          </a:xfrm>
-          <a:prstGeom prst="rect">
-            <a:avLst/>
-          </a:prstGeom>
-          <a:noFill/>
-        </p:spPr>
-        <p:txBody>
-          <a:bodyPr wrap="square" rtlCol="0">
-            <a:spAutoFit/>
-          </a:bodyPr>
-          <a:lstStyle/>
-          <a:p>
-            <a:r>
-              <a:rPr lang="en-US" sz="1350" dirty="0"/>
-              <a:t>1</a:t>
-            </a:r>
-          </a:p>
-        </p:txBody>
-      </p:sp>
-      <p:cxnSp>
-        <p:nvCxnSpPr>
-          <p:cNvPr id="275" name="Straight Connector 274">
-            <a:extLst>
-              <a:ext uri="{FF2B5EF4-FFF2-40B4-BE49-F238E27FC236}">
-                <a16:creationId xmlns:a16="http://schemas.microsoft.com/office/drawing/2014/main" id="{66117DD3-B959-7041-B3F0-93E458EC8C16}"/>
-              </a:ext>
-            </a:extLst>
-          </p:cNvPr>
-          <p:cNvCxnSpPr>
-            <a:cxnSpLocks/>
-          </p:cNvCxnSpPr>
-          <p:nvPr/>
-        </p:nvCxnSpPr>
-        <p:spPr>
-          <a:xfrm flipH="1">
-            <a:off x="4910774" y="9250567"/>
-            <a:ext cx="338905" cy="0"/>
-          </a:xfrm>
-          <a:prstGeom prst="line">
-            <a:avLst/>
-          </a:prstGeom>
-        </p:spPr>
-        <p:style>
-          <a:lnRef idx="1">
-            <a:schemeClr val="dk1"/>
-          </a:lnRef>
-          <a:fillRef idx="0">
-            <a:schemeClr val="dk1"/>
-          </a:fillRef>
-          <a:effectRef idx="0">
-            <a:schemeClr val="dk1"/>
-          </a:effectRef>
-          <a:fontRef idx="minor">
-            <a:schemeClr val="tx1"/>
-          </a:fontRef>
-        </p:style>
-      </p:cxnSp>
-      <p:sp>
-        <p:nvSpPr>
-          <p:cNvPr id="276" name="TextBox 275">
-            <a:extLst>
-              <a:ext uri="{FF2B5EF4-FFF2-40B4-BE49-F238E27FC236}">
-                <a16:creationId xmlns:a16="http://schemas.microsoft.com/office/drawing/2014/main" id="{7CDB518A-DE5D-B44B-B777-13AE93A1C6CF}"/>
-              </a:ext>
-            </a:extLst>
-          </p:cNvPr>
-          <p:cNvSpPr txBox="1"/>
-          <p:nvPr/>
-        </p:nvSpPr>
-        <p:spPr>
-          <a:xfrm>
-            <a:off x="4877487" y="8986698"/>
-            <a:ext cx="265710" cy="300082"/>
-          </a:xfrm>
-          <a:prstGeom prst="rect">
-            <a:avLst/>
-          </a:prstGeom>
-          <a:noFill/>
-        </p:spPr>
-        <p:txBody>
-          <a:bodyPr wrap="square" rtlCol="0">
-            <a:spAutoFit/>
-          </a:bodyPr>
-          <a:lstStyle/>
-          <a:p>
-            <a:r>
-              <a:rPr lang="en-US" sz="1350" dirty="0"/>
-              <a:t>1</a:t>
-            </a:r>
-          </a:p>
-        </p:txBody>
-      </p:sp>
-      <p:sp>
-        <p:nvSpPr>
-          <p:cNvPr id="277" name="TextBox 276">
-            <a:extLst>
-              <a:ext uri="{FF2B5EF4-FFF2-40B4-BE49-F238E27FC236}">
-                <a16:creationId xmlns:a16="http://schemas.microsoft.com/office/drawing/2014/main" id="{4FD9C3E1-8849-BC44-B915-8E830E4A9AD5}"/>
-              </a:ext>
-            </a:extLst>
-          </p:cNvPr>
-          <p:cNvSpPr txBox="1"/>
-          <p:nvPr/>
-        </p:nvSpPr>
-        <p:spPr>
-          <a:xfrm>
-            <a:off x="7469096" y="10767721"/>
-            <a:ext cx="1616795" cy="300082"/>
-          </a:xfrm>
-          <a:prstGeom prst="rect">
-            <a:avLst/>
-          </a:prstGeom>
-          <a:noFill/>
-          <a:ln>
-            <a:solidFill>
-              <a:schemeClr val="tx1"/>
-            </a:solidFill>
-          </a:ln>
-        </p:spPr>
-        <p:txBody>
-          <a:bodyPr wrap="square" rtlCol="0">
-            <a:spAutoFit/>
-          </a:bodyPr>
-          <a:lstStyle/>
-          <a:p>
             <a:pPr algn="ctr"/>
             <a:r>
               <a:rPr lang="en-US" sz="1350" dirty="0" err="1"/>
-              <a:t>AnnotEventWidget</a:t>
+              <a:t>QButtonGroup</a:t>
             </a:r>
             <a:endParaRPr lang="en-US" sz="1350" dirty="0"/>
           </a:p>
         </p:txBody>
       </p:sp>
-      <p:cxnSp>
-        <p:nvCxnSpPr>
-          <p:cNvPr id="278" name="Straight Connector 277">
-            <a:extLst>
-              <a:ext uri="{FF2B5EF4-FFF2-40B4-BE49-F238E27FC236}">
-                <a16:creationId xmlns:a16="http://schemas.microsoft.com/office/drawing/2014/main" id="{8A38F2D0-E63C-DD43-91F7-F6E8A8ACAEDA}"/>
-              </a:ext>
-            </a:extLst>
-          </p:cNvPr>
-          <p:cNvCxnSpPr>
-            <a:cxnSpLocks/>
-          </p:cNvCxnSpPr>
-          <p:nvPr/>
-        </p:nvCxnSpPr>
-        <p:spPr>
-          <a:xfrm flipH="1">
-            <a:off x="7040623" y="10915727"/>
-            <a:ext cx="425894" cy="0"/>
-          </a:xfrm>
-          <a:prstGeom prst="line">
-            <a:avLst/>
-          </a:prstGeom>
-        </p:spPr>
-        <p:style>
-          <a:lnRef idx="1">
-            <a:schemeClr val="dk1"/>
-          </a:lnRef>
-          <a:fillRef idx="0">
-            <a:schemeClr val="dk1"/>
-          </a:fillRef>
-          <a:effectRef idx="0">
-            <a:schemeClr val="dk1"/>
-          </a:effectRef>
-          <a:fontRef idx="minor">
-            <a:schemeClr val="tx1"/>
-          </a:fontRef>
-        </p:style>
-      </p:cxnSp>
-      <p:sp>
-        <p:nvSpPr>
-          <p:cNvPr id="279" name="TextBox 278">
-            <a:extLst>
-              <a:ext uri="{FF2B5EF4-FFF2-40B4-BE49-F238E27FC236}">
-                <a16:creationId xmlns:a16="http://schemas.microsoft.com/office/drawing/2014/main" id="{F9540E9C-335F-4D49-809C-0476776A5A92}"/>
-              </a:ext>
-            </a:extLst>
-          </p:cNvPr>
-          <p:cNvSpPr txBox="1"/>
-          <p:nvPr/>
-        </p:nvSpPr>
-        <p:spPr>
-          <a:xfrm>
-            <a:off x="6977309" y="10647614"/>
-            <a:ext cx="545470" cy="300082"/>
-          </a:xfrm>
-          <a:prstGeom prst="rect">
-            <a:avLst/>
-          </a:prstGeom>
-          <a:noFill/>
-        </p:spPr>
-        <p:txBody>
-          <a:bodyPr wrap="square" rtlCol="0">
-            <a:spAutoFit/>
-          </a:bodyPr>
-          <a:lstStyle/>
-          <a:p>
-            <a:pPr algn="r"/>
-            <a:r>
-              <a:rPr lang="en-US" sz="1350" dirty="0"/>
-              <a:t>0..1</a:t>
-            </a:r>
-          </a:p>
-        </p:txBody>
-      </p:sp>
-      <p:sp>
-        <p:nvSpPr>
-          <p:cNvPr id="280" name="Rectangle 279">
-            <a:extLst>
-              <a:ext uri="{FF2B5EF4-FFF2-40B4-BE49-F238E27FC236}">
-                <a16:creationId xmlns:a16="http://schemas.microsoft.com/office/drawing/2014/main" id="{A4AA1258-EA7C-DA4C-B832-D34F950BA168}"/>
+      <p:sp>
+        <p:nvSpPr>
+          <p:cNvPr id="327" name="Rectangle 326">
+            <a:extLst>
+              <a:ext uri="{FF2B5EF4-FFF2-40B4-BE49-F238E27FC236}">
+                <a16:creationId xmlns:a16="http://schemas.microsoft.com/office/drawing/2014/main" id="{6B4427F0-60CA-374A-B3BD-A86A509491F7}"/>
               </a:ext>
             </a:extLst>
           </p:cNvPr>
@@ -11975,7 +13165,7 @@
         </p:nvSpPr>
         <p:spPr>
           <a:xfrm rot="2668524">
-            <a:off x="9117995" y="10879101"/>
+            <a:off x="3604948" y="11582114"/>
             <a:ext cx="94499" cy="94499"/>
           </a:xfrm>
           <a:prstGeom prst="rect">
@@ -12007,25 +13197,77 @@
           </a:p>
         </p:txBody>
       </p:sp>
+      <p:sp>
+        <p:nvSpPr>
+          <p:cNvPr id="328" name="TextBox 327">
+            <a:extLst>
+              <a:ext uri="{FF2B5EF4-FFF2-40B4-BE49-F238E27FC236}">
+                <a16:creationId xmlns:a16="http://schemas.microsoft.com/office/drawing/2014/main" id="{DA226B23-4480-CA4F-ADFA-54C0DE82C154}"/>
+              </a:ext>
+            </a:extLst>
+          </p:cNvPr>
+          <p:cNvSpPr txBox="1"/>
+          <p:nvPr/>
+        </p:nvSpPr>
+        <p:spPr>
+          <a:xfrm>
+            <a:off x="2331904" y="11476390"/>
+            <a:ext cx="1236683" cy="300082"/>
+          </a:xfrm>
+          <a:prstGeom prst="rect">
+            <a:avLst/>
+          </a:prstGeom>
+          <a:ln/>
+        </p:spPr>
+        <p:style>
+          <a:lnRef idx="1">
+            <a:schemeClr val="accent6"/>
+          </a:lnRef>
+          <a:fillRef idx="2">
+            <a:schemeClr val="accent6"/>
+          </a:fillRef>
+          <a:effectRef idx="1">
+            <a:schemeClr val="accent6"/>
+          </a:effectRef>
+          <a:fontRef idx="minor">
+            <a:schemeClr val="dk1"/>
+          </a:fontRef>
+        </p:style>
+        <p:txBody>
+          <a:bodyPr wrap="square" rtlCol="0">
+            <a:spAutoFit/>
+          </a:bodyPr>
+          <a:lstStyle/>
+          <a:p>
+            <a:pPr algn="ctr"/>
+            <a:r>
+              <a:rPr lang="en-US" sz="1350" dirty="0" err="1"/>
+              <a:t>QRadioButton</a:t>
+            </a:r>
+            <a:endParaRPr lang="en-US" sz="1350" dirty="0"/>
+          </a:p>
+        </p:txBody>
+      </p:sp>
       <p:cxnSp>
         <p:nvCxnSpPr>
-          <p:cNvPr id="281" name="Straight Connector 280">
-            <a:extLst>
-              <a:ext uri="{FF2B5EF4-FFF2-40B4-BE49-F238E27FC236}">
-                <a16:creationId xmlns:a16="http://schemas.microsoft.com/office/drawing/2014/main" id="{7938A72B-3EFF-D842-BE4E-5A19FDC4DD2E}"/>
+          <p:cNvPr id="329" name="Straight Connector 328">
+            <a:extLst>
+              <a:ext uri="{FF2B5EF4-FFF2-40B4-BE49-F238E27FC236}">
+                <a16:creationId xmlns:a16="http://schemas.microsoft.com/office/drawing/2014/main" id="{1B3C221C-FC1D-A54A-87B4-EF7F14999E7F}"/>
               </a:ext>
             </a:extLst>
           </p:cNvPr>
           <p:cNvCxnSpPr>
             <a:cxnSpLocks/>
-            <a:stCxn id="282" idx="1"/>
+            <a:stCxn id="326" idx="1"/>
+            <a:endCxn id="328" idx="3"/>
           </p:cNvCxnSpPr>
           <p:nvPr/>
         </p:nvCxnSpPr>
         <p:spPr>
           <a:xfrm flipH="1">
-            <a:off x="9106189" y="10921910"/>
-            <a:ext cx="660512" cy="1211"/>
+            <a:off x="3568587" y="11625240"/>
+            <a:ext cx="528287" cy="1191"/>
           </a:xfrm>
           <a:prstGeom prst="line">
             <a:avLst/>
@@ -12048,10 +13290,10 @@
       </p:cxnSp>
       <p:sp>
         <p:nvSpPr>
-          <p:cNvPr id="282" name="TextBox 281">
-            <a:extLst>
-              <a:ext uri="{FF2B5EF4-FFF2-40B4-BE49-F238E27FC236}">
-                <a16:creationId xmlns:a16="http://schemas.microsoft.com/office/drawing/2014/main" id="{7D9ED1C6-FE93-9540-935F-093EEC2A75AA}"/>
+          <p:cNvPr id="330" name="TextBox 329">
+            <a:extLst>
+              <a:ext uri="{FF2B5EF4-FFF2-40B4-BE49-F238E27FC236}">
+                <a16:creationId xmlns:a16="http://schemas.microsoft.com/office/drawing/2014/main" id="{E55BAD05-2802-6545-93DD-0A29E3CE554C}"/>
               </a:ext>
             </a:extLst>
           </p:cNvPr>
@@ -12060,326 +13302,33 @@
         </p:nvSpPr>
         <p:spPr>
           <a:xfrm>
-            <a:off x="9766701" y="10771869"/>
-            <a:ext cx="916757" cy="300082"/>
-          </a:xfrm>
-          <a:prstGeom prst="rect">
-            <a:avLst/>
-          </a:prstGeom>
-          <a:ln/>
-        </p:spPr>
-        <p:style>
-          <a:lnRef idx="1">
-            <a:schemeClr val="accent6"/>
-          </a:lnRef>
-          <a:fillRef idx="2">
-            <a:schemeClr val="accent6"/>
-          </a:fillRef>
-          <a:effectRef idx="1">
-            <a:schemeClr val="accent6"/>
-          </a:effectRef>
-          <a:fontRef idx="minor">
-            <a:schemeClr val="dk1"/>
-          </a:fontRef>
-        </p:style>
+            <a:off x="3651821" y="11366507"/>
+            <a:ext cx="606214" cy="300082"/>
+          </a:xfrm>
+          <a:prstGeom prst="rect">
+            <a:avLst/>
+          </a:prstGeom>
+          <a:noFill/>
+        </p:spPr>
         <p:txBody>
           <a:bodyPr wrap="square" rtlCol="0">
             <a:spAutoFit/>
           </a:bodyPr>
           <a:lstStyle/>
           <a:p>
-            <a:pPr algn="ctr"/>
-            <a:r>
-              <a:rPr lang="en-US" sz="1350" dirty="0" err="1"/>
-              <a:t>QWidget</a:t>
-            </a:r>
-            <a:endParaRPr lang="en-US" sz="1350" dirty="0"/>
-          </a:p>
-        </p:txBody>
-      </p:sp>
-      <p:sp>
-        <p:nvSpPr>
-          <p:cNvPr id="283" name="TextBox 282">
-            <a:extLst>
-              <a:ext uri="{FF2B5EF4-FFF2-40B4-BE49-F238E27FC236}">
-                <a16:creationId xmlns:a16="http://schemas.microsoft.com/office/drawing/2014/main" id="{D7671835-33E0-4342-A007-B939855A844E}"/>
-              </a:ext>
-            </a:extLst>
-          </p:cNvPr>
-          <p:cNvSpPr txBox="1"/>
-          <p:nvPr/>
-        </p:nvSpPr>
-        <p:spPr>
-          <a:xfrm>
-            <a:off x="9532542" y="10670461"/>
-            <a:ext cx="285492" cy="300082"/>
-          </a:xfrm>
-          <a:prstGeom prst="rect">
-            <a:avLst/>
-          </a:prstGeom>
-          <a:noFill/>
-        </p:spPr>
-        <p:txBody>
-          <a:bodyPr wrap="square" rtlCol="0">
-            <a:spAutoFit/>
-          </a:bodyPr>
-          <a:lstStyle/>
-          <a:p>
             <a:r>
               <a:rPr lang="en-US" sz="1350" dirty="0"/>
-              <a:t>5</a:t>
-            </a:r>
-          </a:p>
-        </p:txBody>
-      </p:sp>
-      <p:cxnSp>
-        <p:nvCxnSpPr>
-          <p:cNvPr id="284" name="Straight Connector 283">
-            <a:extLst>
-              <a:ext uri="{FF2B5EF4-FFF2-40B4-BE49-F238E27FC236}">
-                <a16:creationId xmlns:a16="http://schemas.microsoft.com/office/drawing/2014/main" id="{B6DA321F-9181-8149-A051-228AB199C7D5}"/>
-              </a:ext>
-            </a:extLst>
-          </p:cNvPr>
-          <p:cNvCxnSpPr>
-            <a:cxnSpLocks/>
-          </p:cNvCxnSpPr>
-          <p:nvPr/>
-        </p:nvCxnSpPr>
-        <p:spPr>
-          <a:xfrm>
-            <a:off x="9352532" y="10923101"/>
-            <a:ext cx="0" cy="2065824"/>
-          </a:xfrm>
-          <a:prstGeom prst="line">
-            <a:avLst/>
-          </a:prstGeom>
-        </p:spPr>
-        <p:style>
-          <a:lnRef idx="1">
-            <a:schemeClr val="dk1"/>
-          </a:lnRef>
-          <a:fillRef idx="0">
-            <a:schemeClr val="dk1"/>
-          </a:fillRef>
-          <a:effectRef idx="0">
-            <a:schemeClr val="dk1"/>
-          </a:effectRef>
-          <a:fontRef idx="minor">
-            <a:schemeClr val="tx1"/>
-          </a:fontRef>
-        </p:style>
-      </p:cxnSp>
-      <p:sp>
-        <p:nvSpPr>
-          <p:cNvPr id="285" name="TextBox 284">
-            <a:extLst>
-              <a:ext uri="{FF2B5EF4-FFF2-40B4-BE49-F238E27FC236}">
-                <a16:creationId xmlns:a16="http://schemas.microsoft.com/office/drawing/2014/main" id="{B1AB4B48-9274-7E4B-B317-D255D87E140C}"/>
-              </a:ext>
-            </a:extLst>
-          </p:cNvPr>
-          <p:cNvSpPr txBox="1"/>
-          <p:nvPr/>
-        </p:nvSpPr>
-        <p:spPr>
-          <a:xfrm>
-            <a:off x="9766809" y="11248747"/>
-            <a:ext cx="1236683" cy="300082"/>
-          </a:xfrm>
-          <a:prstGeom prst="rect">
-            <a:avLst/>
-          </a:prstGeom>
-          <a:ln/>
-        </p:spPr>
-        <p:style>
-          <a:lnRef idx="1">
-            <a:schemeClr val="accent6"/>
-          </a:lnRef>
-          <a:fillRef idx="2">
-            <a:schemeClr val="accent6"/>
-          </a:fillRef>
-          <a:effectRef idx="1">
-            <a:schemeClr val="accent6"/>
-          </a:effectRef>
-          <a:fontRef idx="minor">
-            <a:schemeClr val="dk1"/>
-          </a:fontRef>
-        </p:style>
-        <p:txBody>
-          <a:bodyPr wrap="square" rtlCol="0">
-            <a:spAutoFit/>
-          </a:bodyPr>
-          <a:lstStyle/>
-          <a:p>
-            <a:pPr algn="ctr"/>
-            <a:r>
-              <a:rPr lang="en-US" sz="1350" dirty="0" err="1"/>
-              <a:t>QButtonGroup</a:t>
-            </a:r>
-            <a:endParaRPr lang="en-US" sz="1350" dirty="0"/>
-          </a:p>
-        </p:txBody>
-      </p:sp>
-      <p:sp>
-        <p:nvSpPr>
-          <p:cNvPr id="286" name="TextBox 285">
-            <a:extLst>
-              <a:ext uri="{FF2B5EF4-FFF2-40B4-BE49-F238E27FC236}">
-                <a16:creationId xmlns:a16="http://schemas.microsoft.com/office/drawing/2014/main" id="{E133A472-AA1B-A94B-B187-AB15E6B8F5FB}"/>
-              </a:ext>
-            </a:extLst>
-          </p:cNvPr>
-          <p:cNvSpPr txBox="1"/>
-          <p:nvPr/>
-        </p:nvSpPr>
-        <p:spPr>
-          <a:xfrm>
-            <a:off x="9766809" y="12303956"/>
-            <a:ext cx="1236683" cy="300082"/>
-          </a:xfrm>
-          <a:prstGeom prst="rect">
-            <a:avLst/>
-          </a:prstGeom>
-          <a:ln/>
-        </p:spPr>
-        <p:style>
-          <a:lnRef idx="1">
-            <a:schemeClr val="accent6"/>
-          </a:lnRef>
-          <a:fillRef idx="2">
-            <a:schemeClr val="accent6"/>
-          </a:fillRef>
-          <a:effectRef idx="1">
-            <a:schemeClr val="accent6"/>
-          </a:effectRef>
-          <a:fontRef idx="minor">
-            <a:schemeClr val="dk1"/>
-          </a:fontRef>
-        </p:style>
-        <p:txBody>
-          <a:bodyPr wrap="square" rtlCol="0">
-            <a:spAutoFit/>
-          </a:bodyPr>
-          <a:lstStyle/>
-          <a:p>
-            <a:pPr algn="ctr"/>
-            <a:r>
-              <a:rPr lang="en-US" sz="1350" dirty="0" err="1"/>
-              <a:t>QButtonGroup</a:t>
-            </a:r>
-            <a:endParaRPr lang="en-US" sz="1350" dirty="0"/>
-          </a:p>
-        </p:txBody>
-      </p:sp>
-      <p:sp>
-        <p:nvSpPr>
-          <p:cNvPr id="287" name="TextBox 286">
-            <a:extLst>
-              <a:ext uri="{FF2B5EF4-FFF2-40B4-BE49-F238E27FC236}">
-                <a16:creationId xmlns:a16="http://schemas.microsoft.com/office/drawing/2014/main" id="{BCDE9748-5C9A-8B49-8BB3-A849A4B22E25}"/>
-              </a:ext>
-            </a:extLst>
-          </p:cNvPr>
-          <p:cNvSpPr txBox="1"/>
-          <p:nvPr/>
-        </p:nvSpPr>
-        <p:spPr>
-          <a:xfrm>
-            <a:off x="9766809" y="11769365"/>
-            <a:ext cx="1236683" cy="300082"/>
-          </a:xfrm>
-          <a:prstGeom prst="rect">
-            <a:avLst/>
-          </a:prstGeom>
-          <a:ln/>
-        </p:spPr>
-        <p:style>
-          <a:lnRef idx="1">
-            <a:schemeClr val="accent6"/>
-          </a:lnRef>
-          <a:fillRef idx="2">
-            <a:schemeClr val="accent6"/>
-          </a:fillRef>
-          <a:effectRef idx="1">
-            <a:schemeClr val="accent6"/>
-          </a:effectRef>
-          <a:fontRef idx="minor">
-            <a:schemeClr val="dk1"/>
-          </a:fontRef>
-        </p:style>
-        <p:txBody>
-          <a:bodyPr wrap="square" rtlCol="0">
-            <a:spAutoFit/>
-          </a:bodyPr>
-          <a:lstStyle/>
-          <a:p>
-            <a:pPr algn="ctr"/>
-            <a:r>
-              <a:rPr lang="en-US" sz="1350" dirty="0" err="1"/>
-              <a:t>QButtonGroup</a:t>
-            </a:r>
-            <a:endParaRPr lang="en-US" sz="1350" dirty="0"/>
-          </a:p>
-        </p:txBody>
-      </p:sp>
-      <p:sp>
-        <p:nvSpPr>
-          <p:cNvPr id="288" name="TextBox 287">
-            <a:extLst>
-              <a:ext uri="{FF2B5EF4-FFF2-40B4-BE49-F238E27FC236}">
-                <a16:creationId xmlns:a16="http://schemas.microsoft.com/office/drawing/2014/main" id="{D9B54013-BD48-2F42-9E9E-E697F7E39E92}"/>
-              </a:ext>
-            </a:extLst>
-          </p:cNvPr>
-          <p:cNvSpPr txBox="1"/>
-          <p:nvPr/>
-        </p:nvSpPr>
-        <p:spPr>
-          <a:xfrm>
-            <a:off x="9766809" y="12829940"/>
-            <a:ext cx="1236683" cy="300082"/>
-          </a:xfrm>
-          <a:prstGeom prst="rect">
-            <a:avLst/>
-          </a:prstGeom>
-          <a:ln/>
-        </p:spPr>
-        <p:style>
-          <a:lnRef idx="1">
-            <a:schemeClr val="accent6"/>
-          </a:lnRef>
-          <a:fillRef idx="2">
-            <a:schemeClr val="accent6"/>
-          </a:fillRef>
-          <a:effectRef idx="1">
-            <a:schemeClr val="accent6"/>
-          </a:effectRef>
-          <a:fontRef idx="minor">
-            <a:schemeClr val="dk1"/>
-          </a:fontRef>
-        </p:style>
-        <p:txBody>
-          <a:bodyPr wrap="square" rtlCol="0">
-            <a:spAutoFit/>
-          </a:bodyPr>
-          <a:lstStyle/>
-          <a:p>
-            <a:pPr algn="ctr"/>
-            <a:r>
-              <a:rPr lang="en-US" sz="1350" dirty="0" err="1"/>
-              <a:t>QButtonGroup</a:t>
-            </a:r>
-            <a:endParaRPr lang="en-US" sz="1350" dirty="0"/>
-          </a:p>
-        </p:txBody>
-      </p:sp>
-      <p:sp>
-        <p:nvSpPr>
-          <p:cNvPr id="289" name="Rectangle 288">
-            <a:extLst>
-              <a:ext uri="{FF2B5EF4-FFF2-40B4-BE49-F238E27FC236}">
-                <a16:creationId xmlns:a16="http://schemas.microsoft.com/office/drawing/2014/main" id="{CEA840A7-30B6-E248-92B3-FBB3DE11A52F}"/>
+              <a:t>1..n</a:t>
+            </a:r>
+          </a:p>
+        </p:txBody>
+      </p:sp>
+      <p:sp>
+        <p:nvSpPr>
+          <p:cNvPr id="312" name="Rectangle 311">
+            <a:extLst>
+              <a:ext uri="{FF2B5EF4-FFF2-40B4-BE49-F238E27FC236}">
+                <a16:creationId xmlns:a16="http://schemas.microsoft.com/office/drawing/2014/main" id="{CDB60282-E521-7F40-9EFF-434B3D2B60C3}"/>
               </a:ext>
             </a:extLst>
           </p:cNvPr>
@@ -12388,7 +13337,7 @@
         </p:nvSpPr>
         <p:spPr>
           <a:xfrm rot="2668524">
-            <a:off x="11039911" y="11363072"/>
+            <a:off x="4256422" y="7509621"/>
             <a:ext cx="94499" cy="94499"/>
           </a:xfrm>
           <a:prstGeom prst="rect">
@@ -12422,10 +13371,10 @@
       </p:sp>
       <p:cxnSp>
         <p:nvCxnSpPr>
-          <p:cNvPr id="290" name="Straight Connector 289">
-            <a:extLst>
-              <a:ext uri="{FF2B5EF4-FFF2-40B4-BE49-F238E27FC236}">
-                <a16:creationId xmlns:a16="http://schemas.microsoft.com/office/drawing/2014/main" id="{21D62C1A-02C0-5F49-931E-54D4C723B51B}"/>
+          <p:cNvPr id="331" name="Straight Connector 330">
+            <a:extLst>
+              <a:ext uri="{FF2B5EF4-FFF2-40B4-BE49-F238E27FC236}">
+                <a16:creationId xmlns:a16="http://schemas.microsoft.com/office/drawing/2014/main" id="{ACC84402-FA6A-3741-A158-188E67280F91}"/>
               </a:ext>
             </a:extLst>
           </p:cNvPr>
@@ -12436,8 +13385,8 @@
         </p:nvCxnSpPr>
         <p:spPr>
           <a:xfrm flipH="1">
-            <a:off x="11016893" y="11410058"/>
-            <a:ext cx="551446" cy="0"/>
+            <a:off x="4299939" y="7290427"/>
+            <a:ext cx="1821" cy="338660"/>
           </a:xfrm>
           <a:prstGeom prst="line">
             <a:avLst/>
@@ -12460,10 +13409,10 @@
       </p:cxnSp>
       <p:sp>
         <p:nvSpPr>
-          <p:cNvPr id="291" name="TextBox 290">
-            <a:extLst>
-              <a:ext uri="{FF2B5EF4-FFF2-40B4-BE49-F238E27FC236}">
-                <a16:creationId xmlns:a16="http://schemas.microsoft.com/office/drawing/2014/main" id="{A3096FB7-3806-254D-8D2B-C587FE86CB07}"/>
+          <p:cNvPr id="332" name="TextBox 331">
+            <a:extLst>
+              <a:ext uri="{FF2B5EF4-FFF2-40B4-BE49-F238E27FC236}">
+                <a16:creationId xmlns:a16="http://schemas.microsoft.com/office/drawing/2014/main" id="{D43B80C4-C356-2842-B911-D6A1028B8A9F}"/>
               </a:ext>
             </a:extLst>
           </p:cNvPr>
@@ -12472,135 +13421,33 @@
         </p:nvSpPr>
         <p:spPr>
           <a:xfrm>
-            <a:off x="11575165" y="11245030"/>
-            <a:ext cx="1236683" cy="300082"/>
-          </a:xfrm>
-          <a:prstGeom prst="rect">
-            <a:avLst/>
-          </a:prstGeom>
-          <a:ln/>
-        </p:spPr>
-        <p:style>
-          <a:lnRef idx="2">
-            <a:schemeClr val="dk1"/>
-          </a:lnRef>
-          <a:fillRef idx="1">
-            <a:schemeClr val="lt1"/>
-          </a:fillRef>
-          <a:effectRef idx="0">
-            <a:schemeClr val="dk1"/>
-          </a:effectRef>
-          <a:fontRef idx="minor">
-            <a:schemeClr val="dk1"/>
-          </a:fontRef>
-        </p:style>
+            <a:off x="4085155" y="7255275"/>
+            <a:ext cx="256654" cy="300082"/>
+          </a:xfrm>
+          <a:prstGeom prst="rect">
+            <a:avLst/>
+          </a:prstGeom>
+          <a:noFill/>
+        </p:spPr>
         <p:txBody>
           <a:bodyPr wrap="square" rtlCol="0">
             <a:spAutoFit/>
           </a:bodyPr>
           <a:lstStyle/>
           <a:p>
-            <a:pPr algn="ctr"/>
-            <a:r>
-              <a:rPr lang="en-US" sz="1350" dirty="0" err="1"/>
-              <a:t>PushButton</a:t>
-            </a:r>
-            <a:endParaRPr lang="en-US" sz="1350" dirty="0"/>
-          </a:p>
-        </p:txBody>
-      </p:sp>
-      <p:sp>
-        <p:nvSpPr>
-          <p:cNvPr id="292" name="TextBox 291">
-            <a:extLst>
-              <a:ext uri="{FF2B5EF4-FFF2-40B4-BE49-F238E27FC236}">
-                <a16:creationId xmlns:a16="http://schemas.microsoft.com/office/drawing/2014/main" id="{C4B130A9-463E-1D4C-83C5-B85991AA7B77}"/>
-              </a:ext>
-            </a:extLst>
-          </p:cNvPr>
-          <p:cNvSpPr txBox="1"/>
-          <p:nvPr/>
-        </p:nvSpPr>
-        <p:spPr>
-          <a:xfrm>
-            <a:off x="11338790" y="11147483"/>
-            <a:ext cx="285492" cy="300082"/>
-          </a:xfrm>
-          <a:prstGeom prst="rect">
-            <a:avLst/>
-          </a:prstGeom>
-          <a:noFill/>
-        </p:spPr>
-        <p:txBody>
-          <a:bodyPr wrap="square" rtlCol="0">
-            <a:spAutoFit/>
-          </a:bodyPr>
-          <a:lstStyle/>
-          <a:p>
             <a:r>
               <a:rPr lang="en-US" sz="1350" dirty="0"/>
-              <a:t>5</a:t>
-            </a:r>
-          </a:p>
-        </p:txBody>
-      </p:sp>
-      <p:sp>
-        <p:nvSpPr>
-          <p:cNvPr id="293" name="TextBox 292">
-            <a:extLst>
-              <a:ext uri="{FF2B5EF4-FFF2-40B4-BE49-F238E27FC236}">
-                <a16:creationId xmlns:a16="http://schemas.microsoft.com/office/drawing/2014/main" id="{C46007D9-F289-9B49-9F1D-EA69DFAE3A09}"/>
-              </a:ext>
-            </a:extLst>
-          </p:cNvPr>
-          <p:cNvSpPr txBox="1"/>
-          <p:nvPr/>
-        </p:nvSpPr>
-        <p:spPr>
-          <a:xfrm>
-            <a:off x="11573006" y="11764645"/>
-            <a:ext cx="1236683" cy="300082"/>
-          </a:xfrm>
-          <a:prstGeom prst="rect">
-            <a:avLst/>
-          </a:prstGeom>
-          <a:ln/>
-        </p:spPr>
-        <p:style>
-          <a:lnRef idx="1">
-            <a:schemeClr val="accent6"/>
-          </a:lnRef>
-          <a:fillRef idx="2">
-            <a:schemeClr val="accent6"/>
-          </a:fillRef>
-          <a:effectRef idx="1">
-            <a:schemeClr val="accent6"/>
-          </a:effectRef>
-          <a:fontRef idx="minor">
-            <a:schemeClr val="dk1"/>
-          </a:fontRef>
-        </p:style>
-        <p:txBody>
-          <a:bodyPr wrap="square" rtlCol="0">
-            <a:spAutoFit/>
-          </a:bodyPr>
-          <a:lstStyle/>
-          <a:p>
-            <a:pPr algn="ctr"/>
-            <a:r>
-              <a:rPr lang="en-US" sz="1350" dirty="0" err="1"/>
-              <a:t>QRadioButton</a:t>
-            </a:r>
-            <a:endParaRPr lang="en-US" sz="1350" dirty="0"/>
-          </a:p>
-        </p:txBody>
-      </p:sp>
-      <p:sp>
-        <p:nvSpPr>
-          <p:cNvPr id="294" name="Rectangle 293">
-            <a:extLst>
-              <a:ext uri="{FF2B5EF4-FFF2-40B4-BE49-F238E27FC236}">
-                <a16:creationId xmlns:a16="http://schemas.microsoft.com/office/drawing/2014/main" id="{637D0CC3-3CF0-9E42-AB63-7CE3223FD87E}"/>
+              <a:t>1</a:t>
+            </a:r>
+          </a:p>
+        </p:txBody>
+      </p:sp>
+      <p:sp>
+        <p:nvSpPr>
+          <p:cNvPr id="333" name="Rectangle 332">
+            <a:extLst>
+              <a:ext uri="{FF2B5EF4-FFF2-40B4-BE49-F238E27FC236}">
+                <a16:creationId xmlns:a16="http://schemas.microsoft.com/office/drawing/2014/main" id="{14E6C0FF-0872-1A45-A74A-F3D87BF979DB}"/>
               </a:ext>
             </a:extLst>
           </p:cNvPr>
@@ -12609,7 +13456,7 @@
         </p:nvSpPr>
         <p:spPr>
           <a:xfrm rot="2668524">
-            <a:off x="11037192" y="11871072"/>
+            <a:off x="4251425" y="5391964"/>
             <a:ext cx="94499" cy="94499"/>
           </a:xfrm>
           <a:prstGeom prst="rect">
@@ -12643,22 +13490,24 @@
       </p:sp>
       <p:cxnSp>
         <p:nvCxnSpPr>
-          <p:cNvPr id="295" name="Straight Connector 294">
-            <a:extLst>
-              <a:ext uri="{FF2B5EF4-FFF2-40B4-BE49-F238E27FC236}">
-                <a16:creationId xmlns:a16="http://schemas.microsoft.com/office/drawing/2014/main" id="{358623F3-9B95-374A-9B2B-F28CC44B7437}"/>
+          <p:cNvPr id="334" name="Straight Connector 333">
+            <a:extLst>
+              <a:ext uri="{FF2B5EF4-FFF2-40B4-BE49-F238E27FC236}">
+                <a16:creationId xmlns:a16="http://schemas.microsoft.com/office/drawing/2014/main" id="{2D01BA9F-7A66-8A4F-A4C8-F98B79664CAE}"/>
               </a:ext>
             </a:extLst>
           </p:cNvPr>
           <p:cNvCxnSpPr>
             <a:cxnSpLocks/>
+            <a:stCxn id="225" idx="2"/>
+            <a:endCxn id="226" idx="0"/>
           </p:cNvCxnSpPr>
           <p:nvPr/>
         </p:nvCxnSpPr>
         <p:spPr>
-          <a:xfrm flipH="1">
-            <a:off x="11014174" y="11918058"/>
-            <a:ext cx="551446" cy="0"/>
+          <a:xfrm>
+            <a:off x="4298834" y="5150212"/>
+            <a:ext cx="1550" cy="364635"/>
           </a:xfrm>
           <a:prstGeom prst="line">
             <a:avLst/>
@@ -12681,10 +13530,10 @@
       </p:cxnSp>
       <p:sp>
         <p:nvSpPr>
-          <p:cNvPr id="296" name="TextBox 295">
-            <a:extLst>
-              <a:ext uri="{FF2B5EF4-FFF2-40B4-BE49-F238E27FC236}">
-                <a16:creationId xmlns:a16="http://schemas.microsoft.com/office/drawing/2014/main" id="{B25846DE-575E-1247-8FD9-F5842D120325}"/>
+          <p:cNvPr id="335" name="TextBox 334">
+            <a:extLst>
+              <a:ext uri="{FF2B5EF4-FFF2-40B4-BE49-F238E27FC236}">
+                <a16:creationId xmlns:a16="http://schemas.microsoft.com/office/drawing/2014/main" id="{E7F7CF78-D0EF-144D-B6B1-4137A2AD0130}"/>
               </a:ext>
             </a:extLst>
           </p:cNvPr>
@@ -12693,8 +13542,8 @@
         </p:nvSpPr>
         <p:spPr>
           <a:xfrm>
-            <a:off x="11032761" y="11645958"/>
-            <a:ext cx="596037" cy="300082"/>
+            <a:off x="4077660" y="5104221"/>
+            <a:ext cx="256654" cy="300082"/>
           </a:xfrm>
           <a:prstGeom prst="rect">
             <a:avLst/>
@@ -12707,20 +13556,19 @@
           </a:bodyPr>
           <a:lstStyle/>
           <a:p>
-            <a:pPr algn="r"/>
             <a:r>
               <a:rPr lang="en-US" sz="1350" dirty="0"/>
-              <a:t>1..n</a:t>
-            </a:r>
-          </a:p>
-        </p:txBody>
-      </p:sp>
-      <p:sp>
-        <p:nvSpPr>
-          <p:cNvPr id="297" name="TextBox 296">
-            <a:extLst>
-              <a:ext uri="{FF2B5EF4-FFF2-40B4-BE49-F238E27FC236}">
-                <a16:creationId xmlns:a16="http://schemas.microsoft.com/office/drawing/2014/main" id="{6B519E2D-8D6B-B34E-8587-EEB99F08C450}"/>
+              <a:t>1</a:t>
+            </a:r>
+          </a:p>
+        </p:txBody>
+      </p:sp>
+      <p:sp>
+        <p:nvSpPr>
+          <p:cNvPr id="339" name="TextBox 338">
+            <a:extLst>
+              <a:ext uri="{FF2B5EF4-FFF2-40B4-BE49-F238E27FC236}">
+                <a16:creationId xmlns:a16="http://schemas.microsoft.com/office/drawing/2014/main" id="{604D59DB-8FA6-524C-9B93-EBDB9E772341}"/>
               </a:ext>
             </a:extLst>
           </p:cNvPr>
@@ -12729,49 +13577,138 @@
         </p:nvSpPr>
         <p:spPr>
           <a:xfrm>
-            <a:off x="11569831" y="12301220"/>
-            <a:ext cx="1236683" cy="300082"/>
-          </a:xfrm>
-          <a:prstGeom prst="rect">
-            <a:avLst/>
-          </a:prstGeom>
-          <a:ln/>
-        </p:spPr>
-        <p:style>
-          <a:lnRef idx="1">
-            <a:schemeClr val="accent6"/>
-          </a:lnRef>
-          <a:fillRef idx="2">
-            <a:schemeClr val="accent6"/>
-          </a:fillRef>
-          <a:effectRef idx="1">
-            <a:schemeClr val="accent6"/>
-          </a:effectRef>
-          <a:fontRef idx="minor">
-            <a:schemeClr val="dk1"/>
-          </a:fontRef>
-        </p:style>
+            <a:off x="9544535" y="11764940"/>
+            <a:ext cx="285492" cy="300082"/>
+          </a:xfrm>
+          <a:prstGeom prst="rect">
+            <a:avLst/>
+          </a:prstGeom>
+          <a:noFill/>
+        </p:spPr>
         <p:txBody>
           <a:bodyPr wrap="square" rtlCol="0">
             <a:spAutoFit/>
           </a:bodyPr>
           <a:lstStyle/>
           <a:p>
-            <a:pPr algn="ctr"/>
-            <a:r>
-              <a:rPr lang="en-US" sz="1350" dirty="0" err="1"/>
-              <a:t>QRadioButton</a:t>
-            </a:r>
-            <a:endParaRPr lang="en-US" sz="1350" dirty="0"/>
-          </a:p>
-        </p:txBody>
-      </p:sp>
-      <p:sp>
-        <p:nvSpPr>
-          <p:cNvPr id="298" name="Rectangle 297">
-            <a:extLst>
-              <a:ext uri="{FF2B5EF4-FFF2-40B4-BE49-F238E27FC236}">
-                <a16:creationId xmlns:a16="http://schemas.microsoft.com/office/drawing/2014/main" id="{8CB7E0C8-CFB2-734B-9271-989702F92712}"/>
+            <a:r>
+              <a:rPr lang="en-US" sz="1350" dirty="0"/>
+              <a:t>1</a:t>
+            </a:r>
+          </a:p>
+        </p:txBody>
+      </p:sp>
+      <p:sp>
+        <p:nvSpPr>
+          <p:cNvPr id="340" name="TextBox 339">
+            <a:extLst>
+              <a:ext uri="{FF2B5EF4-FFF2-40B4-BE49-F238E27FC236}">
+                <a16:creationId xmlns:a16="http://schemas.microsoft.com/office/drawing/2014/main" id="{2C24547B-48C9-D341-8EBA-EA2EB127FDF5}"/>
+              </a:ext>
+            </a:extLst>
+          </p:cNvPr>
+          <p:cNvSpPr txBox="1"/>
+          <p:nvPr/>
+        </p:nvSpPr>
+        <p:spPr>
+          <a:xfrm>
+            <a:off x="9548651" y="12279807"/>
+            <a:ext cx="285492" cy="300082"/>
+          </a:xfrm>
+          <a:prstGeom prst="rect">
+            <a:avLst/>
+          </a:prstGeom>
+          <a:noFill/>
+        </p:spPr>
+        <p:txBody>
+          <a:bodyPr wrap="square" rtlCol="0">
+            <a:spAutoFit/>
+          </a:bodyPr>
+          <a:lstStyle/>
+          <a:p>
+            <a:r>
+              <a:rPr lang="en-US" sz="1350" dirty="0"/>
+              <a:t>1</a:t>
+            </a:r>
+          </a:p>
+        </p:txBody>
+      </p:sp>
+      <p:sp>
+        <p:nvSpPr>
+          <p:cNvPr id="341" name="TextBox 340">
+            <a:extLst>
+              <a:ext uri="{FF2B5EF4-FFF2-40B4-BE49-F238E27FC236}">
+                <a16:creationId xmlns:a16="http://schemas.microsoft.com/office/drawing/2014/main" id="{F7CA3F12-158F-5345-A1AE-FA6551FD20D2}"/>
+              </a:ext>
+            </a:extLst>
+          </p:cNvPr>
+          <p:cNvSpPr txBox="1"/>
+          <p:nvPr/>
+        </p:nvSpPr>
+        <p:spPr>
+          <a:xfrm>
+            <a:off x="9552767" y="12802914"/>
+            <a:ext cx="285492" cy="300082"/>
+          </a:xfrm>
+          <a:prstGeom prst="rect">
+            <a:avLst/>
+          </a:prstGeom>
+          <a:noFill/>
+        </p:spPr>
+        <p:txBody>
+          <a:bodyPr wrap="square" rtlCol="0">
+            <a:spAutoFit/>
+          </a:bodyPr>
+          <a:lstStyle/>
+          <a:p>
+            <a:r>
+              <a:rPr lang="en-US" sz="1350" dirty="0"/>
+              <a:t>1</a:t>
+            </a:r>
+          </a:p>
+        </p:txBody>
+      </p:sp>
+      <p:sp>
+        <p:nvSpPr>
+          <p:cNvPr id="342" name="TextBox 341">
+            <a:extLst>
+              <a:ext uri="{FF2B5EF4-FFF2-40B4-BE49-F238E27FC236}">
+                <a16:creationId xmlns:a16="http://schemas.microsoft.com/office/drawing/2014/main" id="{12B21693-4F9D-3348-BC5F-AC7405F5A6C6}"/>
+              </a:ext>
+            </a:extLst>
+          </p:cNvPr>
+          <p:cNvSpPr txBox="1"/>
+          <p:nvPr/>
+        </p:nvSpPr>
+        <p:spPr>
+          <a:xfrm>
+            <a:off x="9556883" y="13326017"/>
+            <a:ext cx="285492" cy="300082"/>
+          </a:xfrm>
+          <a:prstGeom prst="rect">
+            <a:avLst/>
+          </a:prstGeom>
+          <a:noFill/>
+        </p:spPr>
+        <p:txBody>
+          <a:bodyPr wrap="square" rtlCol="0">
+            <a:spAutoFit/>
+          </a:bodyPr>
+          <a:lstStyle/>
+          <a:p>
+            <a:r>
+              <a:rPr lang="en-US" sz="1350" dirty="0"/>
+              <a:t>1</a:t>
+            </a:r>
+          </a:p>
+        </p:txBody>
+      </p:sp>
+      <p:sp>
+        <p:nvSpPr>
+          <p:cNvPr id="343" name="Rectangle 342">
+            <a:extLst>
+              <a:ext uri="{FF2B5EF4-FFF2-40B4-BE49-F238E27FC236}">
+                <a16:creationId xmlns:a16="http://schemas.microsoft.com/office/drawing/2014/main" id="{04975C9E-C3C3-D249-BD9F-1E193C301617}"/>
               </a:ext>
             </a:extLst>
           </p:cNvPr>
@@ -12780,7 +13717,7 @@
         </p:nvSpPr>
         <p:spPr>
           <a:xfrm rot="2668524">
-            <a:off x="11034017" y="12407647"/>
+            <a:off x="1510683" y="794084"/>
             <a:ext cx="94499" cy="94499"/>
           </a:xfrm>
           <a:prstGeom prst="rect">
@@ -12814,10 +13751,10 @@
       </p:sp>
       <p:cxnSp>
         <p:nvCxnSpPr>
-          <p:cNvPr id="299" name="Straight Connector 298">
-            <a:extLst>
-              <a:ext uri="{FF2B5EF4-FFF2-40B4-BE49-F238E27FC236}">
-                <a16:creationId xmlns:a16="http://schemas.microsoft.com/office/drawing/2014/main" id="{606C24D7-6086-2240-A360-1E0D9FD9BCAE}"/>
+          <p:cNvPr id="344" name="Straight Connector 343">
+            <a:extLst>
+              <a:ext uri="{FF2B5EF4-FFF2-40B4-BE49-F238E27FC236}">
+                <a16:creationId xmlns:a16="http://schemas.microsoft.com/office/drawing/2014/main" id="{A5ED1655-2ACD-3549-A212-FB210C1F445F}"/>
               </a:ext>
             </a:extLst>
           </p:cNvPr>
@@ -12827,9 +13764,9 @@
           <p:nvPr/>
         </p:nvCxnSpPr>
         <p:spPr>
-          <a:xfrm flipH="1">
-            <a:off x="11010999" y="12454633"/>
-            <a:ext cx="551446" cy="0"/>
+          <a:xfrm>
+            <a:off x="1558092" y="552332"/>
+            <a:ext cx="1550" cy="364635"/>
           </a:xfrm>
           <a:prstGeom prst="line">
             <a:avLst/>
@@ -12852,10 +13789,10 @@
       </p:cxnSp>
       <p:sp>
         <p:nvSpPr>
-          <p:cNvPr id="300" name="TextBox 299">
-            <a:extLst>
-              <a:ext uri="{FF2B5EF4-FFF2-40B4-BE49-F238E27FC236}">
-                <a16:creationId xmlns:a16="http://schemas.microsoft.com/office/drawing/2014/main" id="{D53BF944-C230-FF4A-AD68-4D23ADF2194A}"/>
+          <p:cNvPr id="345" name="TextBox 344">
+            <a:extLst>
+              <a:ext uri="{FF2B5EF4-FFF2-40B4-BE49-F238E27FC236}">
+                <a16:creationId xmlns:a16="http://schemas.microsoft.com/office/drawing/2014/main" id="{D09CED9B-BB8C-CA45-B0A2-80849FBAEAE5}"/>
               </a:ext>
             </a:extLst>
           </p:cNvPr>
@@ -12864,8 +13801,8 @@
         </p:nvSpPr>
         <p:spPr>
           <a:xfrm>
-            <a:off x="11347450" y="12201583"/>
-            <a:ext cx="263525" cy="300082"/>
+            <a:off x="1336918" y="506341"/>
+            <a:ext cx="256654" cy="300082"/>
           </a:xfrm>
           <a:prstGeom prst="rect">
             <a:avLst/>
@@ -12880,17 +13817,109 @@
           <a:p>
             <a:r>
               <a:rPr lang="en-US" sz="1350" dirty="0"/>
-              <a:t>3</a:t>
-            </a:r>
-          </a:p>
-        </p:txBody>
-      </p:sp>
-      <p:sp>
-        <p:nvSpPr>
-          <p:cNvPr id="301" name="TextBox 300">
-            <a:extLst>
-              <a:ext uri="{FF2B5EF4-FFF2-40B4-BE49-F238E27FC236}">
-                <a16:creationId xmlns:a16="http://schemas.microsoft.com/office/drawing/2014/main" id="{F0523D92-D730-FF4D-A20C-C7EE362C8254}"/>
+              <a:t>1</a:t>
+            </a:r>
+          </a:p>
+        </p:txBody>
+      </p:sp>
+      <p:sp>
+        <p:nvSpPr>
+          <p:cNvPr id="2" name="Oval 1">
+            <a:extLst>
+              <a:ext uri="{FF2B5EF4-FFF2-40B4-BE49-F238E27FC236}">
+                <a16:creationId xmlns:a16="http://schemas.microsoft.com/office/drawing/2014/main" id="{A7C61560-8A4A-1841-A7BF-2BD1D2DF1B21}"/>
+              </a:ext>
+            </a:extLst>
+          </p:cNvPr>
+          <p:cNvSpPr/>
+          <p:nvPr/>
+        </p:nvSpPr>
+        <p:spPr>
+          <a:xfrm>
+            <a:off x="3002991" y="454782"/>
+            <a:ext cx="2947178" cy="2006050"/>
+          </a:xfrm>
+          <a:prstGeom prst="ellipse">
+            <a:avLst/>
+          </a:prstGeom>
+          <a:noFill/>
+          <a:ln>
+            <a:prstDash val="dash"/>
+          </a:ln>
+        </p:spPr>
+        <p:style>
+          <a:lnRef idx="2">
+            <a:schemeClr val="accent2"/>
+          </a:lnRef>
+          <a:fillRef idx="1">
+            <a:schemeClr val="lt1"/>
+          </a:fillRef>
+          <a:effectRef idx="0">
+            <a:schemeClr val="accent2"/>
+          </a:effectRef>
+          <a:fontRef idx="minor">
+            <a:schemeClr val="dk1"/>
+          </a:fontRef>
+        </p:style>
+        <p:txBody>
+          <a:bodyPr rtlCol="0" anchor="ctr"/>
+          <a:lstStyle/>
+          <a:p>
+            <a:pPr algn="ctr"/>
+            <a:endParaRPr lang="en-US"/>
+          </a:p>
+        </p:txBody>
+      </p:sp>
+      <p:sp>
+        <p:nvSpPr>
+          <p:cNvPr id="3" name="Left Brace 2">
+            <a:extLst>
+              <a:ext uri="{FF2B5EF4-FFF2-40B4-BE49-F238E27FC236}">
+                <a16:creationId xmlns:a16="http://schemas.microsoft.com/office/drawing/2014/main" id="{EAD1651A-DB8B-1D4A-8E9A-B6788429F194}"/>
+              </a:ext>
+            </a:extLst>
+          </p:cNvPr>
+          <p:cNvSpPr/>
+          <p:nvPr/>
+        </p:nvSpPr>
+        <p:spPr>
+          <a:xfrm>
+            <a:off x="1662994" y="2812231"/>
+            <a:ext cx="326588" cy="6925991"/>
+          </a:xfrm>
+          <a:prstGeom prst="leftBrace">
+            <a:avLst/>
+          </a:prstGeom>
+        </p:spPr>
+        <p:style>
+          <a:lnRef idx="1">
+            <a:schemeClr val="accent2"/>
+          </a:lnRef>
+          <a:fillRef idx="0">
+            <a:schemeClr val="accent2"/>
+          </a:fillRef>
+          <a:effectRef idx="0">
+            <a:schemeClr val="accent2"/>
+          </a:effectRef>
+          <a:fontRef idx="minor">
+            <a:schemeClr val="tx1"/>
+          </a:fontRef>
+        </p:style>
+        <p:txBody>
+          <a:bodyPr rtlCol="0" anchor="ctr"/>
+          <a:lstStyle/>
+          <a:p>
+            <a:pPr algn="ctr"/>
+            <a:endParaRPr lang="en-US"/>
+          </a:p>
+        </p:txBody>
+      </p:sp>
+      <p:sp>
+        <p:nvSpPr>
+          <p:cNvPr id="5" name="TextBox 4">
+            <a:extLst>
+              <a:ext uri="{FF2B5EF4-FFF2-40B4-BE49-F238E27FC236}">
+                <a16:creationId xmlns:a16="http://schemas.microsoft.com/office/drawing/2014/main" id="{CD026D6D-38C1-A749-A561-A0781EE27F03}"/>
               </a:ext>
             </a:extLst>
           </p:cNvPr>
@@ -12899,49 +13928,78 @@
         </p:nvSpPr>
         <p:spPr>
           <a:xfrm>
-            <a:off x="11573006" y="12828905"/>
-            <a:ext cx="1236683" cy="300082"/>
-          </a:xfrm>
-          <a:prstGeom prst="rect">
-            <a:avLst/>
-          </a:prstGeom>
-          <a:ln/>
-        </p:spPr>
-        <p:style>
-          <a:lnRef idx="1">
-            <a:schemeClr val="accent6"/>
-          </a:lnRef>
-          <a:fillRef idx="2">
-            <a:schemeClr val="accent6"/>
-          </a:fillRef>
-          <a:effectRef idx="1">
-            <a:schemeClr val="accent6"/>
-          </a:effectRef>
-          <a:fontRef idx="minor">
-            <a:schemeClr val="dk1"/>
-          </a:fontRef>
-        </p:style>
+            <a:off x="-322629" y="5950309"/>
+            <a:ext cx="1895089" cy="646331"/>
+          </a:xfrm>
+          <a:prstGeom prst="rect">
+            <a:avLst/>
+          </a:prstGeom>
+          <a:noFill/>
+        </p:spPr>
         <p:txBody>
           <a:bodyPr wrap="square" rtlCol="0">
             <a:spAutoFit/>
           </a:bodyPr>
           <a:lstStyle/>
           <a:p>
+            <a:pPr algn="r"/>
+            <a:r>
+              <a:rPr lang="en-US" dirty="0">
+                <a:solidFill>
+                  <a:schemeClr val="accent2"/>
+                </a:solidFill>
+              </a:rPr>
+              <a:t>Tools for fast navigation</a:t>
+            </a:r>
+          </a:p>
+        </p:txBody>
+      </p:sp>
+      <p:sp>
+        <p:nvSpPr>
+          <p:cNvPr id="346" name="TextBox 345">
+            <a:extLst>
+              <a:ext uri="{FF2B5EF4-FFF2-40B4-BE49-F238E27FC236}">
+                <a16:creationId xmlns:a16="http://schemas.microsoft.com/office/drawing/2014/main" id="{C98FE04E-0CBE-EE4E-AE3B-DC8FBEECE793}"/>
+              </a:ext>
+            </a:extLst>
+          </p:cNvPr>
+          <p:cNvSpPr txBox="1"/>
+          <p:nvPr/>
+        </p:nvSpPr>
+        <p:spPr>
+          <a:xfrm>
+            <a:off x="4959767" y="63277"/>
+            <a:ext cx="2240339" cy="646331"/>
+          </a:xfrm>
+          <a:prstGeom prst="rect">
+            <a:avLst/>
+          </a:prstGeom>
+          <a:noFill/>
+        </p:spPr>
+        <p:txBody>
+          <a:bodyPr wrap="square" rtlCol="0">
+            <a:spAutoFit/>
+          </a:bodyPr>
+          <a:lstStyle/>
+          <a:p>
             <a:pPr algn="ctr"/>
             <a:r>
-              <a:rPr lang="en-US" sz="1350" dirty="0" err="1"/>
-              <a:t>QCheckBox</a:t>
-            </a:r>
-            <a:endParaRPr lang="en-US" sz="1350" dirty="0"/>
-          </a:p>
-        </p:txBody>
-      </p:sp>
-      <p:sp>
-        <p:nvSpPr>
-          <p:cNvPr id="302" name="Rectangle 301">
-            <a:extLst>
-              <a:ext uri="{FF2B5EF4-FFF2-40B4-BE49-F238E27FC236}">
-                <a16:creationId xmlns:a16="http://schemas.microsoft.com/office/drawing/2014/main" id="{6FBE6064-86BB-3C47-A588-30927EAED4E3}"/>
+              <a:rPr lang="en-US" dirty="0">
+                <a:solidFill>
+                  <a:schemeClr val="accent2"/>
+                </a:solidFill>
+              </a:rPr>
+              <a:t>Long recording navigation</a:t>
+            </a:r>
+          </a:p>
+        </p:txBody>
+      </p:sp>
+      <p:sp>
+        <p:nvSpPr>
+          <p:cNvPr id="7" name="Right Brace 6">
+            <a:extLst>
+              <a:ext uri="{FF2B5EF4-FFF2-40B4-BE49-F238E27FC236}">
+                <a16:creationId xmlns:a16="http://schemas.microsoft.com/office/drawing/2014/main" id="{7E66ABAF-368B-944D-8FF3-B9BD895EF0EC}"/>
               </a:ext>
             </a:extLst>
           </p:cNvPr>
@@ -12949,28 +14007,26 @@
           <p:nvPr/>
         </p:nvSpPr>
         <p:spPr>
-          <a:xfrm rot="2668524">
-            <a:off x="11037192" y="12935332"/>
-            <a:ext cx="94499" cy="94499"/>
-          </a:xfrm>
-          <a:prstGeom prst="rect">
-            <a:avLst/>
-          </a:prstGeom>
-        </p:spPr>
-        <p:style>
-          <a:lnRef idx="2">
-            <a:schemeClr val="dk1">
-              <a:shade val="50000"/>
-            </a:schemeClr>
-          </a:lnRef>
-          <a:fillRef idx="1">
-            <a:schemeClr val="dk1"/>
+          <a:xfrm>
+            <a:off x="8892875" y="3127652"/>
+            <a:ext cx="238931" cy="1280032"/>
+          </a:xfrm>
+          <a:prstGeom prst="rightBrace">
+            <a:avLst/>
+          </a:prstGeom>
+        </p:spPr>
+        <p:style>
+          <a:lnRef idx="1">
+            <a:schemeClr val="accent2"/>
+          </a:lnRef>
+          <a:fillRef idx="0">
+            <a:schemeClr val="accent2"/>
           </a:fillRef>
           <a:effectRef idx="0">
-            <a:schemeClr val="dk1"/>
-          </a:effectRef>
-          <a:fontRef idx="minor">
-            <a:schemeClr val="lt1"/>
+            <a:schemeClr val="accent2"/>
+          </a:effectRef>
+          <a:fontRef idx="minor">
+            <a:schemeClr val="tx1"/>
           </a:fontRef>
         </p:style>
         <p:txBody>
@@ -12978,28 +14034,69 @@
           <a:lstStyle/>
           <a:p>
             <a:pPr algn="ctr"/>
-            <a:endParaRPr lang="en-US" sz="1350"/>
+            <a:endParaRPr lang="en-US"/>
+          </a:p>
+        </p:txBody>
+      </p:sp>
+      <p:sp>
+        <p:nvSpPr>
+          <p:cNvPr id="347" name="TextBox 346">
+            <a:extLst>
+              <a:ext uri="{FF2B5EF4-FFF2-40B4-BE49-F238E27FC236}">
+                <a16:creationId xmlns:a16="http://schemas.microsoft.com/office/drawing/2014/main" id="{28166548-3E55-7846-B73A-CA712BCC8E34}"/>
+              </a:ext>
+            </a:extLst>
+          </p:cNvPr>
+          <p:cNvSpPr txBox="1"/>
+          <p:nvPr/>
+        </p:nvSpPr>
+        <p:spPr>
+          <a:xfrm>
+            <a:off x="9104322" y="3283825"/>
+            <a:ext cx="2522900" cy="369332"/>
+          </a:xfrm>
+          <a:prstGeom prst="rect">
+            <a:avLst/>
+          </a:prstGeom>
+          <a:noFill/>
+        </p:spPr>
+        <p:txBody>
+          <a:bodyPr wrap="square" rtlCol="0">
+            <a:spAutoFit/>
+          </a:bodyPr>
+          <a:lstStyle/>
+          <a:p>
+            <a:r>
+              <a:rPr lang="en-US" dirty="0">
+                <a:solidFill>
+                  <a:schemeClr val="accent2"/>
+                </a:solidFill>
+              </a:rPr>
+              <a:t>Window container</a:t>
+            </a:r>
           </a:p>
         </p:txBody>
       </p:sp>
       <p:cxnSp>
         <p:nvCxnSpPr>
-          <p:cNvPr id="303" name="Straight Connector 302">
-            <a:extLst>
-              <a:ext uri="{FF2B5EF4-FFF2-40B4-BE49-F238E27FC236}">
-                <a16:creationId xmlns:a16="http://schemas.microsoft.com/office/drawing/2014/main" id="{499CB7EF-6DD3-1247-AB07-7C1986973866}"/>
+          <p:cNvPr id="348" name="Straight Connector 347">
+            <a:extLst>
+              <a:ext uri="{FF2B5EF4-FFF2-40B4-BE49-F238E27FC236}">
+                <a16:creationId xmlns:a16="http://schemas.microsoft.com/office/drawing/2014/main" id="{ED8D94D9-333E-7E44-99E9-9EEC21CF2528}"/>
               </a:ext>
             </a:extLst>
           </p:cNvPr>
           <p:cNvCxnSpPr>
             <a:cxnSpLocks/>
+            <a:stCxn id="319" idx="1"/>
+            <a:endCxn id="321" idx="3"/>
           </p:cNvCxnSpPr>
           <p:nvPr/>
         </p:nvCxnSpPr>
         <p:spPr>
-          <a:xfrm flipH="1">
-            <a:off x="11014174" y="12982318"/>
-            <a:ext cx="551446" cy="0"/>
+          <a:xfrm flipH="1" flipV="1">
+            <a:off x="3730469" y="11009300"/>
+            <a:ext cx="361089" cy="379"/>
           </a:xfrm>
           <a:prstGeom prst="line">
             <a:avLst/>
@@ -13022,249 +14119,10 @@
       </p:cxnSp>
       <p:sp>
         <p:nvSpPr>
-          <p:cNvPr id="304" name="TextBox 303">
-            <a:extLst>
-              <a:ext uri="{FF2B5EF4-FFF2-40B4-BE49-F238E27FC236}">
-                <a16:creationId xmlns:a16="http://schemas.microsoft.com/office/drawing/2014/main" id="{5ECCBE71-69BD-984B-83EB-561679D44585}"/>
-              </a:ext>
-            </a:extLst>
-          </p:cNvPr>
-          <p:cNvSpPr txBox="1"/>
-          <p:nvPr/>
-        </p:nvSpPr>
-        <p:spPr>
-          <a:xfrm>
-            <a:off x="11062741" y="12710218"/>
-            <a:ext cx="566057" cy="300082"/>
-          </a:xfrm>
-          <a:prstGeom prst="rect">
-            <a:avLst/>
-          </a:prstGeom>
-          <a:noFill/>
-        </p:spPr>
-        <p:txBody>
-          <a:bodyPr wrap="square" rtlCol="0">
-            <a:spAutoFit/>
-          </a:bodyPr>
-          <a:lstStyle/>
-          <a:p>
-            <a:pPr algn="r"/>
-            <a:r>
-              <a:rPr lang="en-US" sz="1350" dirty="0"/>
-              <a:t>1..n</a:t>
-            </a:r>
-          </a:p>
-        </p:txBody>
-      </p:sp>
-      <p:cxnSp>
-        <p:nvCxnSpPr>
-          <p:cNvPr id="305" name="Straight Connector 304">
-            <a:extLst>
-              <a:ext uri="{FF2B5EF4-FFF2-40B4-BE49-F238E27FC236}">
-                <a16:creationId xmlns:a16="http://schemas.microsoft.com/office/drawing/2014/main" id="{43633794-FA5E-FD47-BBF4-25BF6E06B336}"/>
-              </a:ext>
-            </a:extLst>
-          </p:cNvPr>
-          <p:cNvCxnSpPr>
-            <a:cxnSpLocks/>
-          </p:cNvCxnSpPr>
-          <p:nvPr/>
-        </p:nvCxnSpPr>
-        <p:spPr>
-          <a:xfrm flipH="1">
-            <a:off x="9350898" y="11396757"/>
-            <a:ext cx="414259" cy="0"/>
-          </a:xfrm>
-          <a:prstGeom prst="line">
-            <a:avLst/>
-          </a:prstGeom>
-        </p:spPr>
-        <p:style>
-          <a:lnRef idx="1">
-            <a:schemeClr val="dk1"/>
-          </a:lnRef>
-          <a:fillRef idx="0">
-            <a:schemeClr val="dk1"/>
-          </a:fillRef>
-          <a:effectRef idx="0">
-            <a:schemeClr val="dk1"/>
-          </a:effectRef>
-          <a:fontRef idx="minor">
-            <a:schemeClr val="tx1"/>
-          </a:fontRef>
-        </p:style>
-      </p:cxnSp>
-      <p:cxnSp>
-        <p:nvCxnSpPr>
-          <p:cNvPr id="306" name="Straight Connector 305">
-            <a:extLst>
-              <a:ext uri="{FF2B5EF4-FFF2-40B4-BE49-F238E27FC236}">
-                <a16:creationId xmlns:a16="http://schemas.microsoft.com/office/drawing/2014/main" id="{9DF282E4-AA58-AC41-B78A-E6CCB3A1BE80}"/>
-              </a:ext>
-            </a:extLst>
-          </p:cNvPr>
-          <p:cNvCxnSpPr>
-            <a:cxnSpLocks/>
-          </p:cNvCxnSpPr>
-          <p:nvPr/>
-        </p:nvCxnSpPr>
-        <p:spPr>
-          <a:xfrm flipH="1">
-            <a:off x="9350898" y="11920632"/>
-            <a:ext cx="414259" cy="0"/>
-          </a:xfrm>
-          <a:prstGeom prst="line">
-            <a:avLst/>
-          </a:prstGeom>
-        </p:spPr>
-        <p:style>
-          <a:lnRef idx="1">
-            <a:schemeClr val="dk1"/>
-          </a:lnRef>
-          <a:fillRef idx="0">
-            <a:schemeClr val="dk1"/>
-          </a:fillRef>
-          <a:effectRef idx="0">
-            <a:schemeClr val="dk1"/>
-          </a:effectRef>
-          <a:fontRef idx="minor">
-            <a:schemeClr val="tx1"/>
-          </a:fontRef>
-        </p:style>
-      </p:cxnSp>
-      <p:cxnSp>
-        <p:nvCxnSpPr>
-          <p:cNvPr id="307" name="Straight Connector 306">
-            <a:extLst>
-              <a:ext uri="{FF2B5EF4-FFF2-40B4-BE49-F238E27FC236}">
-                <a16:creationId xmlns:a16="http://schemas.microsoft.com/office/drawing/2014/main" id="{42F89E0E-C414-E545-85EC-4A96646B7899}"/>
-              </a:ext>
-            </a:extLst>
-          </p:cNvPr>
-          <p:cNvCxnSpPr>
-            <a:cxnSpLocks/>
-          </p:cNvCxnSpPr>
-          <p:nvPr/>
-        </p:nvCxnSpPr>
-        <p:spPr>
-          <a:xfrm flipH="1">
-            <a:off x="9350898" y="12454032"/>
-            <a:ext cx="414259" cy="0"/>
-          </a:xfrm>
-          <a:prstGeom prst="line">
-            <a:avLst/>
-          </a:prstGeom>
-        </p:spPr>
-        <p:style>
-          <a:lnRef idx="1">
-            <a:schemeClr val="dk1"/>
-          </a:lnRef>
-          <a:fillRef idx="0">
-            <a:schemeClr val="dk1"/>
-          </a:fillRef>
-          <a:effectRef idx="0">
-            <a:schemeClr val="dk1"/>
-          </a:effectRef>
-          <a:fontRef idx="minor">
-            <a:schemeClr val="tx1"/>
-          </a:fontRef>
-        </p:style>
-      </p:cxnSp>
-      <p:cxnSp>
-        <p:nvCxnSpPr>
-          <p:cNvPr id="308" name="Straight Connector 307">
-            <a:extLst>
-              <a:ext uri="{FF2B5EF4-FFF2-40B4-BE49-F238E27FC236}">
-                <a16:creationId xmlns:a16="http://schemas.microsoft.com/office/drawing/2014/main" id="{FC1CCE67-9373-F442-AC64-B5BBD379DDE8}"/>
-              </a:ext>
-            </a:extLst>
-          </p:cNvPr>
-          <p:cNvCxnSpPr>
-            <a:cxnSpLocks/>
-          </p:cNvCxnSpPr>
-          <p:nvPr/>
-        </p:nvCxnSpPr>
-        <p:spPr>
-          <a:xfrm flipH="1">
-            <a:off x="9350898" y="12984892"/>
-            <a:ext cx="414259" cy="0"/>
-          </a:xfrm>
-          <a:prstGeom prst="line">
-            <a:avLst/>
-          </a:prstGeom>
-        </p:spPr>
-        <p:style>
-          <a:lnRef idx="1">
-            <a:schemeClr val="dk1"/>
-          </a:lnRef>
-          <a:fillRef idx="0">
-            <a:schemeClr val="dk1"/>
-          </a:fillRef>
-          <a:effectRef idx="0">
-            <a:schemeClr val="dk1"/>
-          </a:effectRef>
-          <a:fontRef idx="minor">
-            <a:schemeClr val="tx1"/>
-          </a:fontRef>
-        </p:style>
-      </p:cxnSp>
-      <p:sp>
-        <p:nvSpPr>
-          <p:cNvPr id="309" name="TextBox 308">
-            <a:extLst>
-              <a:ext uri="{FF2B5EF4-FFF2-40B4-BE49-F238E27FC236}">
-                <a16:creationId xmlns:a16="http://schemas.microsoft.com/office/drawing/2014/main" id="{3BE7DDE9-2CEA-4040-B4D2-DD87EEC632D3}"/>
-              </a:ext>
-            </a:extLst>
-          </p:cNvPr>
-          <p:cNvSpPr txBox="1"/>
-          <p:nvPr/>
-        </p:nvSpPr>
-        <p:spPr>
-          <a:xfrm>
-            <a:off x="11576181" y="10638685"/>
-            <a:ext cx="1236683" cy="300082"/>
-          </a:xfrm>
-          <a:prstGeom prst="rect">
-            <a:avLst/>
-          </a:prstGeom>
-          <a:ln/>
-        </p:spPr>
-        <p:style>
-          <a:lnRef idx="1">
-            <a:schemeClr val="accent6"/>
-          </a:lnRef>
-          <a:fillRef idx="2">
-            <a:schemeClr val="accent6"/>
-          </a:fillRef>
-          <a:effectRef idx="1">
-            <a:schemeClr val="accent6"/>
-          </a:effectRef>
-          <a:fontRef idx="minor">
-            <a:schemeClr val="dk1"/>
-          </a:fontRef>
-        </p:style>
-        <p:txBody>
-          <a:bodyPr wrap="square" rtlCol="0">
-            <a:spAutoFit/>
-          </a:bodyPr>
-          <a:lstStyle/>
-          <a:p>
-            <a:pPr algn="ctr"/>
-            <a:r>
-              <a:rPr lang="en-US" sz="1350" dirty="0" err="1"/>
-              <a:t>QPushButton</a:t>
-            </a:r>
-            <a:endParaRPr lang="en-US" sz="1350" dirty="0"/>
-          </a:p>
-        </p:txBody>
-      </p:sp>
-      <p:sp>
-        <p:nvSpPr>
-          <p:cNvPr id="310" name="Triangle 309">
-            <a:extLst>
-              <a:ext uri="{FF2B5EF4-FFF2-40B4-BE49-F238E27FC236}">
-                <a16:creationId xmlns:a16="http://schemas.microsoft.com/office/drawing/2014/main" id="{1E2B9DCD-0D52-E842-A263-1C9B18BD27A0}"/>
+          <p:cNvPr id="323" name="Triangle 322">
+            <a:extLst>
+              <a:ext uri="{FF2B5EF4-FFF2-40B4-BE49-F238E27FC236}">
+                <a16:creationId xmlns:a16="http://schemas.microsoft.com/office/drawing/2014/main" id="{AF55D8E7-4F00-F14C-A143-9AC3968771F7}"/>
               </a:ext>
             </a:extLst>
           </p:cNvPr>
@@ -13272,8 +14130,8 @@
           <p:nvPr/>
         </p:nvSpPr>
         <p:spPr>
-          <a:xfrm>
-            <a:off x="12134361" y="10945608"/>
+          <a:xfrm rot="16200000">
+            <a:off x="3721624" y="10956446"/>
             <a:ext cx="115503" cy="93847"/>
           </a:xfrm>
           <a:prstGeom prst="triangle">
@@ -13313,94 +14171,114 @@
           </a:p>
         </p:txBody>
       </p:sp>
+      <p:sp>
+        <p:nvSpPr>
+          <p:cNvPr id="349" name="TextBox 348">
+            <a:extLst>
+              <a:ext uri="{FF2B5EF4-FFF2-40B4-BE49-F238E27FC236}">
+                <a16:creationId xmlns:a16="http://schemas.microsoft.com/office/drawing/2014/main" id="{A7A5B6DE-C1AE-5041-A4C4-F17435214019}"/>
+              </a:ext>
+            </a:extLst>
+          </p:cNvPr>
+          <p:cNvSpPr txBox="1"/>
+          <p:nvPr/>
+        </p:nvSpPr>
+        <p:spPr>
+          <a:xfrm>
+            <a:off x="7379261" y="5261923"/>
+            <a:ext cx="1201229" cy="300082"/>
+          </a:xfrm>
+          <a:prstGeom prst="rect">
+            <a:avLst/>
+          </a:prstGeom>
+          <a:ln/>
+        </p:spPr>
+        <p:style>
+          <a:lnRef idx="1">
+            <a:schemeClr val="accent6"/>
+          </a:lnRef>
+          <a:fillRef idx="2">
+            <a:schemeClr val="accent6"/>
+          </a:fillRef>
+          <a:effectRef idx="1">
+            <a:schemeClr val="accent6"/>
+          </a:effectRef>
+          <a:fontRef idx="minor">
+            <a:schemeClr val="dk1"/>
+          </a:fontRef>
+        </p:style>
+        <p:txBody>
+          <a:bodyPr wrap="square" rtlCol="0">
+            <a:spAutoFit/>
+          </a:bodyPr>
+          <a:lstStyle/>
+          <a:p>
+            <a:pPr algn="ctr"/>
+            <a:r>
+              <a:rPr lang="en-US" sz="1350" dirty="0" err="1"/>
+              <a:t>QGroupBox</a:t>
+            </a:r>
+            <a:endParaRPr lang="en-US" sz="1350" dirty="0"/>
+          </a:p>
+        </p:txBody>
+      </p:sp>
+      <p:sp>
+        <p:nvSpPr>
+          <p:cNvPr id="350" name="TextBox 349">
+            <a:extLst>
+              <a:ext uri="{FF2B5EF4-FFF2-40B4-BE49-F238E27FC236}">
+                <a16:creationId xmlns:a16="http://schemas.microsoft.com/office/drawing/2014/main" id="{5025586C-0C19-854D-B4BE-5B963ABBC221}"/>
+              </a:ext>
+            </a:extLst>
+          </p:cNvPr>
+          <p:cNvSpPr txBox="1"/>
+          <p:nvPr/>
+        </p:nvSpPr>
+        <p:spPr>
+          <a:xfrm>
+            <a:off x="7380811" y="5926640"/>
+            <a:ext cx="1201229" cy="300082"/>
+          </a:xfrm>
+          <a:prstGeom prst="rect">
+            <a:avLst/>
+          </a:prstGeom>
+          <a:ln/>
+        </p:spPr>
+        <p:style>
+          <a:lnRef idx="1">
+            <a:schemeClr val="accent6"/>
+          </a:lnRef>
+          <a:fillRef idx="2">
+            <a:schemeClr val="accent6"/>
+          </a:fillRef>
+          <a:effectRef idx="1">
+            <a:schemeClr val="accent6"/>
+          </a:effectRef>
+          <a:fontRef idx="minor">
+            <a:schemeClr val="dk1"/>
+          </a:fontRef>
+        </p:style>
+        <p:txBody>
+          <a:bodyPr wrap="square" rtlCol="0">
+            <a:spAutoFit/>
+          </a:bodyPr>
+          <a:lstStyle/>
+          <a:p>
+            <a:pPr algn="ctr"/>
+            <a:r>
+              <a:rPr lang="en-US" sz="1350" dirty="0" err="1"/>
+              <a:t>QGridLayout</a:t>
+            </a:r>
+            <a:endParaRPr lang="en-US" sz="1350" dirty="0"/>
+          </a:p>
+        </p:txBody>
+      </p:sp>
       <p:cxnSp>
         <p:nvCxnSpPr>
-          <p:cNvPr id="311" name="Straight Connector 310">
-            <a:extLst>
-              <a:ext uri="{FF2B5EF4-FFF2-40B4-BE49-F238E27FC236}">
-                <a16:creationId xmlns:a16="http://schemas.microsoft.com/office/drawing/2014/main" id="{BF75C92B-6246-3840-BE9F-2F9731179859}"/>
-              </a:ext>
-            </a:extLst>
-          </p:cNvPr>
-          <p:cNvCxnSpPr>
-            <a:cxnSpLocks/>
-            <a:stCxn id="291" idx="0"/>
-            <a:endCxn id="310" idx="3"/>
-          </p:cNvCxnSpPr>
-          <p:nvPr/>
-        </p:nvCxnSpPr>
-        <p:spPr>
-          <a:xfrm flipH="1" flipV="1">
-            <a:off x="12192113" y="11039455"/>
-            <a:ext cx="1394" cy="205575"/>
-          </a:xfrm>
-          <a:prstGeom prst="line">
-            <a:avLst/>
-          </a:prstGeom>
-        </p:spPr>
-        <p:style>
-          <a:lnRef idx="1">
-            <a:schemeClr val="dk1"/>
-          </a:lnRef>
-          <a:fillRef idx="0">
-            <a:schemeClr val="dk1"/>
-          </a:fillRef>
-          <a:effectRef idx="0">
-            <a:schemeClr val="dk1"/>
-          </a:effectRef>
-          <a:fontRef idx="minor">
-            <a:schemeClr val="tx1"/>
-          </a:fontRef>
-        </p:style>
-      </p:cxnSp>
-      <p:sp>
-        <p:nvSpPr>
-          <p:cNvPr id="313" name="TextBox 312">
-            <a:extLst>
-              <a:ext uri="{FF2B5EF4-FFF2-40B4-BE49-F238E27FC236}">
-                <a16:creationId xmlns:a16="http://schemas.microsoft.com/office/drawing/2014/main" id="{EC59C7EE-16B7-F449-85DD-F845BE3CC9F2}"/>
-              </a:ext>
-            </a:extLst>
-          </p:cNvPr>
-          <p:cNvSpPr txBox="1"/>
-          <p:nvPr/>
-        </p:nvSpPr>
-        <p:spPr>
-          <a:xfrm>
-            <a:off x="7471951" y="11427479"/>
-            <a:ext cx="1616795" cy="300082"/>
-          </a:xfrm>
-          <a:prstGeom prst="rect">
-            <a:avLst/>
-          </a:prstGeom>
-          <a:noFill/>
-          <a:ln>
-            <a:solidFill>
-              <a:schemeClr val="tx1"/>
-            </a:solidFill>
-          </a:ln>
-        </p:spPr>
-        <p:txBody>
-          <a:bodyPr wrap="square" rtlCol="0">
-            <a:spAutoFit/>
-          </a:bodyPr>
-          <a:lstStyle/>
-          <a:p>
-            <a:pPr algn="ctr"/>
-            <a:r>
-              <a:rPr lang="en-US" sz="1350" dirty="0" err="1"/>
-              <a:t>AnnotEventWidget</a:t>
-            </a:r>
-            <a:endParaRPr lang="en-US" sz="1350" dirty="0"/>
-          </a:p>
-        </p:txBody>
-      </p:sp>
-      <p:cxnSp>
-        <p:nvCxnSpPr>
-          <p:cNvPr id="314" name="Straight Connector 313">
-            <a:extLst>
-              <a:ext uri="{FF2B5EF4-FFF2-40B4-BE49-F238E27FC236}">
-                <a16:creationId xmlns:a16="http://schemas.microsoft.com/office/drawing/2014/main" id="{0267ACAE-7BC9-6944-86FC-5A7BD9DC2530}"/>
+          <p:cNvPr id="351" name="Straight Connector 350">
+            <a:extLst>
+              <a:ext uri="{FF2B5EF4-FFF2-40B4-BE49-F238E27FC236}">
+                <a16:creationId xmlns:a16="http://schemas.microsoft.com/office/drawing/2014/main" id="{EF9535CD-3AF0-BC4C-833C-2218874E70D8}"/>
               </a:ext>
             </a:extLst>
           </p:cNvPr>
@@ -13410,9 +14288,9 @@
           <p:nvPr/>
         </p:nvCxnSpPr>
         <p:spPr>
-          <a:xfrm flipH="1">
-            <a:off x="7043478" y="11575485"/>
-            <a:ext cx="425894" cy="0"/>
+          <a:xfrm flipV="1">
+            <a:off x="7043888" y="5414771"/>
+            <a:ext cx="341608" cy="1"/>
           </a:xfrm>
           <a:prstGeom prst="line">
             <a:avLst/>
@@ -13435,10 +14313,10 @@
       </p:cxnSp>
       <p:sp>
         <p:nvSpPr>
-          <p:cNvPr id="315" name="TextBox 314">
-            <a:extLst>
-              <a:ext uri="{FF2B5EF4-FFF2-40B4-BE49-F238E27FC236}">
-                <a16:creationId xmlns:a16="http://schemas.microsoft.com/office/drawing/2014/main" id="{2505ED65-3196-7E46-99DA-9C9B4B8E6706}"/>
+          <p:cNvPr id="352" name="TextBox 351">
+            <a:extLst>
+              <a:ext uri="{FF2B5EF4-FFF2-40B4-BE49-F238E27FC236}">
+                <a16:creationId xmlns:a16="http://schemas.microsoft.com/office/drawing/2014/main" id="{A2DF4FB3-915D-7D46-87DC-3F397B99AF21}"/>
               </a:ext>
             </a:extLst>
           </p:cNvPr>
@@ -13447,8 +14325,8 @@
         </p:nvSpPr>
         <p:spPr>
           <a:xfrm>
-            <a:off x="6911925" y="11307372"/>
-            <a:ext cx="606214" cy="300082"/>
+            <a:off x="7127553" y="5158600"/>
+            <a:ext cx="217738" cy="300082"/>
           </a:xfrm>
           <a:prstGeom prst="rect">
             <a:avLst/>
@@ -13461,20 +14339,92 @@
           </a:bodyPr>
           <a:lstStyle/>
           <a:p>
-            <a:pPr algn="r"/>
             <a:r>
               <a:rPr lang="en-US" sz="1350" dirty="0"/>
-              <a:t>0..1</a:t>
-            </a:r>
-          </a:p>
-        </p:txBody>
-      </p:sp>
-      <p:sp>
-        <p:nvSpPr>
-          <p:cNvPr id="316" name="Rectangle 315">
-            <a:extLst>
-              <a:ext uri="{FF2B5EF4-FFF2-40B4-BE49-F238E27FC236}">
-                <a16:creationId xmlns:a16="http://schemas.microsoft.com/office/drawing/2014/main" id="{5F2E33AC-13C2-B84D-B033-D525010DA952}"/>
+              <a:t>1</a:t>
+            </a:r>
+          </a:p>
+        </p:txBody>
+      </p:sp>
+      <p:sp>
+        <p:nvSpPr>
+          <p:cNvPr id="353" name="TextBox 352">
+            <a:extLst>
+              <a:ext uri="{FF2B5EF4-FFF2-40B4-BE49-F238E27FC236}">
+                <a16:creationId xmlns:a16="http://schemas.microsoft.com/office/drawing/2014/main" id="{EA7E98AD-7CE8-9348-B451-5DF488FCBB66}"/>
+              </a:ext>
+            </a:extLst>
+          </p:cNvPr>
+          <p:cNvSpPr txBox="1"/>
+          <p:nvPr/>
+        </p:nvSpPr>
+        <p:spPr>
+          <a:xfrm>
+            <a:off x="7128234" y="5811302"/>
+            <a:ext cx="265710" cy="300082"/>
+          </a:xfrm>
+          <a:prstGeom prst="rect">
+            <a:avLst/>
+          </a:prstGeom>
+          <a:noFill/>
+        </p:spPr>
+        <p:txBody>
+          <a:bodyPr wrap="square" rtlCol="0">
+            <a:spAutoFit/>
+          </a:bodyPr>
+          <a:lstStyle/>
+          <a:p>
+            <a:r>
+              <a:rPr lang="en-US" sz="1350" dirty="0"/>
+              <a:t>1</a:t>
+            </a:r>
+          </a:p>
+        </p:txBody>
+      </p:sp>
+      <p:cxnSp>
+        <p:nvCxnSpPr>
+          <p:cNvPr id="354" name="Straight Connector 353">
+            <a:extLst>
+              <a:ext uri="{FF2B5EF4-FFF2-40B4-BE49-F238E27FC236}">
+                <a16:creationId xmlns:a16="http://schemas.microsoft.com/office/drawing/2014/main" id="{44ADB651-969F-B34E-A9E2-C1D8B1EE98EE}"/>
+              </a:ext>
+            </a:extLst>
+          </p:cNvPr>
+          <p:cNvCxnSpPr>
+            <a:cxnSpLocks/>
+          </p:cNvCxnSpPr>
+          <p:nvPr/>
+        </p:nvCxnSpPr>
+        <p:spPr>
+          <a:xfrm>
+            <a:off x="7052447" y="6077044"/>
+            <a:ext cx="332563" cy="0"/>
+          </a:xfrm>
+          <a:prstGeom prst="line">
+            <a:avLst/>
+          </a:prstGeom>
+        </p:spPr>
+        <p:style>
+          <a:lnRef idx="1">
+            <a:schemeClr val="dk1"/>
+          </a:lnRef>
+          <a:fillRef idx="0">
+            <a:schemeClr val="dk1"/>
+          </a:fillRef>
+          <a:effectRef idx="0">
+            <a:schemeClr val="dk1"/>
+          </a:effectRef>
+          <a:fontRef idx="minor">
+            <a:schemeClr val="tx1"/>
+          </a:fontRef>
+        </p:style>
+      </p:cxnSp>
+      <p:sp>
+        <p:nvSpPr>
+          <p:cNvPr id="355" name="Rectangle 354">
+            <a:extLst>
+              <a:ext uri="{FF2B5EF4-FFF2-40B4-BE49-F238E27FC236}">
+                <a16:creationId xmlns:a16="http://schemas.microsoft.com/office/drawing/2014/main" id="{5DAB46E5-0161-204C-B6FB-43F4D1B1765A}"/>
               </a:ext>
             </a:extLst>
           </p:cNvPr>
@@ -13483,7 +14433,7 @@
         </p:nvSpPr>
         <p:spPr>
           <a:xfrm rot="2668524">
-            <a:off x="8193316" y="11760987"/>
+            <a:off x="7939970" y="5801247"/>
             <a:ext cx="94499" cy="94499"/>
           </a:xfrm>
           <a:prstGeom prst="rect">
@@ -13517,10 +14467,10 @@
       </p:sp>
       <p:cxnSp>
         <p:nvCxnSpPr>
-          <p:cNvPr id="317" name="Straight Connector 316">
-            <a:extLst>
-              <a:ext uri="{FF2B5EF4-FFF2-40B4-BE49-F238E27FC236}">
-                <a16:creationId xmlns:a16="http://schemas.microsoft.com/office/drawing/2014/main" id="{F32A3123-A214-0941-9617-94F1D4E8027D}"/>
+          <p:cNvPr id="356" name="Straight Connector 355">
+            <a:extLst>
+              <a:ext uri="{FF2B5EF4-FFF2-40B4-BE49-F238E27FC236}">
+                <a16:creationId xmlns:a16="http://schemas.microsoft.com/office/drawing/2014/main" id="{681B6C6E-1FDA-5041-A172-ECB70668D021}"/>
               </a:ext>
             </a:extLst>
           </p:cNvPr>
@@ -13531,8 +14481,8 @@
         </p:nvCxnSpPr>
         <p:spPr>
           <a:xfrm>
-            <a:off x="8239435" y="11729403"/>
-            <a:ext cx="0" cy="1089385"/>
+            <a:off x="7979876" y="5562005"/>
+            <a:ext cx="1550" cy="364635"/>
           </a:xfrm>
           <a:prstGeom prst="line">
             <a:avLst/>
@@ -13553,50 +14503,12 @@
           </a:fontRef>
         </p:style>
       </p:cxnSp>
-      <p:cxnSp>
-        <p:nvCxnSpPr>
-          <p:cNvPr id="318" name="Straight Connector 317">
-            <a:extLst>
-              <a:ext uri="{FF2B5EF4-FFF2-40B4-BE49-F238E27FC236}">
-                <a16:creationId xmlns:a16="http://schemas.microsoft.com/office/drawing/2014/main" id="{D348685C-4EC9-7D46-82CA-D960110161BD}"/>
-              </a:ext>
-            </a:extLst>
-          </p:cNvPr>
-          <p:cNvCxnSpPr>
-            <a:cxnSpLocks/>
-          </p:cNvCxnSpPr>
-          <p:nvPr/>
-        </p:nvCxnSpPr>
-        <p:spPr>
-          <a:xfrm flipH="1">
-            <a:off x="7825751" y="12195307"/>
-            <a:ext cx="414259" cy="0"/>
-          </a:xfrm>
-          <a:prstGeom prst="line">
-            <a:avLst/>
-          </a:prstGeom>
-        </p:spPr>
-        <p:style>
-          <a:lnRef idx="1">
-            <a:schemeClr val="dk1"/>
-          </a:lnRef>
-          <a:fillRef idx="0">
-            <a:schemeClr val="dk1"/>
-          </a:fillRef>
-          <a:effectRef idx="0">
-            <a:schemeClr val="dk1"/>
-          </a:effectRef>
-          <a:fontRef idx="minor">
-            <a:schemeClr val="tx1"/>
-          </a:fontRef>
-        </p:style>
-      </p:cxnSp>
-      <p:sp>
-        <p:nvSpPr>
-          <p:cNvPr id="319" name="TextBox 318">
-            <a:extLst>
-              <a:ext uri="{FF2B5EF4-FFF2-40B4-BE49-F238E27FC236}">
-                <a16:creationId xmlns:a16="http://schemas.microsoft.com/office/drawing/2014/main" id="{A04E24B5-D2BE-8148-94B3-A43DA7360957}"/>
+      <p:sp>
+        <p:nvSpPr>
+          <p:cNvPr id="357" name="TextBox 356">
+            <a:extLst>
+              <a:ext uri="{FF2B5EF4-FFF2-40B4-BE49-F238E27FC236}">
+                <a16:creationId xmlns:a16="http://schemas.microsoft.com/office/drawing/2014/main" id="{7FF5F566-9D80-8F48-A178-0A4C04980141}"/>
               </a:ext>
             </a:extLst>
           </p:cNvPr>
@@ -13605,49 +14517,77 @@
         </p:nvSpPr>
         <p:spPr>
           <a:xfrm>
-            <a:off x="6581764" y="12048508"/>
-            <a:ext cx="1236683" cy="300082"/>
-          </a:xfrm>
-          <a:prstGeom prst="rect">
-            <a:avLst/>
-          </a:prstGeom>
-          <a:ln/>
-        </p:spPr>
-        <p:style>
-          <a:lnRef idx="2">
-            <a:schemeClr val="dk1"/>
-          </a:lnRef>
-          <a:fillRef idx="1">
-            <a:schemeClr val="lt1"/>
-          </a:fillRef>
-          <a:effectRef idx="0">
-            <a:schemeClr val="dk1"/>
-          </a:effectRef>
-          <a:fontRef idx="minor">
-            <a:schemeClr val="dk1"/>
-          </a:fontRef>
-        </p:style>
+            <a:off x="7937792" y="5539044"/>
+            <a:ext cx="256654" cy="300082"/>
+          </a:xfrm>
+          <a:prstGeom prst="rect">
+            <a:avLst/>
+          </a:prstGeom>
+          <a:noFill/>
+        </p:spPr>
         <p:txBody>
           <a:bodyPr wrap="square" rtlCol="0">
             <a:spAutoFit/>
           </a:bodyPr>
           <a:lstStyle/>
           <a:p>
+            <a:r>
+              <a:rPr lang="en-US" sz="1350" dirty="0"/>
+              <a:t>1</a:t>
+            </a:r>
+          </a:p>
+        </p:txBody>
+      </p:sp>
+      <p:sp>
+        <p:nvSpPr>
+          <p:cNvPr id="358" name="Right Brace 357">
+            <a:extLst>
+              <a:ext uri="{FF2B5EF4-FFF2-40B4-BE49-F238E27FC236}">
+                <a16:creationId xmlns:a16="http://schemas.microsoft.com/office/drawing/2014/main" id="{ED191A08-246D-C94B-AA99-B40F614D495C}"/>
+              </a:ext>
+            </a:extLst>
+          </p:cNvPr>
+          <p:cNvSpPr/>
+          <p:nvPr/>
+        </p:nvSpPr>
+        <p:spPr>
+          <a:xfrm>
+            <a:off x="8629178" y="5108971"/>
+            <a:ext cx="238931" cy="1280032"/>
+          </a:xfrm>
+          <a:prstGeom prst="rightBrace">
+            <a:avLst/>
+          </a:prstGeom>
+        </p:spPr>
+        <p:style>
+          <a:lnRef idx="1">
+            <a:schemeClr val="accent2"/>
+          </a:lnRef>
+          <a:fillRef idx="0">
+            <a:schemeClr val="accent2"/>
+          </a:fillRef>
+          <a:effectRef idx="0">
+            <a:schemeClr val="accent2"/>
+          </a:effectRef>
+          <a:fontRef idx="minor">
+            <a:schemeClr val="tx1"/>
+          </a:fontRef>
+        </p:style>
+        <p:txBody>
+          <a:bodyPr rtlCol="0" anchor="ctr"/>
+          <a:lstStyle/>
+          <a:p>
             <a:pPr algn="ctr"/>
-            <a:r>
-              <a:rPr lang="en-US" sz="1350" dirty="0" err="1"/>
-              <a:t>PushButton</a:t>
-            </a:r>
-            <a:endParaRPr lang="en-US" sz="1350" dirty="0"/>
-          </a:p>
-        </p:txBody>
-      </p:sp>
-      <p:sp>
-        <p:nvSpPr>
-          <p:cNvPr id="320" name="TextBox 319">
-            <a:extLst>
-              <a:ext uri="{FF2B5EF4-FFF2-40B4-BE49-F238E27FC236}">
-                <a16:creationId xmlns:a16="http://schemas.microsoft.com/office/drawing/2014/main" id="{F85DEBB2-3A1F-0249-9356-B090080F70B9}"/>
+            <a:endParaRPr lang="en-US"/>
+          </a:p>
+        </p:txBody>
+      </p:sp>
+      <p:sp>
+        <p:nvSpPr>
+          <p:cNvPr id="359" name="TextBox 358">
+            <a:extLst>
+              <a:ext uri="{FF2B5EF4-FFF2-40B4-BE49-F238E27FC236}">
+                <a16:creationId xmlns:a16="http://schemas.microsoft.com/office/drawing/2014/main" id="{81F5E5E4-6C5E-B043-96C8-90B672A16DC2}"/>
               </a:ext>
             </a:extLst>
           </p:cNvPr>
@@ -13656,8 +14596,8 @@
         </p:nvSpPr>
         <p:spPr>
           <a:xfrm>
-            <a:off x="7808492" y="11921750"/>
-            <a:ext cx="295867" cy="300082"/>
+            <a:off x="8868056" y="5404983"/>
+            <a:ext cx="1794201" cy="646331"/>
           </a:xfrm>
           <a:prstGeom prst="rect">
             <a:avLst/>
@@ -13670,1323 +14610,13 @@
           </a:bodyPr>
           <a:lstStyle/>
           <a:p>
-            <a:r>
-              <a:rPr lang="en-US" sz="1350" dirty="0"/>
-              <a:t>1</a:t>
-            </a:r>
-          </a:p>
-        </p:txBody>
-      </p:sp>
-      <p:sp>
-        <p:nvSpPr>
-          <p:cNvPr id="321" name="TextBox 320">
-            <a:extLst>
-              <a:ext uri="{FF2B5EF4-FFF2-40B4-BE49-F238E27FC236}">
-                <a16:creationId xmlns:a16="http://schemas.microsoft.com/office/drawing/2014/main" id="{F7F766F0-9CED-2B41-B482-E8BDBB40BE74}"/>
-              </a:ext>
-            </a:extLst>
-          </p:cNvPr>
-          <p:cNvSpPr txBox="1"/>
-          <p:nvPr/>
-        </p:nvSpPr>
-        <p:spPr>
-          <a:xfrm>
-            <a:off x="4983992" y="12048129"/>
-            <a:ext cx="1236683" cy="300082"/>
-          </a:xfrm>
-          <a:prstGeom prst="rect">
-            <a:avLst/>
-          </a:prstGeom>
-          <a:ln/>
-        </p:spPr>
-        <p:style>
-          <a:lnRef idx="1">
-            <a:schemeClr val="accent6"/>
-          </a:lnRef>
-          <a:fillRef idx="2">
-            <a:schemeClr val="accent6"/>
-          </a:fillRef>
-          <a:effectRef idx="1">
-            <a:schemeClr val="accent6"/>
-          </a:effectRef>
-          <a:fontRef idx="minor">
-            <a:schemeClr val="dk1"/>
-          </a:fontRef>
-        </p:style>
-        <p:txBody>
-          <a:bodyPr wrap="square" rtlCol="0">
-            <a:spAutoFit/>
-          </a:bodyPr>
-          <a:lstStyle/>
-          <a:p>
-            <a:pPr algn="ctr"/>
-            <a:r>
-              <a:rPr lang="en-US" sz="1350" dirty="0" err="1"/>
-              <a:t>QPushButton</a:t>
-            </a:r>
-            <a:endParaRPr lang="en-US" sz="1350" dirty="0"/>
-          </a:p>
-        </p:txBody>
-      </p:sp>
-      <p:cxnSp>
-        <p:nvCxnSpPr>
-          <p:cNvPr id="322" name="Straight Connector 321">
-            <a:extLst>
-              <a:ext uri="{FF2B5EF4-FFF2-40B4-BE49-F238E27FC236}">
-                <a16:creationId xmlns:a16="http://schemas.microsoft.com/office/drawing/2014/main" id="{82FF74A4-8311-E844-A902-7644CC9DAE2C}"/>
-              </a:ext>
-            </a:extLst>
-          </p:cNvPr>
-          <p:cNvCxnSpPr>
-            <a:cxnSpLocks/>
-            <a:stCxn id="319" idx="1"/>
-            <a:endCxn id="321" idx="3"/>
-          </p:cNvCxnSpPr>
-          <p:nvPr/>
-        </p:nvCxnSpPr>
-        <p:spPr>
-          <a:xfrm flipH="1" flipV="1">
-            <a:off x="6220675" y="12198170"/>
-            <a:ext cx="361089" cy="379"/>
-          </a:xfrm>
-          <a:prstGeom prst="line">
-            <a:avLst/>
-          </a:prstGeom>
-        </p:spPr>
-        <p:style>
-          <a:lnRef idx="1">
-            <a:schemeClr val="dk1"/>
-          </a:lnRef>
-          <a:fillRef idx="0">
-            <a:schemeClr val="dk1"/>
-          </a:fillRef>
-          <a:effectRef idx="0">
-            <a:schemeClr val="dk1"/>
-          </a:effectRef>
-          <a:fontRef idx="minor">
-            <a:schemeClr val="tx1"/>
-          </a:fontRef>
-        </p:style>
-      </p:cxnSp>
-      <p:sp>
-        <p:nvSpPr>
-          <p:cNvPr id="323" name="Triangle 322">
-            <a:extLst>
-              <a:ext uri="{FF2B5EF4-FFF2-40B4-BE49-F238E27FC236}">
-                <a16:creationId xmlns:a16="http://schemas.microsoft.com/office/drawing/2014/main" id="{AF55D8E7-4F00-F14C-A143-9AC3968771F7}"/>
-              </a:ext>
-            </a:extLst>
-          </p:cNvPr>
-          <p:cNvSpPr/>
-          <p:nvPr/>
-        </p:nvSpPr>
-        <p:spPr>
-          <a:xfrm rot="16200000">
-            <a:off x="6211830" y="12145316"/>
-            <a:ext cx="115503" cy="93847"/>
-          </a:xfrm>
-          <a:prstGeom prst="triangle">
-            <a:avLst/>
-          </a:prstGeom>
-          <a:solidFill>
-            <a:schemeClr val="bg1"/>
-          </a:solidFill>
-          <a:ln w="6350">
-            <a:solidFill>
-              <a:schemeClr val="tx1"/>
-            </a:solidFill>
-          </a:ln>
-        </p:spPr>
-        <p:style>
-          <a:lnRef idx="2">
-            <a:schemeClr val="accent1">
-              <a:shade val="50000"/>
-            </a:schemeClr>
-          </a:lnRef>
-          <a:fillRef idx="1">
-            <a:schemeClr val="accent1"/>
-          </a:fillRef>
-          <a:effectRef idx="0">
-            <a:schemeClr val="accent1"/>
-          </a:effectRef>
-          <a:fontRef idx="minor">
-            <a:schemeClr val="lt1"/>
-          </a:fontRef>
-        </p:style>
-        <p:txBody>
-          <a:bodyPr rtlCol="0" anchor="ctr"/>
-          <a:lstStyle/>
-          <a:p>
-            <a:pPr algn="ctr"/>
-            <a:endParaRPr lang="en-US" sz="1350"/>
-          </a:p>
-        </p:txBody>
-      </p:sp>
-      <p:cxnSp>
-        <p:nvCxnSpPr>
-          <p:cNvPr id="324" name="Straight Connector 323">
-            <a:extLst>
-              <a:ext uri="{FF2B5EF4-FFF2-40B4-BE49-F238E27FC236}">
-                <a16:creationId xmlns:a16="http://schemas.microsoft.com/office/drawing/2014/main" id="{2B5BA275-3252-1947-9BA5-9C55D6701DF2}"/>
-              </a:ext>
-            </a:extLst>
-          </p:cNvPr>
-          <p:cNvCxnSpPr>
-            <a:cxnSpLocks/>
-          </p:cNvCxnSpPr>
-          <p:nvPr/>
-        </p:nvCxnSpPr>
-        <p:spPr>
-          <a:xfrm flipH="1">
-            <a:off x="7825752" y="12815540"/>
-            <a:ext cx="414259" cy="0"/>
-          </a:xfrm>
-          <a:prstGeom prst="line">
-            <a:avLst/>
-          </a:prstGeom>
-        </p:spPr>
-        <p:style>
-          <a:lnRef idx="1">
-            <a:schemeClr val="dk1"/>
-          </a:lnRef>
-          <a:fillRef idx="0">
-            <a:schemeClr val="dk1"/>
-          </a:fillRef>
-          <a:effectRef idx="0">
-            <a:schemeClr val="dk1"/>
-          </a:effectRef>
-          <a:fontRef idx="minor">
-            <a:schemeClr val="tx1"/>
-          </a:fontRef>
-        </p:style>
-      </p:cxnSp>
-      <p:sp>
-        <p:nvSpPr>
-          <p:cNvPr id="325" name="TextBox 324">
-            <a:extLst>
-              <a:ext uri="{FF2B5EF4-FFF2-40B4-BE49-F238E27FC236}">
-                <a16:creationId xmlns:a16="http://schemas.microsoft.com/office/drawing/2014/main" id="{62A2117F-FF64-1149-B128-8DE00D330460}"/>
-              </a:ext>
-            </a:extLst>
-          </p:cNvPr>
-          <p:cNvSpPr txBox="1"/>
-          <p:nvPr/>
-        </p:nvSpPr>
-        <p:spPr>
-          <a:xfrm>
-            <a:off x="7808493" y="12541983"/>
-            <a:ext cx="295867" cy="300082"/>
-          </a:xfrm>
-          <a:prstGeom prst="rect">
-            <a:avLst/>
-          </a:prstGeom>
-          <a:noFill/>
-        </p:spPr>
-        <p:txBody>
-          <a:bodyPr wrap="square" rtlCol="0">
-            <a:spAutoFit/>
-          </a:bodyPr>
-          <a:lstStyle/>
-          <a:p>
-            <a:r>
-              <a:rPr lang="en-US" sz="1350" dirty="0"/>
-              <a:t>1</a:t>
-            </a:r>
-          </a:p>
-        </p:txBody>
-      </p:sp>
-      <p:sp>
-        <p:nvSpPr>
-          <p:cNvPr id="326" name="TextBox 325">
-            <a:extLst>
-              <a:ext uri="{FF2B5EF4-FFF2-40B4-BE49-F238E27FC236}">
-                <a16:creationId xmlns:a16="http://schemas.microsoft.com/office/drawing/2014/main" id="{03FFBA2C-137A-5943-B995-2467D08FCB7A}"/>
-              </a:ext>
-            </a:extLst>
-          </p:cNvPr>
-          <p:cNvSpPr txBox="1"/>
-          <p:nvPr/>
-        </p:nvSpPr>
-        <p:spPr>
-          <a:xfrm>
-            <a:off x="6587080" y="12664069"/>
-            <a:ext cx="1236683" cy="300082"/>
-          </a:xfrm>
-          <a:prstGeom prst="rect">
-            <a:avLst/>
-          </a:prstGeom>
-          <a:ln/>
-        </p:spPr>
-        <p:style>
-          <a:lnRef idx="1">
-            <a:schemeClr val="accent6"/>
-          </a:lnRef>
-          <a:fillRef idx="2">
-            <a:schemeClr val="accent6"/>
-          </a:fillRef>
-          <a:effectRef idx="1">
-            <a:schemeClr val="accent6"/>
-          </a:effectRef>
-          <a:fontRef idx="minor">
-            <a:schemeClr val="dk1"/>
-          </a:fontRef>
-        </p:style>
-        <p:txBody>
-          <a:bodyPr wrap="square" rtlCol="0">
-            <a:spAutoFit/>
-          </a:bodyPr>
-          <a:lstStyle/>
-          <a:p>
-            <a:pPr algn="ctr"/>
-            <a:r>
-              <a:rPr lang="en-US" sz="1350" dirty="0" err="1"/>
-              <a:t>QButtonGroup</a:t>
-            </a:r>
-            <a:endParaRPr lang="en-US" sz="1350" dirty="0"/>
-          </a:p>
-        </p:txBody>
-      </p:sp>
-      <p:sp>
-        <p:nvSpPr>
-          <p:cNvPr id="327" name="Rectangle 326">
-            <a:extLst>
-              <a:ext uri="{FF2B5EF4-FFF2-40B4-BE49-F238E27FC236}">
-                <a16:creationId xmlns:a16="http://schemas.microsoft.com/office/drawing/2014/main" id="{6B4427F0-60CA-374A-B3BD-A86A509491F7}"/>
-              </a:ext>
-            </a:extLst>
-          </p:cNvPr>
-          <p:cNvSpPr/>
-          <p:nvPr/>
-        </p:nvSpPr>
-        <p:spPr>
-          <a:xfrm rot="2668524">
-            <a:off x="6095154" y="12770984"/>
-            <a:ext cx="94499" cy="94499"/>
-          </a:xfrm>
-          <a:prstGeom prst="rect">
-            <a:avLst/>
-          </a:prstGeom>
-        </p:spPr>
-        <p:style>
-          <a:lnRef idx="2">
-            <a:schemeClr val="dk1">
-              <a:shade val="50000"/>
-            </a:schemeClr>
-          </a:lnRef>
-          <a:fillRef idx="1">
-            <a:schemeClr val="dk1"/>
-          </a:fillRef>
-          <a:effectRef idx="0">
-            <a:schemeClr val="dk1"/>
-          </a:effectRef>
-          <a:fontRef idx="minor">
-            <a:schemeClr val="lt1"/>
-          </a:fontRef>
-        </p:style>
-        <p:txBody>
-          <a:bodyPr rtlCol="0" anchor="ctr"/>
-          <a:lstStyle/>
-          <a:p>
-            <a:pPr algn="ctr"/>
-            <a:endParaRPr lang="en-US" sz="1350"/>
-          </a:p>
-        </p:txBody>
-      </p:sp>
-      <p:sp>
-        <p:nvSpPr>
-          <p:cNvPr id="328" name="TextBox 327">
-            <a:extLst>
-              <a:ext uri="{FF2B5EF4-FFF2-40B4-BE49-F238E27FC236}">
-                <a16:creationId xmlns:a16="http://schemas.microsoft.com/office/drawing/2014/main" id="{DA226B23-4480-CA4F-ADFA-54C0DE82C154}"/>
-              </a:ext>
-            </a:extLst>
-          </p:cNvPr>
-          <p:cNvSpPr txBox="1"/>
-          <p:nvPr/>
-        </p:nvSpPr>
-        <p:spPr>
-          <a:xfrm>
-            <a:off x="4822110" y="12665260"/>
-            <a:ext cx="1236683" cy="300082"/>
-          </a:xfrm>
-          <a:prstGeom prst="rect">
-            <a:avLst/>
-          </a:prstGeom>
-          <a:ln/>
-        </p:spPr>
-        <p:style>
-          <a:lnRef idx="1">
-            <a:schemeClr val="accent6"/>
-          </a:lnRef>
-          <a:fillRef idx="2">
-            <a:schemeClr val="accent6"/>
-          </a:fillRef>
-          <a:effectRef idx="1">
-            <a:schemeClr val="accent6"/>
-          </a:effectRef>
-          <a:fontRef idx="minor">
-            <a:schemeClr val="dk1"/>
-          </a:fontRef>
-        </p:style>
-        <p:txBody>
-          <a:bodyPr wrap="square" rtlCol="0">
-            <a:spAutoFit/>
-          </a:bodyPr>
-          <a:lstStyle/>
-          <a:p>
-            <a:pPr algn="ctr"/>
-            <a:r>
-              <a:rPr lang="en-US" sz="1350" dirty="0" err="1"/>
-              <a:t>QRadioButton</a:t>
-            </a:r>
-            <a:endParaRPr lang="en-US" sz="1350" dirty="0"/>
-          </a:p>
-        </p:txBody>
-      </p:sp>
-      <p:cxnSp>
-        <p:nvCxnSpPr>
-          <p:cNvPr id="329" name="Straight Connector 328">
-            <a:extLst>
-              <a:ext uri="{FF2B5EF4-FFF2-40B4-BE49-F238E27FC236}">
-                <a16:creationId xmlns:a16="http://schemas.microsoft.com/office/drawing/2014/main" id="{1B3C221C-FC1D-A54A-87B4-EF7F14999E7F}"/>
-              </a:ext>
-            </a:extLst>
-          </p:cNvPr>
-          <p:cNvCxnSpPr>
-            <a:cxnSpLocks/>
-            <a:stCxn id="326" idx="1"/>
-            <a:endCxn id="328" idx="3"/>
-          </p:cNvCxnSpPr>
-          <p:nvPr/>
-        </p:nvCxnSpPr>
-        <p:spPr>
-          <a:xfrm flipH="1">
-            <a:off x="6058793" y="12814110"/>
-            <a:ext cx="528287" cy="1191"/>
-          </a:xfrm>
-          <a:prstGeom prst="line">
-            <a:avLst/>
-          </a:prstGeom>
-        </p:spPr>
-        <p:style>
-          <a:lnRef idx="1">
-            <a:schemeClr val="dk1"/>
-          </a:lnRef>
-          <a:fillRef idx="0">
-            <a:schemeClr val="dk1"/>
-          </a:fillRef>
-          <a:effectRef idx="0">
-            <a:schemeClr val="dk1"/>
-          </a:effectRef>
-          <a:fontRef idx="minor">
-            <a:schemeClr val="tx1"/>
-          </a:fontRef>
-        </p:style>
-      </p:cxnSp>
-      <p:sp>
-        <p:nvSpPr>
-          <p:cNvPr id="330" name="TextBox 329">
-            <a:extLst>
-              <a:ext uri="{FF2B5EF4-FFF2-40B4-BE49-F238E27FC236}">
-                <a16:creationId xmlns:a16="http://schemas.microsoft.com/office/drawing/2014/main" id="{E55BAD05-2802-6545-93DD-0A29E3CE554C}"/>
-              </a:ext>
-            </a:extLst>
-          </p:cNvPr>
-          <p:cNvSpPr txBox="1"/>
-          <p:nvPr/>
-        </p:nvSpPr>
-        <p:spPr>
-          <a:xfrm>
-            <a:off x="6142027" y="12555377"/>
-            <a:ext cx="606214" cy="300082"/>
-          </a:xfrm>
-          <a:prstGeom prst="rect">
-            <a:avLst/>
-          </a:prstGeom>
-          <a:noFill/>
-        </p:spPr>
-        <p:txBody>
-          <a:bodyPr wrap="square" rtlCol="0">
-            <a:spAutoFit/>
-          </a:bodyPr>
-          <a:lstStyle/>
-          <a:p>
-            <a:r>
-              <a:rPr lang="en-US" sz="1350" dirty="0"/>
-              <a:t>1..n</a:t>
-            </a:r>
-          </a:p>
-        </p:txBody>
-      </p:sp>
-      <p:sp>
-        <p:nvSpPr>
-          <p:cNvPr id="312" name="Rectangle 311">
-            <a:extLst>
-              <a:ext uri="{FF2B5EF4-FFF2-40B4-BE49-F238E27FC236}">
-                <a16:creationId xmlns:a16="http://schemas.microsoft.com/office/drawing/2014/main" id="{CDB60282-E521-7F40-9EFF-434B3D2B60C3}"/>
-              </a:ext>
-            </a:extLst>
-          </p:cNvPr>
-          <p:cNvSpPr/>
-          <p:nvPr/>
-        </p:nvSpPr>
-        <p:spPr>
-          <a:xfrm rot="2668524">
-            <a:off x="4256422" y="9594453"/>
-            <a:ext cx="94499" cy="94499"/>
-          </a:xfrm>
-          <a:prstGeom prst="rect">
-            <a:avLst/>
-          </a:prstGeom>
-        </p:spPr>
-        <p:style>
-          <a:lnRef idx="2">
-            <a:schemeClr val="dk1">
-              <a:shade val="50000"/>
-            </a:schemeClr>
-          </a:lnRef>
-          <a:fillRef idx="1">
-            <a:schemeClr val="dk1"/>
-          </a:fillRef>
-          <a:effectRef idx="0">
-            <a:schemeClr val="dk1"/>
-          </a:effectRef>
-          <a:fontRef idx="minor">
-            <a:schemeClr val="lt1"/>
-          </a:fontRef>
-        </p:style>
-        <p:txBody>
-          <a:bodyPr rtlCol="0" anchor="ctr"/>
-          <a:lstStyle/>
-          <a:p>
-            <a:pPr algn="ctr"/>
-            <a:endParaRPr lang="en-US" sz="1350"/>
-          </a:p>
-        </p:txBody>
-      </p:sp>
-      <p:cxnSp>
-        <p:nvCxnSpPr>
-          <p:cNvPr id="331" name="Straight Connector 330">
-            <a:extLst>
-              <a:ext uri="{FF2B5EF4-FFF2-40B4-BE49-F238E27FC236}">
-                <a16:creationId xmlns:a16="http://schemas.microsoft.com/office/drawing/2014/main" id="{ACC84402-FA6A-3741-A158-188E67280F91}"/>
-              </a:ext>
-            </a:extLst>
-          </p:cNvPr>
-          <p:cNvCxnSpPr>
-            <a:cxnSpLocks/>
-          </p:cNvCxnSpPr>
-          <p:nvPr/>
-        </p:nvCxnSpPr>
-        <p:spPr>
-          <a:xfrm flipH="1">
-            <a:off x="4299939" y="9375259"/>
-            <a:ext cx="1821" cy="338660"/>
-          </a:xfrm>
-          <a:prstGeom prst="line">
-            <a:avLst/>
-          </a:prstGeom>
-        </p:spPr>
-        <p:style>
-          <a:lnRef idx="1">
-            <a:schemeClr val="dk1"/>
-          </a:lnRef>
-          <a:fillRef idx="0">
-            <a:schemeClr val="dk1"/>
-          </a:fillRef>
-          <a:effectRef idx="0">
-            <a:schemeClr val="dk1"/>
-          </a:effectRef>
-          <a:fontRef idx="minor">
-            <a:schemeClr val="tx1"/>
-          </a:fontRef>
-        </p:style>
-      </p:cxnSp>
-      <p:sp>
-        <p:nvSpPr>
-          <p:cNvPr id="332" name="TextBox 331">
-            <a:extLst>
-              <a:ext uri="{FF2B5EF4-FFF2-40B4-BE49-F238E27FC236}">
-                <a16:creationId xmlns:a16="http://schemas.microsoft.com/office/drawing/2014/main" id="{D43B80C4-C356-2842-B911-D6A1028B8A9F}"/>
-              </a:ext>
-            </a:extLst>
-          </p:cNvPr>
-          <p:cNvSpPr txBox="1"/>
-          <p:nvPr/>
-        </p:nvSpPr>
-        <p:spPr>
-          <a:xfrm>
-            <a:off x="4085155" y="9340107"/>
-            <a:ext cx="256654" cy="300082"/>
-          </a:xfrm>
-          <a:prstGeom prst="rect">
-            <a:avLst/>
-          </a:prstGeom>
-          <a:noFill/>
-        </p:spPr>
-        <p:txBody>
-          <a:bodyPr wrap="square" rtlCol="0">
-            <a:spAutoFit/>
-          </a:bodyPr>
-          <a:lstStyle/>
-          <a:p>
-            <a:r>
-              <a:rPr lang="en-US" sz="1350" dirty="0"/>
-              <a:t>1</a:t>
-            </a:r>
-          </a:p>
-        </p:txBody>
-      </p:sp>
-      <p:sp>
-        <p:nvSpPr>
-          <p:cNvPr id="333" name="Rectangle 332">
-            <a:extLst>
-              <a:ext uri="{FF2B5EF4-FFF2-40B4-BE49-F238E27FC236}">
-                <a16:creationId xmlns:a16="http://schemas.microsoft.com/office/drawing/2014/main" id="{14E6C0FF-0872-1A45-A74A-F3D87BF979DB}"/>
-              </a:ext>
-            </a:extLst>
-          </p:cNvPr>
-          <p:cNvSpPr/>
-          <p:nvPr/>
-        </p:nvSpPr>
-        <p:spPr>
-          <a:xfrm rot="2668524">
-            <a:off x="4251425" y="7476796"/>
-            <a:ext cx="94499" cy="94499"/>
-          </a:xfrm>
-          <a:prstGeom prst="rect">
-            <a:avLst/>
-          </a:prstGeom>
-        </p:spPr>
-        <p:style>
-          <a:lnRef idx="2">
-            <a:schemeClr val="dk1">
-              <a:shade val="50000"/>
-            </a:schemeClr>
-          </a:lnRef>
-          <a:fillRef idx="1">
-            <a:schemeClr val="dk1"/>
-          </a:fillRef>
-          <a:effectRef idx="0">
-            <a:schemeClr val="dk1"/>
-          </a:effectRef>
-          <a:fontRef idx="minor">
-            <a:schemeClr val="lt1"/>
-          </a:fontRef>
-        </p:style>
-        <p:txBody>
-          <a:bodyPr rtlCol="0" anchor="ctr"/>
-          <a:lstStyle/>
-          <a:p>
-            <a:pPr algn="ctr"/>
-            <a:endParaRPr lang="en-US" sz="1350"/>
-          </a:p>
-        </p:txBody>
-      </p:sp>
-      <p:cxnSp>
-        <p:nvCxnSpPr>
-          <p:cNvPr id="334" name="Straight Connector 333">
-            <a:extLst>
-              <a:ext uri="{FF2B5EF4-FFF2-40B4-BE49-F238E27FC236}">
-                <a16:creationId xmlns:a16="http://schemas.microsoft.com/office/drawing/2014/main" id="{2D01BA9F-7A66-8A4F-A4C8-F98B79664CAE}"/>
-              </a:ext>
-            </a:extLst>
-          </p:cNvPr>
-          <p:cNvCxnSpPr>
-            <a:cxnSpLocks/>
-            <a:stCxn id="225" idx="2"/>
-            <a:endCxn id="226" idx="0"/>
-          </p:cNvCxnSpPr>
-          <p:nvPr/>
-        </p:nvCxnSpPr>
-        <p:spPr>
-          <a:xfrm>
-            <a:off x="4298834" y="7235044"/>
-            <a:ext cx="1550" cy="364635"/>
-          </a:xfrm>
-          <a:prstGeom prst="line">
-            <a:avLst/>
-          </a:prstGeom>
-        </p:spPr>
-        <p:style>
-          <a:lnRef idx="1">
-            <a:schemeClr val="dk1"/>
-          </a:lnRef>
-          <a:fillRef idx="0">
-            <a:schemeClr val="dk1"/>
-          </a:fillRef>
-          <a:effectRef idx="0">
-            <a:schemeClr val="dk1"/>
-          </a:effectRef>
-          <a:fontRef idx="minor">
-            <a:schemeClr val="tx1"/>
-          </a:fontRef>
-        </p:style>
-      </p:cxnSp>
-      <p:sp>
-        <p:nvSpPr>
-          <p:cNvPr id="335" name="TextBox 334">
-            <a:extLst>
-              <a:ext uri="{FF2B5EF4-FFF2-40B4-BE49-F238E27FC236}">
-                <a16:creationId xmlns:a16="http://schemas.microsoft.com/office/drawing/2014/main" id="{E7F7CF78-D0EF-144D-B6B1-4137A2AD0130}"/>
-              </a:ext>
-            </a:extLst>
-          </p:cNvPr>
-          <p:cNvSpPr txBox="1"/>
-          <p:nvPr/>
-        </p:nvSpPr>
-        <p:spPr>
-          <a:xfrm>
-            <a:off x="4077660" y="7189053"/>
-            <a:ext cx="256654" cy="300082"/>
-          </a:xfrm>
-          <a:prstGeom prst="rect">
-            <a:avLst/>
-          </a:prstGeom>
-          <a:noFill/>
-        </p:spPr>
-        <p:txBody>
-          <a:bodyPr wrap="square" rtlCol="0">
-            <a:spAutoFit/>
-          </a:bodyPr>
-          <a:lstStyle/>
-          <a:p>
-            <a:r>
-              <a:rPr lang="en-US" sz="1350" dirty="0"/>
-              <a:t>1</a:t>
-            </a:r>
-          </a:p>
-        </p:txBody>
-      </p:sp>
-      <p:sp>
-        <p:nvSpPr>
-          <p:cNvPr id="336" name="Rectangle 335">
-            <a:extLst>
-              <a:ext uri="{FF2B5EF4-FFF2-40B4-BE49-F238E27FC236}">
-                <a16:creationId xmlns:a16="http://schemas.microsoft.com/office/drawing/2014/main" id="{5588C50D-7529-8345-BED1-99E3DAA3B728}"/>
-              </a:ext>
-            </a:extLst>
-          </p:cNvPr>
-          <p:cNvSpPr/>
-          <p:nvPr/>
-        </p:nvSpPr>
-        <p:spPr>
-          <a:xfrm rot="2668524">
-            <a:off x="4244242" y="5354607"/>
-            <a:ext cx="94499" cy="94499"/>
-          </a:xfrm>
-          <a:prstGeom prst="rect">
-            <a:avLst/>
-          </a:prstGeom>
-        </p:spPr>
-        <p:style>
-          <a:lnRef idx="2">
-            <a:schemeClr val="dk1">
-              <a:shade val="50000"/>
-            </a:schemeClr>
-          </a:lnRef>
-          <a:fillRef idx="1">
-            <a:schemeClr val="dk1"/>
-          </a:fillRef>
-          <a:effectRef idx="0">
-            <a:schemeClr val="dk1"/>
-          </a:effectRef>
-          <a:fontRef idx="minor">
-            <a:schemeClr val="lt1"/>
-          </a:fontRef>
-        </p:style>
-        <p:txBody>
-          <a:bodyPr rtlCol="0" anchor="ctr"/>
-          <a:lstStyle/>
-          <a:p>
-            <a:pPr algn="ctr"/>
-            <a:endParaRPr lang="en-US" sz="1350"/>
-          </a:p>
-        </p:txBody>
-      </p:sp>
-      <p:cxnSp>
-        <p:nvCxnSpPr>
-          <p:cNvPr id="337" name="Straight Connector 336">
-            <a:extLst>
-              <a:ext uri="{FF2B5EF4-FFF2-40B4-BE49-F238E27FC236}">
-                <a16:creationId xmlns:a16="http://schemas.microsoft.com/office/drawing/2014/main" id="{4B11FC70-8825-8F4C-B016-D4B2D3D8177E}"/>
-              </a:ext>
-            </a:extLst>
-          </p:cNvPr>
-          <p:cNvCxnSpPr>
-            <a:cxnSpLocks/>
-          </p:cNvCxnSpPr>
-          <p:nvPr/>
-        </p:nvCxnSpPr>
-        <p:spPr>
-          <a:xfrm>
-            <a:off x="4291651" y="5112855"/>
-            <a:ext cx="1550" cy="364635"/>
-          </a:xfrm>
-          <a:prstGeom prst="line">
-            <a:avLst/>
-          </a:prstGeom>
-        </p:spPr>
-        <p:style>
-          <a:lnRef idx="1">
-            <a:schemeClr val="dk1"/>
-          </a:lnRef>
-          <a:fillRef idx="0">
-            <a:schemeClr val="dk1"/>
-          </a:fillRef>
-          <a:effectRef idx="0">
-            <a:schemeClr val="dk1"/>
-          </a:effectRef>
-          <a:fontRef idx="minor">
-            <a:schemeClr val="tx1"/>
-          </a:fontRef>
-        </p:style>
-      </p:cxnSp>
-      <p:sp>
-        <p:nvSpPr>
-          <p:cNvPr id="338" name="TextBox 337">
-            <a:extLst>
-              <a:ext uri="{FF2B5EF4-FFF2-40B4-BE49-F238E27FC236}">
-                <a16:creationId xmlns:a16="http://schemas.microsoft.com/office/drawing/2014/main" id="{3A8F00A8-ECC6-9647-A465-72BFA5770CF6}"/>
-              </a:ext>
-            </a:extLst>
-          </p:cNvPr>
-          <p:cNvSpPr txBox="1"/>
-          <p:nvPr/>
-        </p:nvSpPr>
-        <p:spPr>
-          <a:xfrm>
-            <a:off x="4070477" y="5066864"/>
-            <a:ext cx="256654" cy="300082"/>
-          </a:xfrm>
-          <a:prstGeom prst="rect">
-            <a:avLst/>
-          </a:prstGeom>
-          <a:noFill/>
-        </p:spPr>
-        <p:txBody>
-          <a:bodyPr wrap="square" rtlCol="0">
-            <a:spAutoFit/>
-          </a:bodyPr>
-          <a:lstStyle/>
-          <a:p>
-            <a:r>
-              <a:rPr lang="en-US" sz="1350" dirty="0"/>
-              <a:t>1</a:t>
-            </a:r>
-          </a:p>
-        </p:txBody>
-      </p:sp>
-      <p:sp>
-        <p:nvSpPr>
-          <p:cNvPr id="339" name="TextBox 338">
-            <a:extLst>
-              <a:ext uri="{FF2B5EF4-FFF2-40B4-BE49-F238E27FC236}">
-                <a16:creationId xmlns:a16="http://schemas.microsoft.com/office/drawing/2014/main" id="{604D59DB-8FA6-524C-9B93-EBDB9E772341}"/>
-              </a:ext>
-            </a:extLst>
-          </p:cNvPr>
-          <p:cNvSpPr txBox="1"/>
-          <p:nvPr/>
-        </p:nvSpPr>
-        <p:spPr>
-          <a:xfrm>
-            <a:off x="9544535" y="11138852"/>
-            <a:ext cx="285492" cy="300082"/>
-          </a:xfrm>
-          <a:prstGeom prst="rect">
-            <a:avLst/>
-          </a:prstGeom>
-          <a:noFill/>
-        </p:spPr>
-        <p:txBody>
-          <a:bodyPr wrap="square" rtlCol="0">
-            <a:spAutoFit/>
-          </a:bodyPr>
-          <a:lstStyle/>
-          <a:p>
-            <a:r>
-              <a:rPr lang="en-US" sz="1350" dirty="0"/>
-              <a:t>1</a:t>
-            </a:r>
-          </a:p>
-        </p:txBody>
-      </p:sp>
-      <p:sp>
-        <p:nvSpPr>
-          <p:cNvPr id="340" name="TextBox 339">
-            <a:extLst>
-              <a:ext uri="{FF2B5EF4-FFF2-40B4-BE49-F238E27FC236}">
-                <a16:creationId xmlns:a16="http://schemas.microsoft.com/office/drawing/2014/main" id="{2C24547B-48C9-D341-8EBA-EA2EB127FDF5}"/>
-              </a:ext>
-            </a:extLst>
-          </p:cNvPr>
-          <p:cNvSpPr txBox="1"/>
-          <p:nvPr/>
-        </p:nvSpPr>
-        <p:spPr>
-          <a:xfrm>
-            <a:off x="9548651" y="11653719"/>
-            <a:ext cx="285492" cy="300082"/>
-          </a:xfrm>
-          <a:prstGeom prst="rect">
-            <a:avLst/>
-          </a:prstGeom>
-          <a:noFill/>
-        </p:spPr>
-        <p:txBody>
-          <a:bodyPr wrap="square" rtlCol="0">
-            <a:spAutoFit/>
-          </a:bodyPr>
-          <a:lstStyle/>
-          <a:p>
-            <a:r>
-              <a:rPr lang="en-US" sz="1350" dirty="0"/>
-              <a:t>1</a:t>
-            </a:r>
-          </a:p>
-        </p:txBody>
-      </p:sp>
-      <p:sp>
-        <p:nvSpPr>
-          <p:cNvPr id="341" name="TextBox 340">
-            <a:extLst>
-              <a:ext uri="{FF2B5EF4-FFF2-40B4-BE49-F238E27FC236}">
-                <a16:creationId xmlns:a16="http://schemas.microsoft.com/office/drawing/2014/main" id="{F7CA3F12-158F-5345-A1AE-FA6551FD20D2}"/>
-              </a:ext>
-            </a:extLst>
-          </p:cNvPr>
-          <p:cNvSpPr txBox="1"/>
-          <p:nvPr/>
-        </p:nvSpPr>
-        <p:spPr>
-          <a:xfrm>
-            <a:off x="9552767" y="12176826"/>
-            <a:ext cx="285492" cy="300082"/>
-          </a:xfrm>
-          <a:prstGeom prst="rect">
-            <a:avLst/>
-          </a:prstGeom>
-          <a:noFill/>
-        </p:spPr>
-        <p:txBody>
-          <a:bodyPr wrap="square" rtlCol="0">
-            <a:spAutoFit/>
-          </a:bodyPr>
-          <a:lstStyle/>
-          <a:p>
-            <a:r>
-              <a:rPr lang="en-US" sz="1350" dirty="0"/>
-              <a:t>1</a:t>
-            </a:r>
-          </a:p>
-        </p:txBody>
-      </p:sp>
-      <p:sp>
-        <p:nvSpPr>
-          <p:cNvPr id="342" name="TextBox 341">
-            <a:extLst>
-              <a:ext uri="{FF2B5EF4-FFF2-40B4-BE49-F238E27FC236}">
-                <a16:creationId xmlns:a16="http://schemas.microsoft.com/office/drawing/2014/main" id="{12B21693-4F9D-3348-BC5F-AC7405F5A6C6}"/>
-              </a:ext>
-            </a:extLst>
-          </p:cNvPr>
-          <p:cNvSpPr txBox="1"/>
-          <p:nvPr/>
-        </p:nvSpPr>
-        <p:spPr>
-          <a:xfrm>
-            <a:off x="9556883" y="12699929"/>
-            <a:ext cx="285492" cy="300082"/>
-          </a:xfrm>
-          <a:prstGeom prst="rect">
-            <a:avLst/>
-          </a:prstGeom>
-          <a:noFill/>
-        </p:spPr>
-        <p:txBody>
-          <a:bodyPr wrap="square" rtlCol="0">
-            <a:spAutoFit/>
-          </a:bodyPr>
-          <a:lstStyle/>
-          <a:p>
-            <a:r>
-              <a:rPr lang="en-US" sz="1350" dirty="0"/>
-              <a:t>1</a:t>
-            </a:r>
-          </a:p>
-        </p:txBody>
-      </p:sp>
-      <p:sp>
-        <p:nvSpPr>
-          <p:cNvPr id="343" name="Rectangle 342">
-            <a:extLst>
-              <a:ext uri="{FF2B5EF4-FFF2-40B4-BE49-F238E27FC236}">
-                <a16:creationId xmlns:a16="http://schemas.microsoft.com/office/drawing/2014/main" id="{04975C9E-C3C3-D249-BD9F-1E193C301617}"/>
-              </a:ext>
-            </a:extLst>
-          </p:cNvPr>
-          <p:cNvSpPr/>
-          <p:nvPr/>
-        </p:nvSpPr>
-        <p:spPr>
-          <a:xfrm rot="2668524">
-            <a:off x="1510683" y="794084"/>
-            <a:ext cx="94499" cy="94499"/>
-          </a:xfrm>
-          <a:prstGeom prst="rect">
-            <a:avLst/>
-          </a:prstGeom>
-        </p:spPr>
-        <p:style>
-          <a:lnRef idx="2">
-            <a:schemeClr val="dk1">
-              <a:shade val="50000"/>
-            </a:schemeClr>
-          </a:lnRef>
-          <a:fillRef idx="1">
-            <a:schemeClr val="dk1"/>
-          </a:fillRef>
-          <a:effectRef idx="0">
-            <a:schemeClr val="dk1"/>
-          </a:effectRef>
-          <a:fontRef idx="minor">
-            <a:schemeClr val="lt1"/>
-          </a:fontRef>
-        </p:style>
-        <p:txBody>
-          <a:bodyPr rtlCol="0" anchor="ctr"/>
-          <a:lstStyle/>
-          <a:p>
-            <a:pPr algn="ctr"/>
-            <a:endParaRPr lang="en-US" sz="1350"/>
-          </a:p>
-        </p:txBody>
-      </p:sp>
-      <p:cxnSp>
-        <p:nvCxnSpPr>
-          <p:cNvPr id="344" name="Straight Connector 343">
-            <a:extLst>
-              <a:ext uri="{FF2B5EF4-FFF2-40B4-BE49-F238E27FC236}">
-                <a16:creationId xmlns:a16="http://schemas.microsoft.com/office/drawing/2014/main" id="{A5ED1655-2ACD-3549-A212-FB210C1F445F}"/>
-              </a:ext>
-            </a:extLst>
-          </p:cNvPr>
-          <p:cNvCxnSpPr>
-            <a:cxnSpLocks/>
-          </p:cNvCxnSpPr>
-          <p:nvPr/>
-        </p:nvCxnSpPr>
-        <p:spPr>
-          <a:xfrm>
-            <a:off x="1558092" y="552332"/>
-            <a:ext cx="1550" cy="364635"/>
-          </a:xfrm>
-          <a:prstGeom prst="line">
-            <a:avLst/>
-          </a:prstGeom>
-        </p:spPr>
-        <p:style>
-          <a:lnRef idx="1">
-            <a:schemeClr val="dk1"/>
-          </a:lnRef>
-          <a:fillRef idx="0">
-            <a:schemeClr val="dk1"/>
-          </a:fillRef>
-          <a:effectRef idx="0">
-            <a:schemeClr val="dk1"/>
-          </a:effectRef>
-          <a:fontRef idx="minor">
-            <a:schemeClr val="tx1"/>
-          </a:fontRef>
-        </p:style>
-      </p:cxnSp>
-      <p:sp>
-        <p:nvSpPr>
-          <p:cNvPr id="345" name="TextBox 344">
-            <a:extLst>
-              <a:ext uri="{FF2B5EF4-FFF2-40B4-BE49-F238E27FC236}">
-                <a16:creationId xmlns:a16="http://schemas.microsoft.com/office/drawing/2014/main" id="{D09CED9B-BB8C-CA45-B0A2-80849FBAEAE5}"/>
-              </a:ext>
-            </a:extLst>
-          </p:cNvPr>
-          <p:cNvSpPr txBox="1"/>
-          <p:nvPr/>
-        </p:nvSpPr>
-        <p:spPr>
-          <a:xfrm>
-            <a:off x="1336918" y="506341"/>
-            <a:ext cx="256654" cy="300082"/>
-          </a:xfrm>
-          <a:prstGeom prst="rect">
-            <a:avLst/>
-          </a:prstGeom>
-          <a:noFill/>
-        </p:spPr>
-        <p:txBody>
-          <a:bodyPr wrap="square" rtlCol="0">
-            <a:spAutoFit/>
-          </a:bodyPr>
-          <a:lstStyle/>
-          <a:p>
-            <a:r>
-              <a:rPr lang="en-US" sz="1350" dirty="0"/>
-              <a:t>1</a:t>
-            </a:r>
-          </a:p>
-        </p:txBody>
-      </p:sp>
-      <p:sp>
-        <p:nvSpPr>
-          <p:cNvPr id="2" name="Oval 1">
-            <a:extLst>
-              <a:ext uri="{FF2B5EF4-FFF2-40B4-BE49-F238E27FC236}">
-                <a16:creationId xmlns:a16="http://schemas.microsoft.com/office/drawing/2014/main" id="{A7C61560-8A4A-1841-A7BF-2BD1D2DF1B21}"/>
-              </a:ext>
-            </a:extLst>
-          </p:cNvPr>
-          <p:cNvSpPr/>
-          <p:nvPr/>
-        </p:nvSpPr>
-        <p:spPr>
-          <a:xfrm>
-            <a:off x="3002991" y="454782"/>
-            <a:ext cx="2947178" cy="2006050"/>
-          </a:xfrm>
-          <a:prstGeom prst="ellipse">
-            <a:avLst/>
-          </a:prstGeom>
-          <a:noFill/>
-          <a:ln>
-            <a:prstDash val="dash"/>
-          </a:ln>
-        </p:spPr>
-        <p:style>
-          <a:lnRef idx="2">
-            <a:schemeClr val="accent2"/>
-          </a:lnRef>
-          <a:fillRef idx="1">
-            <a:schemeClr val="lt1"/>
-          </a:fillRef>
-          <a:effectRef idx="0">
-            <a:schemeClr val="accent2"/>
-          </a:effectRef>
-          <a:fontRef idx="minor">
-            <a:schemeClr val="dk1"/>
-          </a:fontRef>
-        </p:style>
-        <p:txBody>
-          <a:bodyPr rtlCol="0" anchor="ctr"/>
-          <a:lstStyle/>
-          <a:p>
-            <a:pPr algn="ctr"/>
-            <a:endParaRPr lang="en-US"/>
-          </a:p>
-        </p:txBody>
-      </p:sp>
-      <p:sp>
-        <p:nvSpPr>
-          <p:cNvPr id="3" name="Left Brace 2">
-            <a:extLst>
-              <a:ext uri="{FF2B5EF4-FFF2-40B4-BE49-F238E27FC236}">
-                <a16:creationId xmlns:a16="http://schemas.microsoft.com/office/drawing/2014/main" id="{EAD1651A-DB8B-1D4A-8E9A-B6788429F194}"/>
-              </a:ext>
-            </a:extLst>
-          </p:cNvPr>
-          <p:cNvSpPr/>
-          <p:nvPr/>
-        </p:nvSpPr>
-        <p:spPr>
-          <a:xfrm>
-            <a:off x="1662994" y="2812231"/>
-            <a:ext cx="326588" cy="9039110"/>
-          </a:xfrm>
-          <a:prstGeom prst="leftBrace">
-            <a:avLst/>
-          </a:prstGeom>
-        </p:spPr>
-        <p:style>
-          <a:lnRef idx="1">
-            <a:schemeClr val="accent2"/>
-          </a:lnRef>
-          <a:fillRef idx="0">
-            <a:schemeClr val="accent2"/>
-          </a:fillRef>
-          <a:effectRef idx="0">
-            <a:schemeClr val="accent2"/>
-          </a:effectRef>
-          <a:fontRef idx="minor">
-            <a:schemeClr val="tx1"/>
-          </a:fontRef>
-        </p:style>
-        <p:txBody>
-          <a:bodyPr rtlCol="0" anchor="ctr"/>
-          <a:lstStyle/>
-          <a:p>
-            <a:pPr algn="ctr"/>
-            <a:endParaRPr lang="en-US"/>
-          </a:p>
-        </p:txBody>
-      </p:sp>
-      <p:sp>
-        <p:nvSpPr>
-          <p:cNvPr id="5" name="TextBox 4">
-            <a:extLst>
-              <a:ext uri="{FF2B5EF4-FFF2-40B4-BE49-F238E27FC236}">
-                <a16:creationId xmlns:a16="http://schemas.microsoft.com/office/drawing/2014/main" id="{CD026D6D-38C1-A749-A561-A0781EE27F03}"/>
-              </a:ext>
-            </a:extLst>
-          </p:cNvPr>
-          <p:cNvSpPr txBox="1"/>
-          <p:nvPr/>
-        </p:nvSpPr>
-        <p:spPr>
-          <a:xfrm>
-            <a:off x="-261510" y="6941234"/>
-            <a:ext cx="1895089" cy="646331"/>
-          </a:xfrm>
-          <a:prstGeom prst="rect">
-            <a:avLst/>
-          </a:prstGeom>
-          <a:noFill/>
-        </p:spPr>
-        <p:txBody>
-          <a:bodyPr wrap="square" rtlCol="0">
-            <a:spAutoFit/>
-          </a:bodyPr>
-          <a:lstStyle/>
-          <a:p>
-            <a:pPr algn="r"/>
             <a:r>
               <a:rPr lang="en-US" dirty="0">
                 <a:solidFill>
                   <a:schemeClr val="accent2"/>
                 </a:solidFill>
               </a:rPr>
-              <a:t>Tools for fast navigation</a:t>
-            </a:r>
-          </a:p>
-        </p:txBody>
-      </p:sp>
-      <p:sp>
-        <p:nvSpPr>
-          <p:cNvPr id="346" name="TextBox 345">
-            <a:extLst>
-              <a:ext uri="{FF2B5EF4-FFF2-40B4-BE49-F238E27FC236}">
-                <a16:creationId xmlns:a16="http://schemas.microsoft.com/office/drawing/2014/main" id="{C98FE04E-0CBE-EE4E-AE3B-DC8FBEECE793}"/>
-              </a:ext>
-            </a:extLst>
-          </p:cNvPr>
-          <p:cNvSpPr txBox="1"/>
-          <p:nvPr/>
-        </p:nvSpPr>
-        <p:spPr>
-          <a:xfrm>
-            <a:off x="4959767" y="63277"/>
-            <a:ext cx="2240339" cy="646331"/>
-          </a:xfrm>
-          <a:prstGeom prst="rect">
-            <a:avLst/>
-          </a:prstGeom>
-          <a:noFill/>
-        </p:spPr>
-        <p:txBody>
-          <a:bodyPr wrap="square" rtlCol="0">
-            <a:spAutoFit/>
-          </a:bodyPr>
-          <a:lstStyle/>
-          <a:p>
-            <a:pPr algn="ctr"/>
-            <a:r>
-              <a:rPr lang="en-US" dirty="0">
-                <a:solidFill>
-                  <a:schemeClr val="accent2"/>
-                </a:solidFill>
-              </a:rPr>
-              <a:t>Long recording navigation</a:t>
-            </a:r>
-          </a:p>
-        </p:txBody>
-      </p:sp>
-      <p:sp>
-        <p:nvSpPr>
-          <p:cNvPr id="7" name="Right Brace 6">
-            <a:extLst>
-              <a:ext uri="{FF2B5EF4-FFF2-40B4-BE49-F238E27FC236}">
-                <a16:creationId xmlns:a16="http://schemas.microsoft.com/office/drawing/2014/main" id="{7E66ABAF-368B-944D-8FF3-B9BD895EF0EC}"/>
-              </a:ext>
-            </a:extLst>
-          </p:cNvPr>
-          <p:cNvSpPr/>
-          <p:nvPr/>
-        </p:nvSpPr>
-        <p:spPr>
-          <a:xfrm>
-            <a:off x="8892875" y="3127652"/>
-            <a:ext cx="238931" cy="1280032"/>
-          </a:xfrm>
-          <a:prstGeom prst="rightBrace">
-            <a:avLst/>
-          </a:prstGeom>
-        </p:spPr>
-        <p:style>
-          <a:lnRef idx="1">
-            <a:schemeClr val="accent2"/>
-          </a:lnRef>
-          <a:fillRef idx="0">
-            <a:schemeClr val="accent2"/>
-          </a:fillRef>
-          <a:effectRef idx="0">
-            <a:schemeClr val="accent2"/>
-          </a:effectRef>
-          <a:fontRef idx="minor">
-            <a:schemeClr val="tx1"/>
-          </a:fontRef>
-        </p:style>
-        <p:txBody>
-          <a:bodyPr rtlCol="0" anchor="ctr"/>
-          <a:lstStyle/>
-          <a:p>
-            <a:pPr algn="ctr"/>
-            <a:endParaRPr lang="en-US"/>
-          </a:p>
-        </p:txBody>
-      </p:sp>
-      <p:sp>
-        <p:nvSpPr>
-          <p:cNvPr id="347" name="TextBox 346">
-            <a:extLst>
-              <a:ext uri="{FF2B5EF4-FFF2-40B4-BE49-F238E27FC236}">
-                <a16:creationId xmlns:a16="http://schemas.microsoft.com/office/drawing/2014/main" id="{28166548-3E55-7846-B73A-CA712BCC8E34}"/>
-              </a:ext>
-            </a:extLst>
-          </p:cNvPr>
-          <p:cNvSpPr txBox="1"/>
-          <p:nvPr/>
-        </p:nvSpPr>
-        <p:spPr>
-          <a:xfrm>
-            <a:off x="9104322" y="3283825"/>
-            <a:ext cx="2522900" cy="369332"/>
-          </a:xfrm>
-          <a:prstGeom prst="rect">
-            <a:avLst/>
-          </a:prstGeom>
-          <a:noFill/>
-        </p:spPr>
-        <p:txBody>
-          <a:bodyPr wrap="square" rtlCol="0">
-            <a:spAutoFit/>
-          </a:bodyPr>
-          <a:lstStyle/>
-          <a:p>
-            <a:r>
-              <a:rPr lang="en-US" dirty="0">
-                <a:solidFill>
-                  <a:schemeClr val="accent2"/>
-                </a:solidFill>
-              </a:rPr>
-              <a:t>Window container</a:t>
+              <a:t>Group box of video widgets</a:t>
             </a:r>
           </a:p>
         </p:txBody>
@@ -16453,7 +16083,7 @@
         </p:nvSpPr>
         <p:spPr>
           <a:xfrm>
-            <a:off x="4390045" y="1754249"/>
+            <a:off x="4390045" y="1854610"/>
             <a:ext cx="1140655" cy="300082"/>
           </a:xfrm>
           <a:prstGeom prst="rect">
@@ -16504,7 +16134,7 @@
         </p:nvSpPr>
         <p:spPr>
           <a:xfrm>
-            <a:off x="4390045" y="2332627"/>
+            <a:off x="4390045" y="2533347"/>
             <a:ext cx="1140655" cy="300082"/>
           </a:xfrm>
           <a:prstGeom prst="rect">
@@ -16543,10 +16173,10 @@
       </p:sp>
       <p:sp>
         <p:nvSpPr>
-          <p:cNvPr id="353" name="TextBox 352">
-            <a:extLst>
-              <a:ext uri="{FF2B5EF4-FFF2-40B4-BE49-F238E27FC236}">
-                <a16:creationId xmlns:a16="http://schemas.microsoft.com/office/drawing/2014/main" id="{D5D464B2-423D-4B45-BB3D-06EFE0949D0D}"/>
+          <p:cNvPr id="354" name="TextBox 353">
+            <a:extLst>
+              <a:ext uri="{FF2B5EF4-FFF2-40B4-BE49-F238E27FC236}">
+                <a16:creationId xmlns:a16="http://schemas.microsoft.com/office/drawing/2014/main" id="{72644559-B73A-834A-B8B2-7BCC13009292}"/>
               </a:ext>
             </a:extLst>
           </p:cNvPr>
@@ -16555,8 +16185,8 @@
         </p:nvSpPr>
         <p:spPr>
           <a:xfrm>
-            <a:off x="4006952" y="2911002"/>
-            <a:ext cx="1529064" cy="300082"/>
+            <a:off x="4390044" y="3294493"/>
+            <a:ext cx="1140655" cy="300082"/>
           </a:xfrm>
           <a:prstGeom prst="rect">
             <a:avLst/>
@@ -16586,7 +16216,7 @@
             <a:pPr algn="ctr"/>
             <a:r>
               <a:rPr lang="en-US" sz="1350" dirty="0" err="1"/>
-              <a:t>QDoubleSpinBox</a:t>
+              <a:t>QLineEdit</a:t>
             </a:r>
             <a:endParaRPr lang="en-US" sz="1350" dirty="0"/>
           </a:p>
@@ -16594,10 +16224,10 @@
       </p:sp>
       <p:sp>
         <p:nvSpPr>
-          <p:cNvPr id="354" name="TextBox 353">
-            <a:extLst>
-              <a:ext uri="{FF2B5EF4-FFF2-40B4-BE49-F238E27FC236}">
-                <a16:creationId xmlns:a16="http://schemas.microsoft.com/office/drawing/2014/main" id="{72644559-B73A-834A-B8B2-7BCC13009292}"/>
+          <p:cNvPr id="355" name="TextBox 354">
+            <a:extLst>
+              <a:ext uri="{FF2B5EF4-FFF2-40B4-BE49-F238E27FC236}">
+                <a16:creationId xmlns:a16="http://schemas.microsoft.com/office/drawing/2014/main" id="{477FB8E8-737F-C549-B160-72B791B58E94}"/>
               </a:ext>
             </a:extLst>
           </p:cNvPr>
@@ -16606,58 +16236,7 @@
         </p:nvSpPr>
         <p:spPr>
           <a:xfrm>
-            <a:off x="4390044" y="3484060"/>
-            <a:ext cx="1140655" cy="300082"/>
-          </a:xfrm>
-          <a:prstGeom prst="rect">
-            <a:avLst/>
-          </a:prstGeom>
-          <a:ln/>
-        </p:spPr>
-        <p:style>
-          <a:lnRef idx="1">
-            <a:schemeClr val="accent6"/>
-          </a:lnRef>
-          <a:fillRef idx="2">
-            <a:schemeClr val="accent6"/>
-          </a:fillRef>
-          <a:effectRef idx="1">
-            <a:schemeClr val="accent6"/>
-          </a:effectRef>
-          <a:fontRef idx="minor">
-            <a:schemeClr val="dk1"/>
-          </a:fontRef>
-        </p:style>
-        <p:txBody>
-          <a:bodyPr wrap="square" rtlCol="0">
-            <a:spAutoFit/>
-          </a:bodyPr>
-          <a:lstStyle/>
-          <a:p>
-            <a:pPr algn="ctr"/>
-            <a:r>
-              <a:rPr lang="en-US" sz="1350" dirty="0" err="1"/>
-              <a:t>QLineEdit</a:t>
-            </a:r>
-            <a:endParaRPr lang="en-US" sz="1350" dirty="0"/>
-          </a:p>
-        </p:txBody>
-      </p:sp>
-      <p:sp>
-        <p:nvSpPr>
-          <p:cNvPr id="355" name="TextBox 354">
-            <a:extLst>
-              <a:ext uri="{FF2B5EF4-FFF2-40B4-BE49-F238E27FC236}">
-                <a16:creationId xmlns:a16="http://schemas.microsoft.com/office/drawing/2014/main" id="{477FB8E8-737F-C549-B160-72B791B58E94}"/>
-              </a:ext>
-            </a:extLst>
-          </p:cNvPr>
-          <p:cNvSpPr txBox="1"/>
-          <p:nvPr/>
-        </p:nvSpPr>
-        <p:spPr>
-          <a:xfrm>
-            <a:off x="4301658" y="4057118"/>
+            <a:off x="4301658" y="3979061"/>
             <a:ext cx="1229041" cy="300082"/>
           </a:xfrm>
           <a:prstGeom prst="rect">
@@ -16852,7 +16431,7 @@
         </p:nvCxnSpPr>
         <p:spPr>
           <a:xfrm flipH="1">
-            <a:off x="5530700" y="1904290"/>
+            <a:off x="5530700" y="2004651"/>
             <a:ext cx="556494" cy="0"/>
           </a:xfrm>
           <a:prstGeom prst="line">
@@ -16891,47 +16470,8 @@
         </p:nvCxnSpPr>
         <p:spPr>
           <a:xfrm flipH="1">
-            <a:off x="5530700" y="2482668"/>
+            <a:off x="5530700" y="2683388"/>
             <a:ext cx="557759" cy="0"/>
-          </a:xfrm>
-          <a:prstGeom prst="line">
-            <a:avLst/>
-          </a:prstGeom>
-        </p:spPr>
-        <p:style>
-          <a:lnRef idx="1">
-            <a:schemeClr val="dk1"/>
-          </a:lnRef>
-          <a:fillRef idx="0">
-            <a:schemeClr val="dk1"/>
-          </a:fillRef>
-          <a:effectRef idx="0">
-            <a:schemeClr val="dk1"/>
-          </a:effectRef>
-          <a:fontRef idx="minor">
-            <a:schemeClr val="tx1"/>
-          </a:fontRef>
-        </p:style>
-      </p:cxnSp>
-      <p:cxnSp>
-        <p:nvCxnSpPr>
-          <p:cNvPr id="361" name="Straight Connector 360">
-            <a:extLst>
-              <a:ext uri="{FF2B5EF4-FFF2-40B4-BE49-F238E27FC236}">
-                <a16:creationId xmlns:a16="http://schemas.microsoft.com/office/drawing/2014/main" id="{905D0497-AB72-9B45-A2DB-03DC9020250A}"/>
-              </a:ext>
-            </a:extLst>
-          </p:cNvPr>
-          <p:cNvCxnSpPr>
-            <a:cxnSpLocks/>
-            <a:endCxn id="353" idx="3"/>
-          </p:cNvCxnSpPr>
-          <p:nvPr/>
-        </p:nvCxnSpPr>
-        <p:spPr>
-          <a:xfrm flipH="1">
-            <a:off x="5536016" y="3061043"/>
-            <a:ext cx="547822" cy="0"/>
           </a:xfrm>
           <a:prstGeom prst="line">
             <a:avLst/>
@@ -16968,7 +16508,7 @@
         </p:nvCxnSpPr>
         <p:spPr>
           <a:xfrm flipH="1">
-            <a:off x="5530698" y="3634101"/>
+            <a:off x="5530698" y="3444534"/>
             <a:ext cx="546945" cy="1"/>
           </a:xfrm>
           <a:prstGeom prst="line">
@@ -17007,7 +16547,7 @@
         </p:nvCxnSpPr>
         <p:spPr>
           <a:xfrm flipH="1">
-            <a:off x="5530699" y="4207159"/>
+            <a:off x="5530699" y="4129102"/>
             <a:ext cx="553139" cy="0"/>
           </a:xfrm>
           <a:prstGeom prst="line">
@@ -17282,7 +16822,7 @@
         <p:spPr>
           <a:xfrm>
             <a:off x="5512562" y="1081057"/>
-            <a:ext cx="256653" cy="300082"/>
+            <a:ext cx="484621" cy="300082"/>
           </a:xfrm>
           <a:prstGeom prst="rect">
             <a:avLst/>
@@ -17297,7 +16837,7 @@
           <a:p>
             <a:r>
               <a:rPr lang="en-US" sz="1350" dirty="0"/>
-              <a:t>3</a:t>
+              <a:t>24</a:t>
             </a:r>
           </a:p>
         </p:txBody>
@@ -17316,7 +16856,7 @@
         </p:nvSpPr>
         <p:spPr>
           <a:xfrm>
-            <a:off x="5512772" y="1637079"/>
+            <a:off x="5512772" y="1737440"/>
             <a:ext cx="256653" cy="300082"/>
           </a:xfrm>
           <a:prstGeom prst="rect">
@@ -17351,7 +16891,7 @@
         </p:nvSpPr>
         <p:spPr>
           <a:xfrm>
-            <a:off x="5501103" y="2214834"/>
+            <a:off x="5501103" y="2415554"/>
             <a:ext cx="394757" cy="300082"/>
           </a:xfrm>
           <a:prstGeom prst="rect">
@@ -17367,17 +16907,17 @@
           <a:p>
             <a:r>
               <a:rPr lang="en-US" sz="1350" dirty="0"/>
-              <a:t>34</a:t>
-            </a:r>
-          </a:p>
-        </p:txBody>
-      </p:sp>
-      <p:sp>
-        <p:nvSpPr>
-          <p:cNvPr id="374" name="TextBox 373">
-            <a:extLst>
-              <a:ext uri="{FF2B5EF4-FFF2-40B4-BE49-F238E27FC236}">
-                <a16:creationId xmlns:a16="http://schemas.microsoft.com/office/drawing/2014/main" id="{0503FA90-F427-6243-BF20-D89D001BA924}"/>
+              <a:t>45</a:t>
+            </a:r>
+          </a:p>
+        </p:txBody>
+      </p:sp>
+      <p:sp>
+        <p:nvSpPr>
+          <p:cNvPr id="375" name="TextBox 374">
+            <a:extLst>
+              <a:ext uri="{FF2B5EF4-FFF2-40B4-BE49-F238E27FC236}">
+                <a16:creationId xmlns:a16="http://schemas.microsoft.com/office/drawing/2014/main" id="{1EFB2A72-82C4-494D-AF57-F1A1FB3CEA52}"/>
               </a:ext>
             </a:extLst>
           </p:cNvPr>
@@ -17386,7 +16926,7 @@
         </p:nvSpPr>
         <p:spPr>
           <a:xfrm>
-            <a:off x="5510795" y="2787780"/>
+            <a:off x="5519005" y="3160196"/>
             <a:ext cx="394757" cy="300082"/>
           </a:xfrm>
           <a:prstGeom prst="rect">
@@ -17402,17 +16942,17 @@
           <a:p>
             <a:r>
               <a:rPr lang="en-US" sz="1350" dirty="0"/>
-              <a:t>1</a:t>
-            </a:r>
-          </a:p>
-        </p:txBody>
-      </p:sp>
-      <p:sp>
-        <p:nvSpPr>
-          <p:cNvPr id="375" name="TextBox 374">
-            <a:extLst>
-              <a:ext uri="{FF2B5EF4-FFF2-40B4-BE49-F238E27FC236}">
-                <a16:creationId xmlns:a16="http://schemas.microsoft.com/office/drawing/2014/main" id="{1EFB2A72-82C4-494D-AF57-F1A1FB3CEA52}"/>
+              <a:t>6</a:t>
+            </a:r>
+          </a:p>
+        </p:txBody>
+      </p:sp>
+      <p:sp>
+        <p:nvSpPr>
+          <p:cNvPr id="376" name="TextBox 375">
+            <a:extLst>
+              <a:ext uri="{FF2B5EF4-FFF2-40B4-BE49-F238E27FC236}">
+                <a16:creationId xmlns:a16="http://schemas.microsoft.com/office/drawing/2014/main" id="{26133B66-9FEE-024C-A6A2-519448E9E766}"/>
               </a:ext>
             </a:extLst>
           </p:cNvPr>
@@ -17421,42 +16961,7 @@
         </p:nvSpPr>
         <p:spPr>
           <a:xfrm>
-            <a:off x="5519005" y="3349763"/>
-            <a:ext cx="394757" cy="300082"/>
-          </a:xfrm>
-          <a:prstGeom prst="rect">
-            <a:avLst/>
-          </a:prstGeom>
-          <a:noFill/>
-        </p:spPr>
-        <p:txBody>
-          <a:bodyPr wrap="square" rtlCol="0">
-            <a:spAutoFit/>
-          </a:bodyPr>
-          <a:lstStyle/>
-          <a:p>
-            <a:r>
-              <a:rPr lang="en-US" sz="1350" dirty="0"/>
-              <a:t>3</a:t>
-            </a:r>
-          </a:p>
-        </p:txBody>
-      </p:sp>
-      <p:sp>
-        <p:nvSpPr>
-          <p:cNvPr id="376" name="TextBox 375">
-            <a:extLst>
-              <a:ext uri="{FF2B5EF4-FFF2-40B4-BE49-F238E27FC236}">
-                <a16:creationId xmlns:a16="http://schemas.microsoft.com/office/drawing/2014/main" id="{26133B66-9FEE-024C-A6A2-519448E9E766}"/>
-              </a:ext>
-            </a:extLst>
-          </p:cNvPr>
-          <p:cNvSpPr txBox="1"/>
-          <p:nvPr/>
-        </p:nvSpPr>
-        <p:spPr>
-          <a:xfrm>
-            <a:off x="5543051" y="3934183"/>
+            <a:off x="5543051" y="3856126"/>
             <a:ext cx="394757" cy="300082"/>
           </a:xfrm>
           <a:prstGeom prst="rect">
